--- a/SE202526/Management/Scrum Board.pptx
+++ b/SE202526/Management/Scrum Board.pptx
@@ -5,7 +5,7 @@
     <p:sldMasterId id="2147483659" r:id="rId1"/>
   </p:sldMasterIdLst>
   <p:notesMasterIdLst>
-    <p:notesMasterId r:id="rId10"/>
+    <p:notesMasterId r:id="rId13"/>
   </p:notesMasterIdLst>
   <p:sldIdLst>
     <p:sldId id="256" r:id="rId2"/>
@@ -16,6 +16,9 @@
     <p:sldId id="261" r:id="rId7"/>
     <p:sldId id="262" r:id="rId8"/>
     <p:sldId id="263" r:id="rId9"/>
+    <p:sldId id="264" r:id="rId10"/>
+    <p:sldId id="265" r:id="rId11"/>
+    <p:sldId id="266" r:id="rId12"/>
   </p:sldIdLst>
   <p:sldSz cx="21599525" cy="10799763"/>
   <p:notesSz cx="6858000" cy="9144000"/>
@@ -812,6 +815,260 @@
 </p:notes>
 </file>
 
+<file path=ppt/notesSlides/notesSlide10.xml><?xml version="1.0" encoding="utf-8"?>
+<p:notes xmlns:a="http://schemas.openxmlformats.org/drawingml/2006/main" xmlns:r="http://schemas.openxmlformats.org/officeDocument/2006/relationships" xmlns:p="http://schemas.openxmlformats.org/presentationml/2006/main" showMasterSp="0" showMasterPhAnim="0">
+  <p:cSld>
+    <p:spTree>
+      <p:nvGrpSpPr>
+        <p:cNvPr id="1" name="Shape 62">
+          <a:extLst>
+            <a:ext uri="{FF2B5EF4-FFF2-40B4-BE49-F238E27FC236}">
+              <a16:creationId xmlns:a16="http://schemas.microsoft.com/office/drawing/2014/main" id="{8D190DEE-325B-CCA4-7256-A03E3132F8A9}"/>
+            </a:ext>
+          </a:extLst>
+        </p:cNvPr>
+        <p:cNvGrpSpPr/>
+        <p:nvPr/>
+      </p:nvGrpSpPr>
+      <p:grpSpPr>
+        <a:xfrm>
+          <a:off x="0" y="0"/>
+          <a:ext cx="0" cy="0"/>
+          <a:chOff x="0" y="0"/>
+          <a:chExt cx="0" cy="0"/>
+        </a:xfrm>
+      </p:grpSpPr>
+      <p:sp>
+        <p:nvSpPr>
+          <p:cNvPr id="63" name="Google Shape;63;g3850b307b58_0_0:notes">
+            <a:extLst>
+              <a:ext uri="{FF2B5EF4-FFF2-40B4-BE49-F238E27FC236}">
+                <a16:creationId xmlns:a16="http://schemas.microsoft.com/office/drawing/2014/main" id="{629F601B-1099-0C5B-9F87-15343FAFE82A}"/>
+              </a:ext>
+            </a:extLst>
+          </p:cNvPr>
+          <p:cNvSpPr>
+            <a:spLocks noGrp="1" noRot="1" noChangeAspect="1"/>
+          </p:cNvSpPr>
+          <p:nvPr>
+            <p:ph type="sldImg" idx="2"/>
+          </p:nvPr>
+        </p:nvSpPr>
+        <p:spPr>
+          <a:xfrm>
+            <a:off x="0" y="685800"/>
+            <a:ext cx="6858000" cy="3429000"/>
+          </a:xfrm>
+          <a:custGeom>
+            <a:avLst/>
+            <a:gdLst/>
+            <a:ahLst/>
+            <a:cxnLst/>
+            <a:rect l="l" t="t" r="r" b="b"/>
+            <a:pathLst>
+              <a:path w="120000" h="120000" extrusionOk="0">
+                <a:moveTo>
+                  <a:pt x="0" y="0"/>
+                </a:moveTo>
+                <a:lnTo>
+                  <a:pt x="120000" y="0"/>
+                </a:lnTo>
+                <a:lnTo>
+                  <a:pt x="120000" y="120000"/>
+                </a:lnTo>
+                <a:lnTo>
+                  <a:pt x="0" y="120000"/>
+                </a:lnTo>
+                <a:close/>
+              </a:path>
+            </a:pathLst>
+          </a:custGeom>
+        </p:spPr>
+      </p:sp>
+      <p:sp>
+        <p:nvSpPr>
+          <p:cNvPr id="64" name="Google Shape;64;g3850b307b58_0_0:notes">
+            <a:extLst>
+              <a:ext uri="{FF2B5EF4-FFF2-40B4-BE49-F238E27FC236}">
+                <a16:creationId xmlns:a16="http://schemas.microsoft.com/office/drawing/2014/main" id="{DC9A8E07-E236-F902-D33C-E0E33CDC12CA}"/>
+              </a:ext>
+            </a:extLst>
+          </p:cNvPr>
+          <p:cNvSpPr txBox="1">
+            <a:spLocks noGrp="1"/>
+          </p:cNvSpPr>
+          <p:nvPr>
+            <p:ph type="body" idx="1"/>
+          </p:nvPr>
+        </p:nvSpPr>
+        <p:spPr>
+          <a:xfrm>
+            <a:off x="685800" y="4343400"/>
+            <a:ext cx="5486400" cy="4114800"/>
+          </a:xfrm>
+          <a:prstGeom prst="rect">
+            <a:avLst/>
+          </a:prstGeom>
+        </p:spPr>
+        <p:txBody>
+          <a:bodyPr spcFirstLastPara="1" wrap="square" lIns="91425" tIns="91425" rIns="91425" bIns="91425" anchor="t" anchorCtr="0">
+            <a:noAutofit/>
+          </a:bodyPr>
+          <a:lstStyle/>
+          <a:p>
+            <a:pPr marL="0" lvl="0" indent="0" algn="l" rtl="0">
+              <a:spcBef>
+                <a:spcPts val="0"/>
+              </a:spcBef>
+              <a:spcAft>
+                <a:spcPts val="0"/>
+              </a:spcAft>
+              <a:buNone/>
+            </a:pPr>
+            <a:endParaRPr/>
+          </a:p>
+        </p:txBody>
+      </p:sp>
+    </p:spTree>
+    <p:extLst>
+      <p:ext uri="{BB962C8B-B14F-4D97-AF65-F5344CB8AC3E}">
+        <p14:creationId xmlns:p14="http://schemas.microsoft.com/office/powerpoint/2010/main" val="2172368839"/>
+      </p:ext>
+    </p:extLst>
+  </p:cSld>
+  <p:clrMapOvr>
+    <a:masterClrMapping/>
+  </p:clrMapOvr>
+</p:notes>
+</file>
+
+<file path=ppt/notesSlides/notesSlide11.xml><?xml version="1.0" encoding="utf-8"?>
+<p:notes xmlns:a="http://schemas.openxmlformats.org/drawingml/2006/main" xmlns:r="http://schemas.openxmlformats.org/officeDocument/2006/relationships" xmlns:p="http://schemas.openxmlformats.org/presentationml/2006/main" showMasterSp="0" showMasterPhAnim="0">
+  <p:cSld>
+    <p:spTree>
+      <p:nvGrpSpPr>
+        <p:cNvPr id="1" name="Shape 62">
+          <a:extLst>
+            <a:ext uri="{FF2B5EF4-FFF2-40B4-BE49-F238E27FC236}">
+              <a16:creationId xmlns:a16="http://schemas.microsoft.com/office/drawing/2014/main" id="{5DC3B0FC-8F71-5B96-E2FE-3A83432D48FD}"/>
+            </a:ext>
+          </a:extLst>
+        </p:cNvPr>
+        <p:cNvGrpSpPr/>
+        <p:nvPr/>
+      </p:nvGrpSpPr>
+      <p:grpSpPr>
+        <a:xfrm>
+          <a:off x="0" y="0"/>
+          <a:ext cx="0" cy="0"/>
+          <a:chOff x="0" y="0"/>
+          <a:chExt cx="0" cy="0"/>
+        </a:xfrm>
+      </p:grpSpPr>
+      <p:sp>
+        <p:nvSpPr>
+          <p:cNvPr id="63" name="Google Shape;63;g3850b307b58_0_0:notes">
+            <a:extLst>
+              <a:ext uri="{FF2B5EF4-FFF2-40B4-BE49-F238E27FC236}">
+                <a16:creationId xmlns:a16="http://schemas.microsoft.com/office/drawing/2014/main" id="{BCFC2994-201D-D76A-A1C3-9329A818E005}"/>
+              </a:ext>
+            </a:extLst>
+          </p:cNvPr>
+          <p:cNvSpPr>
+            <a:spLocks noGrp="1" noRot="1" noChangeAspect="1"/>
+          </p:cNvSpPr>
+          <p:nvPr>
+            <p:ph type="sldImg" idx="2"/>
+          </p:nvPr>
+        </p:nvSpPr>
+        <p:spPr>
+          <a:xfrm>
+            <a:off x="0" y="685800"/>
+            <a:ext cx="6858000" cy="3429000"/>
+          </a:xfrm>
+          <a:custGeom>
+            <a:avLst/>
+            <a:gdLst/>
+            <a:ahLst/>
+            <a:cxnLst/>
+            <a:rect l="l" t="t" r="r" b="b"/>
+            <a:pathLst>
+              <a:path w="120000" h="120000" extrusionOk="0">
+                <a:moveTo>
+                  <a:pt x="0" y="0"/>
+                </a:moveTo>
+                <a:lnTo>
+                  <a:pt x="120000" y="0"/>
+                </a:lnTo>
+                <a:lnTo>
+                  <a:pt x="120000" y="120000"/>
+                </a:lnTo>
+                <a:lnTo>
+                  <a:pt x="0" y="120000"/>
+                </a:lnTo>
+                <a:close/>
+              </a:path>
+            </a:pathLst>
+          </a:custGeom>
+        </p:spPr>
+      </p:sp>
+      <p:sp>
+        <p:nvSpPr>
+          <p:cNvPr id="64" name="Google Shape;64;g3850b307b58_0_0:notes">
+            <a:extLst>
+              <a:ext uri="{FF2B5EF4-FFF2-40B4-BE49-F238E27FC236}">
+                <a16:creationId xmlns:a16="http://schemas.microsoft.com/office/drawing/2014/main" id="{146C2E9A-19BB-A7A8-DC11-7D5E71E71A12}"/>
+              </a:ext>
+            </a:extLst>
+          </p:cNvPr>
+          <p:cNvSpPr txBox="1">
+            <a:spLocks noGrp="1"/>
+          </p:cNvSpPr>
+          <p:nvPr>
+            <p:ph type="body" idx="1"/>
+          </p:nvPr>
+        </p:nvSpPr>
+        <p:spPr>
+          <a:xfrm>
+            <a:off x="685800" y="4343400"/>
+            <a:ext cx="5486400" cy="4114800"/>
+          </a:xfrm>
+          <a:prstGeom prst="rect">
+            <a:avLst/>
+          </a:prstGeom>
+        </p:spPr>
+        <p:txBody>
+          <a:bodyPr spcFirstLastPara="1" wrap="square" lIns="91425" tIns="91425" rIns="91425" bIns="91425" anchor="t" anchorCtr="0">
+            <a:noAutofit/>
+          </a:bodyPr>
+          <a:lstStyle/>
+          <a:p>
+            <a:pPr marL="0" lvl="0" indent="0" algn="l" rtl="0">
+              <a:spcBef>
+                <a:spcPts val="0"/>
+              </a:spcBef>
+              <a:spcAft>
+                <a:spcPts val="0"/>
+              </a:spcAft>
+              <a:buNone/>
+            </a:pPr>
+            <a:endParaRPr/>
+          </a:p>
+        </p:txBody>
+      </p:sp>
+    </p:spTree>
+    <p:extLst>
+      <p:ext uri="{BB962C8B-B14F-4D97-AF65-F5344CB8AC3E}">
+        <p14:creationId xmlns:p14="http://schemas.microsoft.com/office/powerpoint/2010/main" val="3969404208"/>
+      </p:ext>
+    </p:extLst>
+  </p:cSld>
+  <p:clrMapOvr>
+    <a:masterClrMapping/>
+  </p:clrMapOvr>
+</p:notes>
+</file>
+
 <file path=ppt/notesSlides/notesSlide2.xml><?xml version="1.0" encoding="utf-8"?>
 <p:notes xmlns:a="http://schemas.openxmlformats.org/drawingml/2006/main" xmlns:r="http://schemas.openxmlformats.org/officeDocument/2006/relationships" xmlns:p="http://schemas.openxmlformats.org/presentationml/2006/main" showMasterSp="0" showMasterPhAnim="0">
   <p:cSld>
@@ -1533,6 +1790,133 @@
         </p:txBody>
       </p:sp>
     </p:spTree>
+  </p:cSld>
+  <p:clrMapOvr>
+    <a:masterClrMapping/>
+  </p:clrMapOvr>
+</p:notes>
+</file>
+
+<file path=ppt/notesSlides/notesSlide9.xml><?xml version="1.0" encoding="utf-8"?>
+<p:notes xmlns:a="http://schemas.openxmlformats.org/drawingml/2006/main" xmlns:r="http://schemas.openxmlformats.org/officeDocument/2006/relationships" xmlns:p="http://schemas.openxmlformats.org/presentationml/2006/main" showMasterSp="0" showMasterPhAnim="0">
+  <p:cSld>
+    <p:spTree>
+      <p:nvGrpSpPr>
+        <p:cNvPr id="1" name="Shape 62">
+          <a:extLst>
+            <a:ext uri="{FF2B5EF4-FFF2-40B4-BE49-F238E27FC236}">
+              <a16:creationId xmlns:a16="http://schemas.microsoft.com/office/drawing/2014/main" id="{EA3B064C-87F3-8C83-814F-4B90A43D3210}"/>
+            </a:ext>
+          </a:extLst>
+        </p:cNvPr>
+        <p:cNvGrpSpPr/>
+        <p:nvPr/>
+      </p:nvGrpSpPr>
+      <p:grpSpPr>
+        <a:xfrm>
+          <a:off x="0" y="0"/>
+          <a:ext cx="0" cy="0"/>
+          <a:chOff x="0" y="0"/>
+          <a:chExt cx="0" cy="0"/>
+        </a:xfrm>
+      </p:grpSpPr>
+      <p:sp>
+        <p:nvSpPr>
+          <p:cNvPr id="63" name="Google Shape;63;g3850b307b58_0_0:notes">
+            <a:extLst>
+              <a:ext uri="{FF2B5EF4-FFF2-40B4-BE49-F238E27FC236}">
+                <a16:creationId xmlns:a16="http://schemas.microsoft.com/office/drawing/2014/main" id="{09E82639-BDB9-28A2-F434-49974811444C}"/>
+              </a:ext>
+            </a:extLst>
+          </p:cNvPr>
+          <p:cNvSpPr>
+            <a:spLocks noGrp="1" noRot="1" noChangeAspect="1"/>
+          </p:cNvSpPr>
+          <p:nvPr>
+            <p:ph type="sldImg" idx="2"/>
+          </p:nvPr>
+        </p:nvSpPr>
+        <p:spPr>
+          <a:xfrm>
+            <a:off x="0" y="685800"/>
+            <a:ext cx="6858000" cy="3429000"/>
+          </a:xfrm>
+          <a:custGeom>
+            <a:avLst/>
+            <a:gdLst/>
+            <a:ahLst/>
+            <a:cxnLst/>
+            <a:rect l="l" t="t" r="r" b="b"/>
+            <a:pathLst>
+              <a:path w="120000" h="120000" extrusionOk="0">
+                <a:moveTo>
+                  <a:pt x="0" y="0"/>
+                </a:moveTo>
+                <a:lnTo>
+                  <a:pt x="120000" y="0"/>
+                </a:lnTo>
+                <a:lnTo>
+                  <a:pt x="120000" y="120000"/>
+                </a:lnTo>
+                <a:lnTo>
+                  <a:pt x="0" y="120000"/>
+                </a:lnTo>
+                <a:close/>
+              </a:path>
+            </a:pathLst>
+          </a:custGeom>
+        </p:spPr>
+      </p:sp>
+      <p:sp>
+        <p:nvSpPr>
+          <p:cNvPr id="64" name="Google Shape;64;g3850b307b58_0_0:notes">
+            <a:extLst>
+              <a:ext uri="{FF2B5EF4-FFF2-40B4-BE49-F238E27FC236}">
+                <a16:creationId xmlns:a16="http://schemas.microsoft.com/office/drawing/2014/main" id="{570649CD-D37A-D3E3-28F3-BAE7E8CECADA}"/>
+              </a:ext>
+            </a:extLst>
+          </p:cNvPr>
+          <p:cNvSpPr txBox="1">
+            <a:spLocks noGrp="1"/>
+          </p:cNvSpPr>
+          <p:nvPr>
+            <p:ph type="body" idx="1"/>
+          </p:nvPr>
+        </p:nvSpPr>
+        <p:spPr>
+          <a:xfrm>
+            <a:off x="685800" y="4343400"/>
+            <a:ext cx="5486400" cy="4114800"/>
+          </a:xfrm>
+          <a:prstGeom prst="rect">
+            <a:avLst/>
+          </a:prstGeom>
+        </p:spPr>
+        <p:txBody>
+          <a:bodyPr spcFirstLastPara="1" wrap="square" lIns="91425" tIns="91425" rIns="91425" bIns="91425" anchor="t" anchorCtr="0">
+            <a:noAutofit/>
+          </a:bodyPr>
+          <a:lstStyle/>
+          <a:p>
+            <a:pPr marL="0" lvl="0" indent="0" algn="l" rtl="0">
+              <a:spcBef>
+                <a:spcPts val="0"/>
+              </a:spcBef>
+              <a:spcAft>
+                <a:spcPts val="0"/>
+              </a:spcAft>
+              <a:buNone/>
+            </a:pPr>
+            <a:endParaRPr/>
+          </a:p>
+        </p:txBody>
+      </p:sp>
+    </p:spTree>
+    <p:extLst>
+      <p:ext uri="{BB962C8B-B14F-4D97-AF65-F5344CB8AC3E}">
+        <p14:creationId xmlns:p14="http://schemas.microsoft.com/office/powerpoint/2010/main" val="3136769139"/>
+      </p:ext>
+    </p:extLst>
   </p:cSld>
   <p:clrMapOvr>
     <a:masterClrMapping/>
@@ -6370,6 +6754,4300 @@
 </p:sld>
 </file>
 
+<file path=ppt/slides/slide10.xml><?xml version="1.0" encoding="utf-8"?>
+<p:sld xmlns:a="http://schemas.openxmlformats.org/drawingml/2006/main" xmlns:r="http://schemas.openxmlformats.org/officeDocument/2006/relationships" xmlns:p="http://schemas.openxmlformats.org/presentationml/2006/main">
+  <p:cSld>
+    <p:spTree>
+      <p:nvGrpSpPr>
+        <p:cNvPr id="1" name="Shape 65">
+          <a:extLst>
+            <a:ext uri="{FF2B5EF4-FFF2-40B4-BE49-F238E27FC236}">
+              <a16:creationId xmlns:a16="http://schemas.microsoft.com/office/drawing/2014/main" id="{01AE9487-B2D3-F75B-5300-0F3040B49592}"/>
+            </a:ext>
+          </a:extLst>
+        </p:cNvPr>
+        <p:cNvGrpSpPr/>
+        <p:nvPr/>
+      </p:nvGrpSpPr>
+      <p:grpSpPr>
+        <a:xfrm>
+          <a:off x="0" y="0"/>
+          <a:ext cx="0" cy="0"/>
+          <a:chOff x="0" y="0"/>
+          <a:chExt cx="0" cy="0"/>
+        </a:xfrm>
+      </p:grpSpPr>
+      <p:cxnSp>
+        <p:nvCxnSpPr>
+          <p:cNvPr id="66" name="Google Shape;66;p15">
+            <a:extLst>
+              <a:ext uri="{FF2B5EF4-FFF2-40B4-BE49-F238E27FC236}">
+                <a16:creationId xmlns:a16="http://schemas.microsoft.com/office/drawing/2014/main" id="{00DD3C26-5410-D47A-E478-B2959CF6BCD2}"/>
+              </a:ext>
+            </a:extLst>
+          </p:cNvPr>
+          <p:cNvCxnSpPr/>
+          <p:nvPr/>
+        </p:nvCxnSpPr>
+        <p:spPr>
+          <a:xfrm>
+            <a:off x="5944724" y="-31500"/>
+            <a:ext cx="0" cy="10857000"/>
+          </a:xfrm>
+          <a:prstGeom prst="straightConnector1">
+            <a:avLst/>
+          </a:prstGeom>
+          <a:noFill/>
+          <a:ln w="38100" cap="flat" cmpd="sng">
+            <a:solidFill>
+              <a:srgbClr val="5B0F00"/>
+            </a:solidFill>
+            <a:prstDash val="solid"/>
+            <a:round/>
+            <a:headEnd type="none" w="med" len="med"/>
+            <a:tailEnd type="none" w="med" len="med"/>
+          </a:ln>
+        </p:spPr>
+      </p:cxnSp>
+      <p:sp>
+        <p:nvSpPr>
+          <p:cNvPr id="67" name="Google Shape;67;p15">
+            <a:extLst>
+              <a:ext uri="{FF2B5EF4-FFF2-40B4-BE49-F238E27FC236}">
+                <a16:creationId xmlns:a16="http://schemas.microsoft.com/office/drawing/2014/main" id="{A7E8E75D-3BAE-F5A8-455E-EB8FC7C2096D}"/>
+              </a:ext>
+            </a:extLst>
+          </p:cNvPr>
+          <p:cNvSpPr/>
+          <p:nvPr/>
+        </p:nvSpPr>
+        <p:spPr>
+          <a:xfrm>
+            <a:off x="3197186" y="84312"/>
+            <a:ext cx="2410800" cy="480900"/>
+          </a:xfrm>
+          <a:prstGeom prst="roundRect">
+            <a:avLst>
+              <a:gd name="adj" fmla="val 16667"/>
+            </a:avLst>
+          </a:prstGeom>
+          <a:solidFill>
+            <a:srgbClr val="F9CB9C"/>
+          </a:solidFill>
+          <a:ln w="28575" cap="flat" cmpd="sng">
+            <a:solidFill>
+              <a:srgbClr val="B45F06"/>
+            </a:solidFill>
+            <a:prstDash val="solid"/>
+            <a:round/>
+            <a:headEnd type="none" w="sm" len="sm"/>
+            <a:tailEnd type="none" w="sm" len="sm"/>
+          </a:ln>
+        </p:spPr>
+        <p:txBody>
+          <a:bodyPr spcFirstLastPara="1" wrap="square" lIns="91425" tIns="91425" rIns="91425" bIns="91425" anchor="ctr" anchorCtr="0">
+            <a:noAutofit/>
+          </a:bodyPr>
+          <a:lstStyle/>
+          <a:p>
+            <a:pPr marL="0" lvl="0" indent="0" algn="ctr" rtl="0">
+              <a:spcBef>
+                <a:spcPts val="0"/>
+              </a:spcBef>
+              <a:spcAft>
+                <a:spcPts val="0"/>
+              </a:spcAft>
+              <a:buNone/>
+            </a:pPr>
+            <a:r>
+              <a:rPr lang="en-GB" sz="1800" b="1">
+                <a:latin typeface="Consolas"/>
+                <a:ea typeface="Consolas"/>
+                <a:cs typeface="Consolas"/>
+                <a:sym typeface="Consolas"/>
+              </a:rPr>
+              <a:t>Student ID</a:t>
+            </a:r>
+            <a:endParaRPr sz="1800" b="1">
+              <a:latin typeface="Consolas"/>
+              <a:ea typeface="Consolas"/>
+              <a:cs typeface="Consolas"/>
+              <a:sym typeface="Consolas"/>
+            </a:endParaRPr>
+          </a:p>
+        </p:txBody>
+      </p:sp>
+      <p:sp>
+        <p:nvSpPr>
+          <p:cNvPr id="68" name="Google Shape;68;p15">
+            <a:extLst>
+              <a:ext uri="{FF2B5EF4-FFF2-40B4-BE49-F238E27FC236}">
+                <a16:creationId xmlns:a16="http://schemas.microsoft.com/office/drawing/2014/main" id="{FCB75439-A00D-AC9C-C493-FA2F6FD2EDED}"/>
+              </a:ext>
+            </a:extLst>
+          </p:cNvPr>
+          <p:cNvSpPr/>
+          <p:nvPr/>
+        </p:nvSpPr>
+        <p:spPr>
+          <a:xfrm>
+            <a:off x="6281636" y="84312"/>
+            <a:ext cx="2410800" cy="480900"/>
+          </a:xfrm>
+          <a:prstGeom prst="roundRect">
+            <a:avLst>
+              <a:gd name="adj" fmla="val 16667"/>
+            </a:avLst>
+          </a:prstGeom>
+          <a:solidFill>
+            <a:srgbClr val="F9CB9C"/>
+          </a:solidFill>
+          <a:ln w="28575" cap="flat" cmpd="sng">
+            <a:solidFill>
+              <a:srgbClr val="B45F06"/>
+            </a:solidFill>
+            <a:prstDash val="solid"/>
+            <a:round/>
+            <a:headEnd type="none" w="sm" len="sm"/>
+            <a:tailEnd type="none" w="sm" len="sm"/>
+          </a:ln>
+        </p:spPr>
+        <p:txBody>
+          <a:bodyPr spcFirstLastPara="1" wrap="square" lIns="91425" tIns="91425" rIns="91425" bIns="91425" anchor="ctr" anchorCtr="0">
+            <a:noAutofit/>
+          </a:bodyPr>
+          <a:lstStyle/>
+          <a:p>
+            <a:pPr marL="0" lvl="0" indent="0" algn="ctr" rtl="0">
+              <a:spcBef>
+                <a:spcPts val="0"/>
+              </a:spcBef>
+              <a:spcAft>
+                <a:spcPts val="0"/>
+              </a:spcAft>
+              <a:buNone/>
+            </a:pPr>
+            <a:r>
+              <a:rPr lang="en-GB" sz="1800" b="1">
+                <a:latin typeface="Consolas"/>
+                <a:ea typeface="Consolas"/>
+                <a:cs typeface="Consolas"/>
+                <a:sym typeface="Consolas"/>
+              </a:rPr>
+              <a:t>Story</a:t>
+            </a:r>
+            <a:endParaRPr sz="1800" b="1">
+              <a:latin typeface="Consolas"/>
+              <a:ea typeface="Consolas"/>
+              <a:cs typeface="Consolas"/>
+              <a:sym typeface="Consolas"/>
+            </a:endParaRPr>
+          </a:p>
+        </p:txBody>
+      </p:sp>
+      <p:sp>
+        <p:nvSpPr>
+          <p:cNvPr id="69" name="Google Shape;69;p15">
+            <a:extLst>
+              <a:ext uri="{FF2B5EF4-FFF2-40B4-BE49-F238E27FC236}">
+                <a16:creationId xmlns:a16="http://schemas.microsoft.com/office/drawing/2014/main" id="{B011B1EE-1852-07B5-9524-6A950D57CC48}"/>
+              </a:ext>
+            </a:extLst>
+          </p:cNvPr>
+          <p:cNvSpPr/>
+          <p:nvPr/>
+        </p:nvSpPr>
+        <p:spPr>
+          <a:xfrm>
+            <a:off x="9366071" y="84312"/>
+            <a:ext cx="2410800" cy="480900"/>
+          </a:xfrm>
+          <a:prstGeom prst="roundRect">
+            <a:avLst>
+              <a:gd name="adj" fmla="val 16667"/>
+            </a:avLst>
+          </a:prstGeom>
+          <a:solidFill>
+            <a:srgbClr val="F9CB9C"/>
+          </a:solidFill>
+          <a:ln w="28575" cap="flat" cmpd="sng">
+            <a:solidFill>
+              <a:srgbClr val="B45F06"/>
+            </a:solidFill>
+            <a:prstDash val="solid"/>
+            <a:round/>
+            <a:headEnd type="none" w="sm" len="sm"/>
+            <a:tailEnd type="none" w="sm" len="sm"/>
+          </a:ln>
+        </p:spPr>
+        <p:txBody>
+          <a:bodyPr spcFirstLastPara="1" wrap="square" lIns="91425" tIns="91425" rIns="91425" bIns="91425" anchor="ctr" anchorCtr="0">
+            <a:noAutofit/>
+          </a:bodyPr>
+          <a:lstStyle/>
+          <a:p>
+            <a:pPr marL="0" lvl="0" indent="0" algn="ctr" rtl="0">
+              <a:spcBef>
+                <a:spcPts val="0"/>
+              </a:spcBef>
+              <a:spcAft>
+                <a:spcPts val="0"/>
+              </a:spcAft>
+              <a:buNone/>
+            </a:pPr>
+            <a:r>
+              <a:rPr lang="en-GB" sz="1800" b="1">
+                <a:latin typeface="Consolas"/>
+                <a:ea typeface="Consolas"/>
+                <a:cs typeface="Consolas"/>
+                <a:sym typeface="Consolas"/>
+              </a:rPr>
+              <a:t>To Do</a:t>
+            </a:r>
+            <a:endParaRPr sz="1800" b="1">
+              <a:latin typeface="Consolas"/>
+              <a:ea typeface="Consolas"/>
+              <a:cs typeface="Consolas"/>
+              <a:sym typeface="Consolas"/>
+            </a:endParaRPr>
+          </a:p>
+        </p:txBody>
+      </p:sp>
+      <p:sp>
+        <p:nvSpPr>
+          <p:cNvPr id="70" name="Google Shape;70;p15">
+            <a:extLst>
+              <a:ext uri="{FF2B5EF4-FFF2-40B4-BE49-F238E27FC236}">
+                <a16:creationId xmlns:a16="http://schemas.microsoft.com/office/drawing/2014/main" id="{F8DF24E6-D335-CF47-6314-3B13145420DA}"/>
+              </a:ext>
+            </a:extLst>
+          </p:cNvPr>
+          <p:cNvSpPr/>
+          <p:nvPr/>
+        </p:nvSpPr>
+        <p:spPr>
+          <a:xfrm>
+            <a:off x="12395940" y="84312"/>
+            <a:ext cx="2410800" cy="480900"/>
+          </a:xfrm>
+          <a:prstGeom prst="roundRect">
+            <a:avLst>
+              <a:gd name="adj" fmla="val 16667"/>
+            </a:avLst>
+          </a:prstGeom>
+          <a:solidFill>
+            <a:srgbClr val="F9CB9C"/>
+          </a:solidFill>
+          <a:ln w="28575" cap="flat" cmpd="sng">
+            <a:solidFill>
+              <a:srgbClr val="B45F06"/>
+            </a:solidFill>
+            <a:prstDash val="solid"/>
+            <a:round/>
+            <a:headEnd type="none" w="sm" len="sm"/>
+            <a:tailEnd type="none" w="sm" len="sm"/>
+          </a:ln>
+        </p:spPr>
+        <p:txBody>
+          <a:bodyPr spcFirstLastPara="1" wrap="square" lIns="91425" tIns="91425" rIns="91425" bIns="91425" anchor="ctr" anchorCtr="0">
+            <a:noAutofit/>
+          </a:bodyPr>
+          <a:lstStyle/>
+          <a:p>
+            <a:pPr marL="0" lvl="0" indent="0" algn="ctr" rtl="0">
+              <a:spcBef>
+                <a:spcPts val="0"/>
+              </a:spcBef>
+              <a:spcAft>
+                <a:spcPts val="0"/>
+              </a:spcAft>
+              <a:buNone/>
+            </a:pPr>
+            <a:r>
+              <a:rPr lang="en-GB" sz="1800" b="1">
+                <a:latin typeface="Consolas"/>
+                <a:ea typeface="Consolas"/>
+                <a:cs typeface="Consolas"/>
+                <a:sym typeface="Consolas"/>
+              </a:rPr>
+              <a:t>Doing</a:t>
+            </a:r>
+            <a:endParaRPr sz="1800" b="1">
+              <a:latin typeface="Consolas"/>
+              <a:ea typeface="Consolas"/>
+              <a:cs typeface="Consolas"/>
+              <a:sym typeface="Consolas"/>
+            </a:endParaRPr>
+          </a:p>
+        </p:txBody>
+      </p:sp>
+      <p:sp>
+        <p:nvSpPr>
+          <p:cNvPr id="71" name="Google Shape;71;p15">
+            <a:extLst>
+              <a:ext uri="{FF2B5EF4-FFF2-40B4-BE49-F238E27FC236}">
+                <a16:creationId xmlns:a16="http://schemas.microsoft.com/office/drawing/2014/main" id="{19742038-7B8C-262F-CF7A-310C37178D88}"/>
+              </a:ext>
+            </a:extLst>
+          </p:cNvPr>
+          <p:cNvSpPr/>
+          <p:nvPr/>
+        </p:nvSpPr>
+        <p:spPr>
+          <a:xfrm>
+            <a:off x="15532407" y="84312"/>
+            <a:ext cx="2410800" cy="480900"/>
+          </a:xfrm>
+          <a:prstGeom prst="roundRect">
+            <a:avLst>
+              <a:gd name="adj" fmla="val 16667"/>
+            </a:avLst>
+          </a:prstGeom>
+          <a:solidFill>
+            <a:srgbClr val="F9CB9C"/>
+          </a:solidFill>
+          <a:ln w="28575" cap="flat" cmpd="sng">
+            <a:solidFill>
+              <a:srgbClr val="B45F06"/>
+            </a:solidFill>
+            <a:prstDash val="solid"/>
+            <a:round/>
+            <a:headEnd type="none" w="sm" len="sm"/>
+            <a:tailEnd type="none" w="sm" len="sm"/>
+          </a:ln>
+        </p:spPr>
+        <p:txBody>
+          <a:bodyPr spcFirstLastPara="1" wrap="square" lIns="91425" tIns="91425" rIns="91425" bIns="91425" anchor="ctr" anchorCtr="0">
+            <a:noAutofit/>
+          </a:bodyPr>
+          <a:lstStyle/>
+          <a:p>
+            <a:pPr marL="0" lvl="0" indent="0" algn="ctr" rtl="0">
+              <a:spcBef>
+                <a:spcPts val="0"/>
+              </a:spcBef>
+              <a:spcAft>
+                <a:spcPts val="0"/>
+              </a:spcAft>
+              <a:buNone/>
+            </a:pPr>
+            <a:r>
+              <a:rPr lang="en-GB" sz="1800" b="1">
+                <a:latin typeface="Consolas"/>
+                <a:ea typeface="Consolas"/>
+                <a:cs typeface="Consolas"/>
+                <a:sym typeface="Consolas"/>
+              </a:rPr>
+              <a:t>Review</a:t>
+            </a:r>
+            <a:endParaRPr sz="1800" b="1">
+              <a:latin typeface="Consolas"/>
+              <a:ea typeface="Consolas"/>
+              <a:cs typeface="Consolas"/>
+              <a:sym typeface="Consolas"/>
+            </a:endParaRPr>
+          </a:p>
+        </p:txBody>
+      </p:sp>
+      <p:sp>
+        <p:nvSpPr>
+          <p:cNvPr id="72" name="Google Shape;72;p15">
+            <a:extLst>
+              <a:ext uri="{FF2B5EF4-FFF2-40B4-BE49-F238E27FC236}">
+                <a16:creationId xmlns:a16="http://schemas.microsoft.com/office/drawing/2014/main" id="{F12BCA17-73D3-193F-B10D-21616E13C2C5}"/>
+              </a:ext>
+            </a:extLst>
+          </p:cNvPr>
+          <p:cNvSpPr/>
+          <p:nvPr/>
+        </p:nvSpPr>
+        <p:spPr>
+          <a:xfrm>
+            <a:off x="18668888" y="84312"/>
+            <a:ext cx="2410800" cy="480900"/>
+          </a:xfrm>
+          <a:prstGeom prst="roundRect">
+            <a:avLst>
+              <a:gd name="adj" fmla="val 16667"/>
+            </a:avLst>
+          </a:prstGeom>
+          <a:solidFill>
+            <a:srgbClr val="F9CB9C"/>
+          </a:solidFill>
+          <a:ln w="28575" cap="flat" cmpd="sng">
+            <a:solidFill>
+              <a:srgbClr val="B45F06"/>
+            </a:solidFill>
+            <a:prstDash val="solid"/>
+            <a:round/>
+            <a:headEnd type="none" w="sm" len="sm"/>
+            <a:tailEnd type="none" w="sm" len="sm"/>
+          </a:ln>
+        </p:spPr>
+        <p:txBody>
+          <a:bodyPr spcFirstLastPara="1" wrap="square" lIns="91425" tIns="91425" rIns="91425" bIns="91425" anchor="ctr" anchorCtr="0">
+            <a:noAutofit/>
+          </a:bodyPr>
+          <a:lstStyle/>
+          <a:p>
+            <a:pPr marL="0" lvl="0" indent="0" algn="ctr" rtl="0">
+              <a:spcBef>
+                <a:spcPts val="0"/>
+              </a:spcBef>
+              <a:spcAft>
+                <a:spcPts val="0"/>
+              </a:spcAft>
+              <a:buNone/>
+            </a:pPr>
+            <a:r>
+              <a:rPr lang="en-GB" sz="1800" b="1">
+                <a:latin typeface="Consolas"/>
+                <a:ea typeface="Consolas"/>
+                <a:cs typeface="Consolas"/>
+                <a:sym typeface="Consolas"/>
+              </a:rPr>
+              <a:t>Done</a:t>
+            </a:r>
+            <a:endParaRPr sz="1800" b="1">
+              <a:latin typeface="Consolas"/>
+              <a:ea typeface="Consolas"/>
+              <a:cs typeface="Consolas"/>
+              <a:sym typeface="Consolas"/>
+            </a:endParaRPr>
+          </a:p>
+        </p:txBody>
+      </p:sp>
+      <p:sp>
+        <p:nvSpPr>
+          <p:cNvPr id="73" name="Google Shape;73;p15">
+            <a:extLst>
+              <a:ext uri="{FF2B5EF4-FFF2-40B4-BE49-F238E27FC236}">
+                <a16:creationId xmlns:a16="http://schemas.microsoft.com/office/drawing/2014/main" id="{09C718FF-A35D-BBB0-647C-A2A9D3B47016}"/>
+              </a:ext>
+            </a:extLst>
+          </p:cNvPr>
+          <p:cNvSpPr/>
+          <p:nvPr/>
+        </p:nvSpPr>
+        <p:spPr>
+          <a:xfrm>
+            <a:off x="167288" y="84312"/>
+            <a:ext cx="2410800" cy="480900"/>
+          </a:xfrm>
+          <a:prstGeom prst="roundRect">
+            <a:avLst>
+              <a:gd name="adj" fmla="val 16667"/>
+            </a:avLst>
+          </a:prstGeom>
+          <a:solidFill>
+            <a:srgbClr val="F9CB9C"/>
+          </a:solidFill>
+          <a:ln w="28575" cap="flat" cmpd="sng">
+            <a:solidFill>
+              <a:srgbClr val="B45F06"/>
+            </a:solidFill>
+            <a:prstDash val="solid"/>
+            <a:round/>
+            <a:headEnd type="none" w="sm" len="sm"/>
+            <a:tailEnd type="none" w="sm" len="sm"/>
+          </a:ln>
+        </p:spPr>
+        <p:txBody>
+          <a:bodyPr spcFirstLastPara="1" wrap="square" lIns="91425" tIns="91425" rIns="91425" bIns="91425" anchor="ctr" anchorCtr="0">
+            <a:noAutofit/>
+          </a:bodyPr>
+          <a:lstStyle/>
+          <a:p>
+            <a:pPr marL="0" lvl="0" indent="0" algn="ctr" rtl="0">
+              <a:spcBef>
+                <a:spcPts val="0"/>
+              </a:spcBef>
+              <a:spcAft>
+                <a:spcPts val="0"/>
+              </a:spcAft>
+              <a:buNone/>
+            </a:pPr>
+            <a:r>
+              <a:rPr lang="en-GB" sz="1800" b="1">
+                <a:latin typeface="Consolas"/>
+                <a:ea typeface="Consolas"/>
+                <a:cs typeface="Consolas"/>
+                <a:sym typeface="Consolas"/>
+              </a:rPr>
+              <a:t>Backlog</a:t>
+            </a:r>
+            <a:endParaRPr sz="1800" b="1">
+              <a:latin typeface="Consolas"/>
+              <a:ea typeface="Consolas"/>
+              <a:cs typeface="Consolas"/>
+              <a:sym typeface="Consolas"/>
+            </a:endParaRPr>
+          </a:p>
+        </p:txBody>
+      </p:sp>
+      <p:sp>
+        <p:nvSpPr>
+          <p:cNvPr id="74" name="Google Shape;74;p15">
+            <a:extLst>
+              <a:ext uri="{FF2B5EF4-FFF2-40B4-BE49-F238E27FC236}">
+                <a16:creationId xmlns:a16="http://schemas.microsoft.com/office/drawing/2014/main" id="{9060518D-DD16-082C-FA2C-E5FA8E649F11}"/>
+              </a:ext>
+            </a:extLst>
+          </p:cNvPr>
+          <p:cNvSpPr/>
+          <p:nvPr/>
+        </p:nvSpPr>
+        <p:spPr>
+          <a:xfrm>
+            <a:off x="3197186" y="1385588"/>
+            <a:ext cx="2410800" cy="480900"/>
+          </a:xfrm>
+          <a:prstGeom prst="roundRect">
+            <a:avLst>
+              <a:gd name="adj" fmla="val 16667"/>
+            </a:avLst>
+          </a:prstGeom>
+          <a:solidFill>
+            <a:srgbClr val="E6B8AF"/>
+          </a:solidFill>
+          <a:ln w="28575" cap="flat" cmpd="sng">
+            <a:solidFill>
+              <a:srgbClr val="5B0F00"/>
+            </a:solidFill>
+            <a:prstDash val="solid"/>
+            <a:round/>
+            <a:headEnd type="none" w="sm" len="sm"/>
+            <a:tailEnd type="none" w="sm" len="sm"/>
+          </a:ln>
+        </p:spPr>
+        <p:txBody>
+          <a:bodyPr spcFirstLastPara="1" wrap="square" lIns="91425" tIns="91425" rIns="91425" bIns="91425" anchor="ctr" anchorCtr="0">
+            <a:noAutofit/>
+          </a:bodyPr>
+          <a:lstStyle/>
+          <a:p>
+            <a:pPr marL="0" lvl="0" indent="0" algn="ctr" rtl="0">
+              <a:spcBef>
+                <a:spcPts val="0"/>
+              </a:spcBef>
+              <a:spcAft>
+                <a:spcPts val="0"/>
+              </a:spcAft>
+              <a:buNone/>
+            </a:pPr>
+            <a:r>
+              <a:rPr lang="en-GB" sz="1800" b="1" dirty="0">
+                <a:latin typeface="Consolas"/>
+                <a:ea typeface="Consolas"/>
+                <a:cs typeface="Consolas"/>
+                <a:sym typeface="Consolas"/>
+              </a:rPr>
+              <a:t>66565</a:t>
+            </a:r>
+            <a:endParaRPr sz="1800" b="1" dirty="0">
+              <a:latin typeface="Consolas"/>
+              <a:ea typeface="Consolas"/>
+              <a:cs typeface="Consolas"/>
+              <a:sym typeface="Consolas"/>
+            </a:endParaRPr>
+          </a:p>
+        </p:txBody>
+      </p:sp>
+      <p:sp>
+        <p:nvSpPr>
+          <p:cNvPr id="75" name="Google Shape;75;p15">
+            <a:extLst>
+              <a:ext uri="{FF2B5EF4-FFF2-40B4-BE49-F238E27FC236}">
+                <a16:creationId xmlns:a16="http://schemas.microsoft.com/office/drawing/2014/main" id="{318ABFF5-82E8-E7BC-D6F8-DFB37EDEBF18}"/>
+              </a:ext>
+            </a:extLst>
+          </p:cNvPr>
+          <p:cNvSpPr/>
+          <p:nvPr/>
+        </p:nvSpPr>
+        <p:spPr>
+          <a:xfrm>
+            <a:off x="3197186" y="2961501"/>
+            <a:ext cx="2410800" cy="480900"/>
+          </a:xfrm>
+          <a:prstGeom prst="roundRect">
+            <a:avLst>
+              <a:gd name="adj" fmla="val 16667"/>
+            </a:avLst>
+          </a:prstGeom>
+          <a:solidFill>
+            <a:srgbClr val="E6B8AF"/>
+          </a:solidFill>
+          <a:ln w="28575" cap="flat" cmpd="sng">
+            <a:solidFill>
+              <a:srgbClr val="5B0F00"/>
+            </a:solidFill>
+            <a:prstDash val="solid"/>
+            <a:round/>
+            <a:headEnd type="none" w="sm" len="sm"/>
+            <a:tailEnd type="none" w="sm" len="sm"/>
+          </a:ln>
+        </p:spPr>
+        <p:txBody>
+          <a:bodyPr spcFirstLastPara="1" wrap="square" lIns="91425" tIns="91425" rIns="91425" bIns="91425" anchor="ctr" anchorCtr="0">
+            <a:noAutofit/>
+          </a:bodyPr>
+          <a:lstStyle/>
+          <a:p>
+            <a:pPr marL="0" lvl="0" indent="0" algn="ctr" rtl="0">
+              <a:spcBef>
+                <a:spcPts val="0"/>
+              </a:spcBef>
+              <a:spcAft>
+                <a:spcPts val="0"/>
+              </a:spcAft>
+              <a:buNone/>
+            </a:pPr>
+            <a:r>
+              <a:rPr lang="en-GB" sz="1800" b="1" dirty="0">
+                <a:latin typeface="Consolas"/>
+                <a:ea typeface="Consolas"/>
+                <a:cs typeface="Consolas"/>
+                <a:sym typeface="Consolas"/>
+              </a:rPr>
+              <a:t>67196</a:t>
+            </a:r>
+            <a:endParaRPr sz="1800" b="1" dirty="0">
+              <a:latin typeface="Consolas"/>
+              <a:ea typeface="Consolas"/>
+              <a:cs typeface="Consolas"/>
+              <a:sym typeface="Consolas"/>
+            </a:endParaRPr>
+          </a:p>
+        </p:txBody>
+      </p:sp>
+      <p:sp>
+        <p:nvSpPr>
+          <p:cNvPr id="76" name="Google Shape;76;p15">
+            <a:extLst>
+              <a:ext uri="{FF2B5EF4-FFF2-40B4-BE49-F238E27FC236}">
+                <a16:creationId xmlns:a16="http://schemas.microsoft.com/office/drawing/2014/main" id="{9843F8D5-B418-6529-1CD3-5D68F79BBE89}"/>
+              </a:ext>
+            </a:extLst>
+          </p:cNvPr>
+          <p:cNvSpPr/>
+          <p:nvPr/>
+        </p:nvSpPr>
+        <p:spPr>
+          <a:xfrm>
+            <a:off x="3197186" y="4537410"/>
+            <a:ext cx="2410800" cy="480900"/>
+          </a:xfrm>
+          <a:prstGeom prst="roundRect">
+            <a:avLst>
+              <a:gd name="adj" fmla="val 16667"/>
+            </a:avLst>
+          </a:prstGeom>
+          <a:solidFill>
+            <a:srgbClr val="E6B8AF"/>
+          </a:solidFill>
+          <a:ln w="28575" cap="flat" cmpd="sng">
+            <a:solidFill>
+              <a:srgbClr val="5B0F00"/>
+            </a:solidFill>
+            <a:prstDash val="solid"/>
+            <a:round/>
+            <a:headEnd type="none" w="sm" len="sm"/>
+            <a:tailEnd type="none" w="sm" len="sm"/>
+          </a:ln>
+        </p:spPr>
+        <p:txBody>
+          <a:bodyPr spcFirstLastPara="1" wrap="square" lIns="91425" tIns="91425" rIns="91425" bIns="91425" anchor="ctr" anchorCtr="0">
+            <a:noAutofit/>
+          </a:bodyPr>
+          <a:lstStyle/>
+          <a:p>
+            <a:pPr marL="0" lvl="0" indent="0" algn="ctr" rtl="0">
+              <a:spcBef>
+                <a:spcPts val="0"/>
+              </a:spcBef>
+              <a:spcAft>
+                <a:spcPts val="0"/>
+              </a:spcAft>
+              <a:buNone/>
+            </a:pPr>
+            <a:r>
+              <a:rPr lang="en-GB" sz="1800" b="1" dirty="0">
+                <a:latin typeface="Consolas"/>
+                <a:ea typeface="Consolas"/>
+                <a:cs typeface="Consolas"/>
+                <a:sym typeface="Consolas"/>
+              </a:rPr>
+              <a:t>67215</a:t>
+            </a:r>
+            <a:endParaRPr sz="1800" b="1" dirty="0">
+              <a:latin typeface="Consolas"/>
+              <a:ea typeface="Consolas"/>
+              <a:cs typeface="Consolas"/>
+              <a:sym typeface="Consolas"/>
+            </a:endParaRPr>
+          </a:p>
+        </p:txBody>
+      </p:sp>
+      <p:sp>
+        <p:nvSpPr>
+          <p:cNvPr id="77" name="Google Shape;77;p15">
+            <a:extLst>
+              <a:ext uri="{FF2B5EF4-FFF2-40B4-BE49-F238E27FC236}">
+                <a16:creationId xmlns:a16="http://schemas.microsoft.com/office/drawing/2014/main" id="{87DB5360-EF0E-1440-63E4-CB50767A2AC8}"/>
+              </a:ext>
+            </a:extLst>
+          </p:cNvPr>
+          <p:cNvSpPr/>
+          <p:nvPr/>
+        </p:nvSpPr>
+        <p:spPr>
+          <a:xfrm>
+            <a:off x="3197186" y="6113307"/>
+            <a:ext cx="2410800" cy="480900"/>
+          </a:xfrm>
+          <a:prstGeom prst="roundRect">
+            <a:avLst>
+              <a:gd name="adj" fmla="val 16667"/>
+            </a:avLst>
+          </a:prstGeom>
+          <a:solidFill>
+            <a:srgbClr val="E6B8AF"/>
+          </a:solidFill>
+          <a:ln w="28575" cap="flat" cmpd="sng">
+            <a:solidFill>
+              <a:srgbClr val="5B0F00"/>
+            </a:solidFill>
+            <a:prstDash val="solid"/>
+            <a:round/>
+            <a:headEnd type="none" w="sm" len="sm"/>
+            <a:tailEnd type="none" w="sm" len="sm"/>
+          </a:ln>
+        </p:spPr>
+        <p:txBody>
+          <a:bodyPr spcFirstLastPara="1" wrap="square" lIns="91425" tIns="91425" rIns="91425" bIns="91425" anchor="ctr" anchorCtr="0">
+            <a:noAutofit/>
+          </a:bodyPr>
+          <a:lstStyle/>
+          <a:p>
+            <a:pPr marL="0" lvl="0" indent="0" algn="ctr" rtl="0">
+              <a:spcBef>
+                <a:spcPts val="0"/>
+              </a:spcBef>
+              <a:spcAft>
+                <a:spcPts val="0"/>
+              </a:spcAft>
+              <a:buNone/>
+            </a:pPr>
+            <a:r>
+              <a:rPr lang="pt-PT" sz="1800" b="1" dirty="0">
+                <a:latin typeface="Consolas"/>
+                <a:ea typeface="Consolas"/>
+                <a:cs typeface="Consolas"/>
+                <a:sym typeface="Consolas"/>
+              </a:rPr>
+              <a:t>68509</a:t>
+            </a:r>
+            <a:endParaRPr sz="1800" b="1" dirty="0">
+              <a:latin typeface="Consolas"/>
+              <a:ea typeface="Consolas"/>
+              <a:cs typeface="Consolas"/>
+              <a:sym typeface="Consolas"/>
+            </a:endParaRPr>
+          </a:p>
+        </p:txBody>
+      </p:sp>
+      <p:sp>
+        <p:nvSpPr>
+          <p:cNvPr id="78" name="Google Shape;78;p15">
+            <a:extLst>
+              <a:ext uri="{FF2B5EF4-FFF2-40B4-BE49-F238E27FC236}">
+                <a16:creationId xmlns:a16="http://schemas.microsoft.com/office/drawing/2014/main" id="{17CC883C-1FCD-C57E-667B-63789548F8AC}"/>
+              </a:ext>
+            </a:extLst>
+          </p:cNvPr>
+          <p:cNvSpPr/>
+          <p:nvPr/>
+        </p:nvSpPr>
+        <p:spPr>
+          <a:xfrm>
+            <a:off x="3197186" y="7689198"/>
+            <a:ext cx="2410800" cy="480900"/>
+          </a:xfrm>
+          <a:prstGeom prst="roundRect">
+            <a:avLst>
+              <a:gd name="adj" fmla="val 16667"/>
+            </a:avLst>
+          </a:prstGeom>
+          <a:solidFill>
+            <a:srgbClr val="E6B8AF"/>
+          </a:solidFill>
+          <a:ln w="28575" cap="flat" cmpd="sng">
+            <a:solidFill>
+              <a:srgbClr val="5B0F00"/>
+            </a:solidFill>
+            <a:prstDash val="solid"/>
+            <a:round/>
+            <a:headEnd type="none" w="sm" len="sm"/>
+            <a:tailEnd type="none" w="sm" len="sm"/>
+          </a:ln>
+        </p:spPr>
+        <p:txBody>
+          <a:bodyPr spcFirstLastPara="1" wrap="square" lIns="91425" tIns="91425" rIns="91425" bIns="91425" anchor="ctr" anchorCtr="0">
+            <a:noAutofit/>
+          </a:bodyPr>
+          <a:lstStyle/>
+          <a:p>
+            <a:pPr marL="0" lvl="0" indent="0" algn="ctr" rtl="0">
+              <a:spcBef>
+                <a:spcPts val="0"/>
+              </a:spcBef>
+              <a:spcAft>
+                <a:spcPts val="0"/>
+              </a:spcAft>
+              <a:buNone/>
+            </a:pPr>
+            <a:r>
+              <a:rPr lang="en-GB" sz="1800" b="1" dirty="0">
+                <a:latin typeface="Consolas"/>
+                <a:ea typeface="Consolas"/>
+                <a:cs typeface="Consolas"/>
+                <a:sym typeface="Consolas"/>
+              </a:rPr>
+              <a:t>68663</a:t>
+            </a:r>
+            <a:endParaRPr sz="1800" b="1" dirty="0">
+              <a:latin typeface="Consolas"/>
+              <a:ea typeface="Consolas"/>
+              <a:cs typeface="Consolas"/>
+              <a:sym typeface="Consolas"/>
+            </a:endParaRPr>
+          </a:p>
+        </p:txBody>
+      </p:sp>
+      <p:sp>
+        <p:nvSpPr>
+          <p:cNvPr id="79" name="Google Shape;79;p15">
+            <a:extLst>
+              <a:ext uri="{FF2B5EF4-FFF2-40B4-BE49-F238E27FC236}">
+                <a16:creationId xmlns:a16="http://schemas.microsoft.com/office/drawing/2014/main" id="{7E1FF438-AE70-35E6-95F1-565D07C34A62}"/>
+              </a:ext>
+            </a:extLst>
+          </p:cNvPr>
+          <p:cNvSpPr/>
+          <p:nvPr/>
+        </p:nvSpPr>
+        <p:spPr>
+          <a:xfrm>
+            <a:off x="3197186" y="9265103"/>
+            <a:ext cx="2410800" cy="480900"/>
+          </a:xfrm>
+          <a:prstGeom prst="roundRect">
+            <a:avLst>
+              <a:gd name="adj" fmla="val 16667"/>
+            </a:avLst>
+          </a:prstGeom>
+          <a:solidFill>
+            <a:srgbClr val="E6B8AF"/>
+          </a:solidFill>
+          <a:ln w="28575" cap="flat" cmpd="sng">
+            <a:solidFill>
+              <a:srgbClr val="5B0F00"/>
+            </a:solidFill>
+            <a:prstDash val="solid"/>
+            <a:round/>
+            <a:headEnd type="none" w="sm" len="sm"/>
+            <a:tailEnd type="none" w="sm" len="sm"/>
+          </a:ln>
+        </p:spPr>
+        <p:txBody>
+          <a:bodyPr spcFirstLastPara="1" wrap="square" lIns="91425" tIns="91425" rIns="91425" bIns="91425" anchor="ctr" anchorCtr="0">
+            <a:noAutofit/>
+          </a:bodyPr>
+          <a:lstStyle/>
+          <a:p>
+            <a:pPr marL="0" lvl="0" indent="0" algn="ctr" rtl="0">
+              <a:spcBef>
+                <a:spcPts val="0"/>
+              </a:spcBef>
+              <a:spcAft>
+                <a:spcPts val="0"/>
+              </a:spcAft>
+              <a:buNone/>
+            </a:pPr>
+            <a:r>
+              <a:rPr lang="en-GB" sz="1800" b="1" dirty="0">
+                <a:latin typeface="Consolas"/>
+                <a:ea typeface="Consolas"/>
+                <a:cs typeface="Consolas"/>
+                <a:sym typeface="Consolas"/>
+              </a:rPr>
+              <a:t>70116</a:t>
+            </a:r>
+            <a:endParaRPr sz="1800" b="1" dirty="0">
+              <a:latin typeface="Consolas"/>
+              <a:ea typeface="Consolas"/>
+              <a:cs typeface="Consolas"/>
+              <a:sym typeface="Consolas"/>
+            </a:endParaRPr>
+          </a:p>
+        </p:txBody>
+      </p:sp>
+      <p:cxnSp>
+        <p:nvCxnSpPr>
+          <p:cNvPr id="80" name="Google Shape;80;p15">
+            <a:extLst>
+              <a:ext uri="{FF2B5EF4-FFF2-40B4-BE49-F238E27FC236}">
+                <a16:creationId xmlns:a16="http://schemas.microsoft.com/office/drawing/2014/main" id="{C0901144-3404-639C-039D-E4CDE9E3BA99}"/>
+              </a:ext>
+            </a:extLst>
+          </p:cNvPr>
+          <p:cNvCxnSpPr/>
+          <p:nvPr/>
+        </p:nvCxnSpPr>
+        <p:spPr>
+          <a:xfrm>
+            <a:off x="5607986" y="1626038"/>
+            <a:ext cx="16042200" cy="0"/>
+          </a:xfrm>
+          <a:prstGeom prst="straightConnector1">
+            <a:avLst/>
+          </a:prstGeom>
+          <a:noFill/>
+          <a:ln w="28575" cap="flat" cmpd="sng">
+            <a:solidFill>
+              <a:srgbClr val="999999"/>
+            </a:solidFill>
+            <a:prstDash val="dash"/>
+            <a:round/>
+            <a:headEnd type="none" w="med" len="med"/>
+            <a:tailEnd type="none" w="med" len="med"/>
+          </a:ln>
+        </p:spPr>
+      </p:cxnSp>
+      <p:cxnSp>
+        <p:nvCxnSpPr>
+          <p:cNvPr id="81" name="Google Shape;81;p15">
+            <a:extLst>
+              <a:ext uri="{FF2B5EF4-FFF2-40B4-BE49-F238E27FC236}">
+                <a16:creationId xmlns:a16="http://schemas.microsoft.com/office/drawing/2014/main" id="{C8203FDF-97B3-A0C7-3898-94BFDB6F2654}"/>
+              </a:ext>
+            </a:extLst>
+          </p:cNvPr>
+          <p:cNvCxnSpPr/>
+          <p:nvPr/>
+        </p:nvCxnSpPr>
+        <p:spPr>
+          <a:xfrm>
+            <a:off x="5607986" y="3201938"/>
+            <a:ext cx="16042200" cy="0"/>
+          </a:xfrm>
+          <a:prstGeom prst="straightConnector1">
+            <a:avLst/>
+          </a:prstGeom>
+          <a:noFill/>
+          <a:ln w="28575" cap="flat" cmpd="sng">
+            <a:solidFill>
+              <a:srgbClr val="999999"/>
+            </a:solidFill>
+            <a:prstDash val="dash"/>
+            <a:round/>
+            <a:headEnd type="none" w="med" len="med"/>
+            <a:tailEnd type="none" w="med" len="med"/>
+          </a:ln>
+        </p:spPr>
+      </p:cxnSp>
+      <p:cxnSp>
+        <p:nvCxnSpPr>
+          <p:cNvPr id="82" name="Google Shape;82;p15">
+            <a:extLst>
+              <a:ext uri="{FF2B5EF4-FFF2-40B4-BE49-F238E27FC236}">
+                <a16:creationId xmlns:a16="http://schemas.microsoft.com/office/drawing/2014/main" id="{A624AFC5-1CFF-A1CE-FA1C-CCF338CD58A7}"/>
+              </a:ext>
+            </a:extLst>
+          </p:cNvPr>
+          <p:cNvCxnSpPr/>
+          <p:nvPr/>
+        </p:nvCxnSpPr>
+        <p:spPr>
+          <a:xfrm>
+            <a:off x="5607986" y="4777838"/>
+            <a:ext cx="16042200" cy="0"/>
+          </a:xfrm>
+          <a:prstGeom prst="straightConnector1">
+            <a:avLst/>
+          </a:prstGeom>
+          <a:noFill/>
+          <a:ln w="28575" cap="flat" cmpd="sng">
+            <a:solidFill>
+              <a:srgbClr val="999999"/>
+            </a:solidFill>
+            <a:prstDash val="dash"/>
+            <a:round/>
+            <a:headEnd type="none" w="med" len="med"/>
+            <a:tailEnd type="none" w="med" len="med"/>
+          </a:ln>
+        </p:spPr>
+      </p:cxnSp>
+      <p:cxnSp>
+        <p:nvCxnSpPr>
+          <p:cNvPr id="83" name="Google Shape;83;p15">
+            <a:extLst>
+              <a:ext uri="{FF2B5EF4-FFF2-40B4-BE49-F238E27FC236}">
+                <a16:creationId xmlns:a16="http://schemas.microsoft.com/office/drawing/2014/main" id="{C9326E9F-96A0-7A03-2193-E757850F14F3}"/>
+              </a:ext>
+            </a:extLst>
+          </p:cNvPr>
+          <p:cNvCxnSpPr/>
+          <p:nvPr/>
+        </p:nvCxnSpPr>
+        <p:spPr>
+          <a:xfrm>
+            <a:off x="5607986" y="6353738"/>
+            <a:ext cx="16042200" cy="0"/>
+          </a:xfrm>
+          <a:prstGeom prst="straightConnector1">
+            <a:avLst/>
+          </a:prstGeom>
+          <a:noFill/>
+          <a:ln w="28575" cap="flat" cmpd="sng">
+            <a:solidFill>
+              <a:srgbClr val="999999"/>
+            </a:solidFill>
+            <a:prstDash val="dash"/>
+            <a:round/>
+            <a:headEnd type="none" w="med" len="med"/>
+            <a:tailEnd type="none" w="med" len="med"/>
+          </a:ln>
+        </p:spPr>
+      </p:cxnSp>
+      <p:cxnSp>
+        <p:nvCxnSpPr>
+          <p:cNvPr id="84" name="Google Shape;84;p15">
+            <a:extLst>
+              <a:ext uri="{FF2B5EF4-FFF2-40B4-BE49-F238E27FC236}">
+                <a16:creationId xmlns:a16="http://schemas.microsoft.com/office/drawing/2014/main" id="{7648EDFF-A762-BD5D-A7A7-F9DCB1239DFC}"/>
+              </a:ext>
+            </a:extLst>
+          </p:cNvPr>
+          <p:cNvCxnSpPr/>
+          <p:nvPr/>
+        </p:nvCxnSpPr>
+        <p:spPr>
+          <a:xfrm>
+            <a:off x="5607986" y="7929638"/>
+            <a:ext cx="16042200" cy="0"/>
+          </a:xfrm>
+          <a:prstGeom prst="straightConnector1">
+            <a:avLst/>
+          </a:prstGeom>
+          <a:noFill/>
+          <a:ln w="28575" cap="flat" cmpd="sng">
+            <a:solidFill>
+              <a:srgbClr val="999999"/>
+            </a:solidFill>
+            <a:prstDash val="dash"/>
+            <a:round/>
+            <a:headEnd type="none" w="med" len="med"/>
+            <a:tailEnd type="none" w="med" len="med"/>
+          </a:ln>
+        </p:spPr>
+      </p:cxnSp>
+      <p:cxnSp>
+        <p:nvCxnSpPr>
+          <p:cNvPr id="85" name="Google Shape;85;p15">
+            <a:extLst>
+              <a:ext uri="{FF2B5EF4-FFF2-40B4-BE49-F238E27FC236}">
+                <a16:creationId xmlns:a16="http://schemas.microsoft.com/office/drawing/2014/main" id="{42E8DB6F-13D2-3055-8FB1-2E811A0F913C}"/>
+              </a:ext>
+            </a:extLst>
+          </p:cNvPr>
+          <p:cNvCxnSpPr/>
+          <p:nvPr/>
+        </p:nvCxnSpPr>
+        <p:spPr>
+          <a:xfrm>
+            <a:off x="5607986" y="9505538"/>
+            <a:ext cx="16042200" cy="0"/>
+          </a:xfrm>
+          <a:prstGeom prst="straightConnector1">
+            <a:avLst/>
+          </a:prstGeom>
+          <a:noFill/>
+          <a:ln w="28575" cap="flat" cmpd="sng">
+            <a:solidFill>
+              <a:srgbClr val="999999"/>
+            </a:solidFill>
+            <a:prstDash val="dash"/>
+            <a:round/>
+            <a:headEnd type="none" w="med" len="med"/>
+            <a:tailEnd type="none" w="med" len="med"/>
+          </a:ln>
+        </p:spPr>
+      </p:cxnSp>
+      <p:sp>
+        <p:nvSpPr>
+          <p:cNvPr id="86" name="Google Shape;86;p15">
+            <a:extLst>
+              <a:ext uri="{FF2B5EF4-FFF2-40B4-BE49-F238E27FC236}">
+                <a16:creationId xmlns:a16="http://schemas.microsoft.com/office/drawing/2014/main" id="{A4E8A33F-E6A7-F3B5-83DA-F3E25F4EC080}"/>
+              </a:ext>
+            </a:extLst>
+          </p:cNvPr>
+          <p:cNvSpPr/>
+          <p:nvPr/>
+        </p:nvSpPr>
+        <p:spPr>
+          <a:xfrm>
+            <a:off x="6235224" y="1330787"/>
+            <a:ext cx="2410761" cy="4077066"/>
+          </a:xfrm>
+          <a:prstGeom prst="roundRect">
+            <a:avLst>
+              <a:gd name="adj" fmla="val 16667"/>
+            </a:avLst>
+          </a:prstGeom>
+          <a:ln>
+            <a:headEnd type="none" w="sm" len="sm"/>
+            <a:tailEnd type="none" w="sm" len="sm"/>
+          </a:ln>
+        </p:spPr>
+        <p:style>
+          <a:lnRef idx="2">
+            <a:schemeClr val="accent4">
+              <a:shade val="15000"/>
+            </a:schemeClr>
+          </a:lnRef>
+          <a:fillRef idx="1">
+            <a:schemeClr val="accent4"/>
+          </a:fillRef>
+          <a:effectRef idx="0">
+            <a:schemeClr val="accent4"/>
+          </a:effectRef>
+          <a:fontRef idx="minor">
+            <a:schemeClr val="lt1"/>
+          </a:fontRef>
+        </p:style>
+        <p:txBody>
+          <a:bodyPr spcFirstLastPara="1" wrap="square" lIns="91425" tIns="91425" rIns="91425" bIns="91425" anchor="t" anchorCtr="0">
+            <a:noAutofit/>
+          </a:bodyPr>
+          <a:lstStyle/>
+          <a:p>
+            <a:pPr marL="0" lvl="0" indent="0" algn="l" rtl="0">
+              <a:spcBef>
+                <a:spcPts val="0"/>
+              </a:spcBef>
+              <a:spcAft>
+                <a:spcPts val="0"/>
+              </a:spcAft>
+              <a:buNone/>
+            </a:pPr>
+            <a:r>
+              <a:rPr lang="en-US" dirty="0">
+                <a:latin typeface="Consolas"/>
+                <a:ea typeface="Consolas"/>
+                <a:cs typeface="Consolas"/>
+                <a:sym typeface="Consolas"/>
+              </a:rPr>
+              <a:t>Code Smells report</a:t>
+            </a:r>
+            <a:endParaRPr dirty="0">
+              <a:latin typeface="Consolas"/>
+              <a:ea typeface="Consolas"/>
+              <a:cs typeface="Consolas"/>
+              <a:sym typeface="Consolas"/>
+            </a:endParaRPr>
+          </a:p>
+        </p:txBody>
+      </p:sp>
+      <p:cxnSp>
+        <p:nvCxnSpPr>
+          <p:cNvPr id="91" name="Google Shape;91;p15">
+            <a:extLst>
+              <a:ext uri="{FF2B5EF4-FFF2-40B4-BE49-F238E27FC236}">
+                <a16:creationId xmlns:a16="http://schemas.microsoft.com/office/drawing/2014/main" id="{68A06C6F-4269-ECD0-ACF7-580BBC44D43F}"/>
+              </a:ext>
+            </a:extLst>
+          </p:cNvPr>
+          <p:cNvCxnSpPr/>
+          <p:nvPr/>
+        </p:nvCxnSpPr>
+        <p:spPr>
+          <a:xfrm>
+            <a:off x="2874374" y="-28500"/>
+            <a:ext cx="0" cy="10857000"/>
+          </a:xfrm>
+          <a:prstGeom prst="straightConnector1">
+            <a:avLst/>
+          </a:prstGeom>
+          <a:noFill/>
+          <a:ln w="38100" cap="flat" cmpd="sng">
+            <a:solidFill>
+              <a:srgbClr val="5B0F00"/>
+            </a:solidFill>
+            <a:prstDash val="solid"/>
+            <a:round/>
+            <a:headEnd type="none" w="med" len="med"/>
+            <a:tailEnd type="none" w="med" len="med"/>
+          </a:ln>
+        </p:spPr>
+      </p:cxnSp>
+      <p:sp>
+        <p:nvSpPr>
+          <p:cNvPr id="92" name="Google Shape;92;p15">
+            <a:extLst>
+              <a:ext uri="{FF2B5EF4-FFF2-40B4-BE49-F238E27FC236}">
+                <a16:creationId xmlns:a16="http://schemas.microsoft.com/office/drawing/2014/main" id="{D7EDDCF4-898E-CBAD-1977-31CFB48CB331}"/>
+              </a:ext>
+            </a:extLst>
+          </p:cNvPr>
+          <p:cNvSpPr/>
+          <p:nvPr/>
+        </p:nvSpPr>
+        <p:spPr>
+          <a:xfrm>
+            <a:off x="6241074" y="6021924"/>
+            <a:ext cx="2437261" cy="4176931"/>
+          </a:xfrm>
+          <a:prstGeom prst="roundRect">
+            <a:avLst>
+              <a:gd name="adj" fmla="val 16667"/>
+            </a:avLst>
+          </a:prstGeom>
+          <a:ln>
+            <a:headEnd type="none" w="sm" len="sm"/>
+            <a:tailEnd type="none" w="sm" len="sm"/>
+          </a:ln>
+        </p:spPr>
+        <p:style>
+          <a:lnRef idx="2">
+            <a:schemeClr val="accent4">
+              <a:shade val="15000"/>
+            </a:schemeClr>
+          </a:lnRef>
+          <a:fillRef idx="1">
+            <a:schemeClr val="accent4"/>
+          </a:fillRef>
+          <a:effectRef idx="0">
+            <a:schemeClr val="accent4"/>
+          </a:effectRef>
+          <a:fontRef idx="minor">
+            <a:schemeClr val="lt1"/>
+          </a:fontRef>
+        </p:style>
+        <p:txBody>
+          <a:bodyPr spcFirstLastPara="1" wrap="square" lIns="91425" tIns="91425" rIns="91425" bIns="91425" anchor="t" anchorCtr="0">
+            <a:noAutofit/>
+          </a:bodyPr>
+          <a:lstStyle/>
+          <a:p>
+            <a:r>
+              <a:rPr lang="en-US" dirty="0">
+                <a:latin typeface="Consolas"/>
+                <a:ea typeface="Consolas"/>
+                <a:cs typeface="Consolas"/>
+                <a:sym typeface="Consolas"/>
+              </a:rPr>
+              <a:t>Use case diagram</a:t>
+            </a:r>
+            <a:endParaRPr lang="pt-PT" dirty="0"/>
+          </a:p>
+          <a:p>
+            <a:pPr marL="0" lvl="0" indent="0" algn="l" rtl="0">
+              <a:spcBef>
+                <a:spcPts val="0"/>
+              </a:spcBef>
+              <a:spcAft>
+                <a:spcPts val="0"/>
+              </a:spcAft>
+              <a:buNone/>
+            </a:pPr>
+            <a:endParaRPr dirty="0">
+              <a:latin typeface="Consolas"/>
+              <a:ea typeface="Consolas"/>
+              <a:cs typeface="Consolas"/>
+              <a:sym typeface="Consolas"/>
+            </a:endParaRPr>
+          </a:p>
+        </p:txBody>
+      </p:sp>
+      <p:sp>
+        <p:nvSpPr>
+          <p:cNvPr id="3" name="Google Shape;87;p15">
+            <a:extLst>
+              <a:ext uri="{FF2B5EF4-FFF2-40B4-BE49-F238E27FC236}">
+                <a16:creationId xmlns:a16="http://schemas.microsoft.com/office/drawing/2014/main" id="{AF3E2579-4F9A-0712-7FB5-C8F476D19D1F}"/>
+              </a:ext>
+            </a:extLst>
+          </p:cNvPr>
+          <p:cNvSpPr/>
+          <p:nvPr/>
+        </p:nvSpPr>
+        <p:spPr>
+          <a:xfrm>
+            <a:off x="12691178" y="719805"/>
+            <a:ext cx="1875816" cy="2293324"/>
+          </a:xfrm>
+          <a:prstGeom prst="roundRect">
+            <a:avLst>
+              <a:gd name="adj" fmla="val 16667"/>
+            </a:avLst>
+          </a:prstGeom>
+          <a:solidFill>
+            <a:srgbClr val="D9EAD3"/>
+          </a:solidFill>
+          <a:ln w="28575" cap="flat" cmpd="sng">
+            <a:solidFill>
+              <a:srgbClr val="274E13"/>
+            </a:solidFill>
+            <a:prstDash val="solid"/>
+            <a:round/>
+            <a:headEnd type="none" w="sm" len="sm"/>
+            <a:tailEnd type="none" w="sm" len="sm"/>
+          </a:ln>
+        </p:spPr>
+        <p:txBody>
+          <a:bodyPr spcFirstLastPara="1" wrap="square" lIns="91425" tIns="91425" rIns="91425" bIns="91425" anchor="t" anchorCtr="0">
+            <a:noAutofit/>
+          </a:bodyPr>
+          <a:lstStyle/>
+          <a:p>
+            <a:pPr marL="0" lvl="0" indent="0" algn="l" rtl="0">
+              <a:spcBef>
+                <a:spcPts val="0"/>
+              </a:spcBef>
+              <a:spcAft>
+                <a:spcPts val="0"/>
+              </a:spcAft>
+              <a:buNone/>
+            </a:pPr>
+            <a:r>
+              <a:rPr lang="en-US" dirty="0">
+                <a:latin typeface="Consolas"/>
+                <a:ea typeface="Consolas"/>
+                <a:cs typeface="Consolas"/>
+                <a:sym typeface="Consolas"/>
+              </a:rPr>
+              <a:t>Explore codebase </a:t>
+            </a:r>
+            <a:endParaRPr dirty="0">
+              <a:latin typeface="Consolas"/>
+              <a:ea typeface="Consolas"/>
+              <a:cs typeface="Consolas"/>
+              <a:sym typeface="Consolas"/>
+            </a:endParaRPr>
+          </a:p>
+        </p:txBody>
+      </p:sp>
+      <p:sp>
+        <p:nvSpPr>
+          <p:cNvPr id="4" name="Google Shape;87;p15">
+            <a:extLst>
+              <a:ext uri="{FF2B5EF4-FFF2-40B4-BE49-F238E27FC236}">
+                <a16:creationId xmlns:a16="http://schemas.microsoft.com/office/drawing/2014/main" id="{E4BEF775-E391-8631-781D-03502E22E244}"/>
+              </a:ext>
+            </a:extLst>
+          </p:cNvPr>
+          <p:cNvSpPr/>
+          <p:nvPr/>
+        </p:nvSpPr>
+        <p:spPr>
+          <a:xfrm>
+            <a:off x="9609962" y="680153"/>
+            <a:ext cx="1875816" cy="2293324"/>
+          </a:xfrm>
+          <a:prstGeom prst="roundRect">
+            <a:avLst>
+              <a:gd name="adj" fmla="val 16667"/>
+            </a:avLst>
+          </a:prstGeom>
+          <a:solidFill>
+            <a:srgbClr val="D9EAD3"/>
+          </a:solidFill>
+          <a:ln w="28575" cap="flat" cmpd="sng">
+            <a:solidFill>
+              <a:srgbClr val="274E13"/>
+            </a:solidFill>
+            <a:prstDash val="solid"/>
+            <a:round/>
+            <a:headEnd type="none" w="sm" len="sm"/>
+            <a:tailEnd type="none" w="sm" len="sm"/>
+          </a:ln>
+        </p:spPr>
+        <p:txBody>
+          <a:bodyPr spcFirstLastPara="1" wrap="square" lIns="91425" tIns="91425" rIns="91425" bIns="91425" anchor="t" anchorCtr="0">
+            <a:noAutofit/>
+          </a:bodyPr>
+          <a:lstStyle/>
+          <a:p>
+            <a:pPr marL="0" lvl="0" indent="0" algn="l" rtl="0">
+              <a:spcBef>
+                <a:spcPts val="0"/>
+              </a:spcBef>
+              <a:spcAft>
+                <a:spcPts val="0"/>
+              </a:spcAft>
+              <a:buNone/>
+            </a:pPr>
+            <a:r>
+              <a:rPr lang="en-US" dirty="0">
+                <a:latin typeface="Consolas"/>
+                <a:ea typeface="Consolas"/>
+                <a:cs typeface="Consolas"/>
+                <a:sym typeface="Consolas"/>
+              </a:rPr>
+              <a:t>Recognize present code smells</a:t>
+            </a:r>
+            <a:endParaRPr dirty="0">
+              <a:latin typeface="Consolas"/>
+              <a:ea typeface="Consolas"/>
+              <a:cs typeface="Consolas"/>
+              <a:sym typeface="Consolas"/>
+            </a:endParaRPr>
+          </a:p>
+        </p:txBody>
+      </p:sp>
+      <p:sp>
+        <p:nvSpPr>
+          <p:cNvPr id="2" name="Google Shape;87;p15">
+            <a:extLst>
+              <a:ext uri="{FF2B5EF4-FFF2-40B4-BE49-F238E27FC236}">
+                <a16:creationId xmlns:a16="http://schemas.microsoft.com/office/drawing/2014/main" id="{60AB1D05-718C-088C-370F-56587D444535}"/>
+              </a:ext>
+            </a:extLst>
+          </p:cNvPr>
+          <p:cNvSpPr/>
+          <p:nvPr/>
+        </p:nvSpPr>
+        <p:spPr>
+          <a:xfrm>
+            <a:off x="12691178" y="2122099"/>
+            <a:ext cx="1875816" cy="2293324"/>
+          </a:xfrm>
+          <a:prstGeom prst="roundRect">
+            <a:avLst>
+              <a:gd name="adj" fmla="val 16667"/>
+            </a:avLst>
+          </a:prstGeom>
+          <a:solidFill>
+            <a:srgbClr val="D9EAD3"/>
+          </a:solidFill>
+          <a:ln w="28575" cap="flat" cmpd="sng">
+            <a:solidFill>
+              <a:srgbClr val="274E13"/>
+            </a:solidFill>
+            <a:prstDash val="solid"/>
+            <a:round/>
+            <a:headEnd type="none" w="sm" len="sm"/>
+            <a:tailEnd type="none" w="sm" len="sm"/>
+          </a:ln>
+        </p:spPr>
+        <p:txBody>
+          <a:bodyPr spcFirstLastPara="1" wrap="square" lIns="91425" tIns="91425" rIns="91425" bIns="91425" anchor="t" anchorCtr="0">
+            <a:noAutofit/>
+          </a:bodyPr>
+          <a:lstStyle/>
+          <a:p>
+            <a:pPr marL="0" lvl="0" indent="0" algn="l" rtl="0">
+              <a:spcBef>
+                <a:spcPts val="0"/>
+              </a:spcBef>
+              <a:spcAft>
+                <a:spcPts val="0"/>
+              </a:spcAft>
+              <a:buNone/>
+            </a:pPr>
+            <a:r>
+              <a:rPr lang="en-US" dirty="0">
+                <a:latin typeface="Consolas"/>
+                <a:ea typeface="Consolas"/>
+                <a:cs typeface="Consolas"/>
+                <a:sym typeface="Consolas"/>
+              </a:rPr>
+              <a:t>Explore codebase </a:t>
+            </a:r>
+            <a:endParaRPr dirty="0">
+              <a:latin typeface="Consolas"/>
+              <a:ea typeface="Consolas"/>
+              <a:cs typeface="Consolas"/>
+              <a:sym typeface="Consolas"/>
+            </a:endParaRPr>
+          </a:p>
+        </p:txBody>
+      </p:sp>
+      <p:sp>
+        <p:nvSpPr>
+          <p:cNvPr id="5" name="Google Shape;87;p15">
+            <a:extLst>
+              <a:ext uri="{FF2B5EF4-FFF2-40B4-BE49-F238E27FC236}">
+                <a16:creationId xmlns:a16="http://schemas.microsoft.com/office/drawing/2014/main" id="{88B15176-6779-03BA-9230-FEEE80F5D7D0}"/>
+              </a:ext>
+            </a:extLst>
+          </p:cNvPr>
+          <p:cNvSpPr/>
+          <p:nvPr/>
+        </p:nvSpPr>
+        <p:spPr>
+          <a:xfrm>
+            <a:off x="12691178" y="3371966"/>
+            <a:ext cx="1875816" cy="2293324"/>
+          </a:xfrm>
+          <a:prstGeom prst="roundRect">
+            <a:avLst>
+              <a:gd name="adj" fmla="val 16667"/>
+            </a:avLst>
+          </a:prstGeom>
+          <a:solidFill>
+            <a:srgbClr val="D9EAD3"/>
+          </a:solidFill>
+          <a:ln w="28575" cap="flat" cmpd="sng">
+            <a:solidFill>
+              <a:srgbClr val="274E13"/>
+            </a:solidFill>
+            <a:prstDash val="solid"/>
+            <a:round/>
+            <a:headEnd type="none" w="sm" len="sm"/>
+            <a:tailEnd type="none" w="sm" len="sm"/>
+          </a:ln>
+        </p:spPr>
+        <p:txBody>
+          <a:bodyPr spcFirstLastPara="1" wrap="square" lIns="91425" tIns="91425" rIns="91425" bIns="91425" anchor="t" anchorCtr="0">
+            <a:noAutofit/>
+          </a:bodyPr>
+          <a:lstStyle/>
+          <a:p>
+            <a:pPr marL="0" lvl="0" indent="0" algn="l" rtl="0">
+              <a:spcBef>
+                <a:spcPts val="0"/>
+              </a:spcBef>
+              <a:spcAft>
+                <a:spcPts val="0"/>
+              </a:spcAft>
+              <a:buNone/>
+            </a:pPr>
+            <a:r>
+              <a:rPr lang="en-US" dirty="0">
+                <a:latin typeface="Consolas"/>
+                <a:ea typeface="Consolas"/>
+                <a:cs typeface="Consolas"/>
+                <a:sym typeface="Consolas"/>
+              </a:rPr>
+              <a:t>Explore codebase </a:t>
+            </a:r>
+            <a:endParaRPr dirty="0">
+              <a:latin typeface="Consolas"/>
+              <a:ea typeface="Consolas"/>
+              <a:cs typeface="Consolas"/>
+              <a:sym typeface="Consolas"/>
+            </a:endParaRPr>
+          </a:p>
+        </p:txBody>
+      </p:sp>
+      <p:sp>
+        <p:nvSpPr>
+          <p:cNvPr id="6" name="Google Shape;87;p15">
+            <a:extLst>
+              <a:ext uri="{FF2B5EF4-FFF2-40B4-BE49-F238E27FC236}">
+                <a16:creationId xmlns:a16="http://schemas.microsoft.com/office/drawing/2014/main" id="{49015506-1026-D19A-BC2E-0411B9CF4A9F}"/>
+              </a:ext>
+            </a:extLst>
+          </p:cNvPr>
+          <p:cNvSpPr/>
+          <p:nvPr/>
+        </p:nvSpPr>
+        <p:spPr>
+          <a:xfrm>
+            <a:off x="12691178" y="5006300"/>
+            <a:ext cx="1875816" cy="2293324"/>
+          </a:xfrm>
+          <a:prstGeom prst="roundRect">
+            <a:avLst>
+              <a:gd name="adj" fmla="val 16667"/>
+            </a:avLst>
+          </a:prstGeom>
+          <a:solidFill>
+            <a:srgbClr val="D9EAD3"/>
+          </a:solidFill>
+          <a:ln w="28575" cap="flat" cmpd="sng">
+            <a:solidFill>
+              <a:srgbClr val="274E13"/>
+            </a:solidFill>
+            <a:prstDash val="solid"/>
+            <a:round/>
+            <a:headEnd type="none" w="sm" len="sm"/>
+            <a:tailEnd type="none" w="sm" len="sm"/>
+          </a:ln>
+        </p:spPr>
+        <p:txBody>
+          <a:bodyPr spcFirstLastPara="1" wrap="square" lIns="91425" tIns="91425" rIns="91425" bIns="91425" anchor="t" anchorCtr="0">
+            <a:noAutofit/>
+          </a:bodyPr>
+          <a:lstStyle/>
+          <a:p>
+            <a:pPr marL="0" lvl="0" indent="0" algn="l" rtl="0">
+              <a:spcBef>
+                <a:spcPts val="0"/>
+              </a:spcBef>
+              <a:spcAft>
+                <a:spcPts val="0"/>
+              </a:spcAft>
+              <a:buNone/>
+            </a:pPr>
+            <a:r>
+              <a:rPr lang="en-US" dirty="0">
+                <a:latin typeface="Consolas"/>
+                <a:ea typeface="Consolas"/>
+                <a:cs typeface="Consolas"/>
+                <a:sym typeface="Consolas"/>
+              </a:rPr>
+              <a:t>Explore codebase </a:t>
+            </a:r>
+            <a:endParaRPr dirty="0">
+              <a:latin typeface="Consolas"/>
+              <a:ea typeface="Consolas"/>
+              <a:cs typeface="Consolas"/>
+              <a:sym typeface="Consolas"/>
+            </a:endParaRPr>
+          </a:p>
+        </p:txBody>
+      </p:sp>
+      <p:sp>
+        <p:nvSpPr>
+          <p:cNvPr id="7" name="Google Shape;87;p15">
+            <a:extLst>
+              <a:ext uri="{FF2B5EF4-FFF2-40B4-BE49-F238E27FC236}">
+                <a16:creationId xmlns:a16="http://schemas.microsoft.com/office/drawing/2014/main" id="{21152666-8193-EE47-1913-931BE0C87F2A}"/>
+              </a:ext>
+            </a:extLst>
+          </p:cNvPr>
+          <p:cNvSpPr/>
+          <p:nvPr/>
+        </p:nvSpPr>
+        <p:spPr>
+          <a:xfrm>
+            <a:off x="12663432" y="6631837"/>
+            <a:ext cx="1875816" cy="2293324"/>
+          </a:xfrm>
+          <a:prstGeom prst="roundRect">
+            <a:avLst>
+              <a:gd name="adj" fmla="val 16667"/>
+            </a:avLst>
+          </a:prstGeom>
+          <a:solidFill>
+            <a:srgbClr val="D9EAD3"/>
+          </a:solidFill>
+          <a:ln w="28575" cap="flat" cmpd="sng">
+            <a:solidFill>
+              <a:srgbClr val="274E13"/>
+            </a:solidFill>
+            <a:prstDash val="solid"/>
+            <a:round/>
+            <a:headEnd type="none" w="sm" len="sm"/>
+            <a:tailEnd type="none" w="sm" len="sm"/>
+          </a:ln>
+        </p:spPr>
+        <p:txBody>
+          <a:bodyPr spcFirstLastPara="1" wrap="square" lIns="91425" tIns="91425" rIns="91425" bIns="91425" anchor="t" anchorCtr="0">
+            <a:noAutofit/>
+          </a:bodyPr>
+          <a:lstStyle/>
+          <a:p>
+            <a:pPr marL="0" lvl="0" indent="0" algn="l" rtl="0">
+              <a:spcBef>
+                <a:spcPts val="0"/>
+              </a:spcBef>
+              <a:spcAft>
+                <a:spcPts val="0"/>
+              </a:spcAft>
+              <a:buNone/>
+            </a:pPr>
+            <a:r>
+              <a:rPr lang="en-US" dirty="0">
+                <a:latin typeface="Consolas"/>
+                <a:ea typeface="Consolas"/>
+                <a:cs typeface="Consolas"/>
+                <a:sym typeface="Consolas"/>
+              </a:rPr>
+              <a:t>Explore codebase </a:t>
+            </a:r>
+            <a:endParaRPr dirty="0">
+              <a:latin typeface="Consolas"/>
+              <a:ea typeface="Consolas"/>
+              <a:cs typeface="Consolas"/>
+              <a:sym typeface="Consolas"/>
+            </a:endParaRPr>
+          </a:p>
+        </p:txBody>
+      </p:sp>
+      <p:sp>
+        <p:nvSpPr>
+          <p:cNvPr id="8" name="Google Shape;87;p15">
+            <a:extLst>
+              <a:ext uri="{FF2B5EF4-FFF2-40B4-BE49-F238E27FC236}">
+                <a16:creationId xmlns:a16="http://schemas.microsoft.com/office/drawing/2014/main" id="{D572B381-CA92-8E69-2724-9894085CDF68}"/>
+              </a:ext>
+            </a:extLst>
+          </p:cNvPr>
+          <p:cNvSpPr/>
+          <p:nvPr/>
+        </p:nvSpPr>
+        <p:spPr>
+          <a:xfrm>
+            <a:off x="12663432" y="8276260"/>
+            <a:ext cx="1875816" cy="2293324"/>
+          </a:xfrm>
+          <a:prstGeom prst="roundRect">
+            <a:avLst>
+              <a:gd name="adj" fmla="val 16667"/>
+            </a:avLst>
+          </a:prstGeom>
+          <a:solidFill>
+            <a:srgbClr val="D9EAD3"/>
+          </a:solidFill>
+          <a:ln w="28575" cap="flat" cmpd="sng">
+            <a:solidFill>
+              <a:srgbClr val="274E13"/>
+            </a:solidFill>
+            <a:prstDash val="solid"/>
+            <a:round/>
+            <a:headEnd type="none" w="sm" len="sm"/>
+            <a:tailEnd type="none" w="sm" len="sm"/>
+          </a:ln>
+        </p:spPr>
+        <p:txBody>
+          <a:bodyPr spcFirstLastPara="1" wrap="square" lIns="91425" tIns="91425" rIns="91425" bIns="91425" anchor="t" anchorCtr="0">
+            <a:noAutofit/>
+          </a:bodyPr>
+          <a:lstStyle/>
+          <a:p>
+            <a:pPr marL="0" lvl="0" indent="0" algn="l" rtl="0">
+              <a:spcBef>
+                <a:spcPts val="0"/>
+              </a:spcBef>
+              <a:spcAft>
+                <a:spcPts val="0"/>
+              </a:spcAft>
+              <a:buNone/>
+            </a:pPr>
+            <a:r>
+              <a:rPr lang="en-US" dirty="0">
+                <a:latin typeface="Consolas"/>
+                <a:ea typeface="Consolas"/>
+                <a:cs typeface="Consolas"/>
+                <a:sym typeface="Consolas"/>
+              </a:rPr>
+              <a:t>Explore codebase </a:t>
+            </a:r>
+            <a:endParaRPr dirty="0">
+              <a:latin typeface="Consolas"/>
+              <a:ea typeface="Consolas"/>
+              <a:cs typeface="Consolas"/>
+              <a:sym typeface="Consolas"/>
+            </a:endParaRPr>
+          </a:p>
+        </p:txBody>
+      </p:sp>
+      <p:sp>
+        <p:nvSpPr>
+          <p:cNvPr id="9" name="Google Shape;87;p15">
+            <a:extLst>
+              <a:ext uri="{FF2B5EF4-FFF2-40B4-BE49-F238E27FC236}">
+                <a16:creationId xmlns:a16="http://schemas.microsoft.com/office/drawing/2014/main" id="{3E83E45E-244A-85C9-F0B1-AAA653434EBA}"/>
+              </a:ext>
+            </a:extLst>
+          </p:cNvPr>
+          <p:cNvSpPr/>
+          <p:nvPr/>
+        </p:nvSpPr>
+        <p:spPr>
+          <a:xfrm>
+            <a:off x="9609962" y="2283175"/>
+            <a:ext cx="1875816" cy="2293324"/>
+          </a:xfrm>
+          <a:prstGeom prst="roundRect">
+            <a:avLst>
+              <a:gd name="adj" fmla="val 16667"/>
+            </a:avLst>
+          </a:prstGeom>
+          <a:solidFill>
+            <a:srgbClr val="D9EAD3"/>
+          </a:solidFill>
+          <a:ln w="28575" cap="flat" cmpd="sng">
+            <a:solidFill>
+              <a:srgbClr val="274E13"/>
+            </a:solidFill>
+            <a:prstDash val="solid"/>
+            <a:round/>
+            <a:headEnd type="none" w="sm" len="sm"/>
+            <a:tailEnd type="none" w="sm" len="sm"/>
+          </a:ln>
+        </p:spPr>
+        <p:txBody>
+          <a:bodyPr spcFirstLastPara="1" wrap="square" lIns="91425" tIns="91425" rIns="91425" bIns="91425" anchor="t" anchorCtr="0">
+            <a:noAutofit/>
+          </a:bodyPr>
+          <a:lstStyle/>
+          <a:p>
+            <a:pPr marL="0" lvl="0" indent="0" algn="l" rtl="0">
+              <a:spcBef>
+                <a:spcPts val="0"/>
+              </a:spcBef>
+              <a:spcAft>
+                <a:spcPts val="0"/>
+              </a:spcAft>
+              <a:buNone/>
+            </a:pPr>
+            <a:r>
+              <a:rPr lang="en-US" dirty="0">
+                <a:latin typeface="Consolas"/>
+                <a:ea typeface="Consolas"/>
+                <a:cs typeface="Consolas"/>
+                <a:sym typeface="Consolas"/>
+              </a:rPr>
+              <a:t>Recognize present code smells</a:t>
+            </a:r>
+            <a:endParaRPr dirty="0">
+              <a:latin typeface="Consolas"/>
+              <a:ea typeface="Consolas"/>
+              <a:cs typeface="Consolas"/>
+              <a:sym typeface="Consolas"/>
+            </a:endParaRPr>
+          </a:p>
+        </p:txBody>
+      </p:sp>
+      <p:sp>
+        <p:nvSpPr>
+          <p:cNvPr id="10" name="Google Shape;87;p15">
+            <a:extLst>
+              <a:ext uri="{FF2B5EF4-FFF2-40B4-BE49-F238E27FC236}">
+                <a16:creationId xmlns:a16="http://schemas.microsoft.com/office/drawing/2014/main" id="{0D110D0F-6006-7C2B-9F9D-1025F28013D0}"/>
+              </a:ext>
+            </a:extLst>
+          </p:cNvPr>
+          <p:cNvSpPr/>
+          <p:nvPr/>
+        </p:nvSpPr>
+        <p:spPr>
+          <a:xfrm>
+            <a:off x="9609962" y="3782316"/>
+            <a:ext cx="1875816" cy="2293324"/>
+          </a:xfrm>
+          <a:prstGeom prst="roundRect">
+            <a:avLst>
+              <a:gd name="adj" fmla="val 16667"/>
+            </a:avLst>
+          </a:prstGeom>
+          <a:solidFill>
+            <a:srgbClr val="D9EAD3"/>
+          </a:solidFill>
+          <a:ln w="28575" cap="flat" cmpd="sng">
+            <a:solidFill>
+              <a:srgbClr val="274E13"/>
+            </a:solidFill>
+            <a:prstDash val="solid"/>
+            <a:round/>
+            <a:headEnd type="none" w="sm" len="sm"/>
+            <a:tailEnd type="none" w="sm" len="sm"/>
+          </a:ln>
+        </p:spPr>
+        <p:txBody>
+          <a:bodyPr spcFirstLastPara="1" wrap="square" lIns="91425" tIns="91425" rIns="91425" bIns="91425" anchor="t" anchorCtr="0">
+            <a:noAutofit/>
+          </a:bodyPr>
+          <a:lstStyle/>
+          <a:p>
+            <a:pPr marL="0" lvl="0" indent="0" algn="l" rtl="0">
+              <a:spcBef>
+                <a:spcPts val="0"/>
+              </a:spcBef>
+              <a:spcAft>
+                <a:spcPts val="0"/>
+              </a:spcAft>
+              <a:buNone/>
+            </a:pPr>
+            <a:r>
+              <a:rPr lang="en-US" dirty="0">
+                <a:latin typeface="Consolas"/>
+                <a:ea typeface="Consolas"/>
+                <a:cs typeface="Consolas"/>
+                <a:sym typeface="Consolas"/>
+              </a:rPr>
+              <a:t>Recognize present code smells</a:t>
+            </a:r>
+            <a:endParaRPr dirty="0">
+              <a:latin typeface="Consolas"/>
+              <a:ea typeface="Consolas"/>
+              <a:cs typeface="Consolas"/>
+              <a:sym typeface="Consolas"/>
+            </a:endParaRPr>
+          </a:p>
+        </p:txBody>
+      </p:sp>
+      <p:sp>
+        <p:nvSpPr>
+          <p:cNvPr id="11" name="Google Shape;87;p15">
+            <a:extLst>
+              <a:ext uri="{FF2B5EF4-FFF2-40B4-BE49-F238E27FC236}">
+                <a16:creationId xmlns:a16="http://schemas.microsoft.com/office/drawing/2014/main" id="{FCA37018-5E07-1EC0-A402-7CD31DEBAFCF}"/>
+              </a:ext>
+            </a:extLst>
+          </p:cNvPr>
+          <p:cNvSpPr/>
+          <p:nvPr/>
+        </p:nvSpPr>
+        <p:spPr>
+          <a:xfrm>
+            <a:off x="9620829" y="5207076"/>
+            <a:ext cx="1875816" cy="2293324"/>
+          </a:xfrm>
+          <a:prstGeom prst="roundRect">
+            <a:avLst>
+              <a:gd name="adj" fmla="val 16667"/>
+            </a:avLst>
+          </a:prstGeom>
+          <a:solidFill>
+            <a:srgbClr val="D9EAD3"/>
+          </a:solidFill>
+          <a:ln w="28575" cap="flat" cmpd="sng">
+            <a:solidFill>
+              <a:srgbClr val="274E13"/>
+            </a:solidFill>
+            <a:prstDash val="solid"/>
+            <a:round/>
+            <a:headEnd type="none" w="sm" len="sm"/>
+            <a:tailEnd type="none" w="sm" len="sm"/>
+          </a:ln>
+        </p:spPr>
+        <p:txBody>
+          <a:bodyPr spcFirstLastPara="1" wrap="square" lIns="91425" tIns="91425" rIns="91425" bIns="91425" anchor="t" anchorCtr="0">
+            <a:noAutofit/>
+          </a:bodyPr>
+          <a:lstStyle/>
+          <a:p>
+            <a:pPr marL="0" lvl="0" indent="0" algn="l" rtl="0">
+              <a:spcBef>
+                <a:spcPts val="0"/>
+              </a:spcBef>
+              <a:spcAft>
+                <a:spcPts val="0"/>
+              </a:spcAft>
+              <a:buNone/>
+            </a:pPr>
+            <a:r>
+              <a:rPr lang="en-US" dirty="0">
+                <a:latin typeface="Consolas"/>
+                <a:ea typeface="Consolas"/>
+                <a:cs typeface="Consolas"/>
+                <a:sym typeface="Consolas"/>
+              </a:rPr>
+              <a:t>Recognize present code smells</a:t>
+            </a:r>
+            <a:endParaRPr dirty="0">
+              <a:latin typeface="Consolas"/>
+              <a:ea typeface="Consolas"/>
+              <a:cs typeface="Consolas"/>
+              <a:sym typeface="Consolas"/>
+            </a:endParaRPr>
+          </a:p>
+        </p:txBody>
+      </p:sp>
+      <p:sp>
+        <p:nvSpPr>
+          <p:cNvPr id="12" name="Google Shape;87;p15">
+            <a:extLst>
+              <a:ext uri="{FF2B5EF4-FFF2-40B4-BE49-F238E27FC236}">
+                <a16:creationId xmlns:a16="http://schemas.microsoft.com/office/drawing/2014/main" id="{B6382D95-122C-55AC-2E6D-8211D7130073}"/>
+              </a:ext>
+            </a:extLst>
+          </p:cNvPr>
+          <p:cNvSpPr/>
+          <p:nvPr/>
+        </p:nvSpPr>
+        <p:spPr>
+          <a:xfrm>
+            <a:off x="9609962" y="6725534"/>
+            <a:ext cx="1875816" cy="2293324"/>
+          </a:xfrm>
+          <a:prstGeom prst="roundRect">
+            <a:avLst>
+              <a:gd name="adj" fmla="val 16667"/>
+            </a:avLst>
+          </a:prstGeom>
+          <a:solidFill>
+            <a:srgbClr val="D9EAD3"/>
+          </a:solidFill>
+          <a:ln w="28575" cap="flat" cmpd="sng">
+            <a:solidFill>
+              <a:srgbClr val="274E13"/>
+            </a:solidFill>
+            <a:prstDash val="solid"/>
+            <a:round/>
+            <a:headEnd type="none" w="sm" len="sm"/>
+            <a:tailEnd type="none" w="sm" len="sm"/>
+          </a:ln>
+        </p:spPr>
+        <p:txBody>
+          <a:bodyPr spcFirstLastPara="1" wrap="square" lIns="91425" tIns="91425" rIns="91425" bIns="91425" anchor="t" anchorCtr="0">
+            <a:noAutofit/>
+          </a:bodyPr>
+          <a:lstStyle/>
+          <a:p>
+            <a:pPr marL="0" lvl="0" indent="0" algn="l" rtl="0">
+              <a:spcBef>
+                <a:spcPts val="0"/>
+              </a:spcBef>
+              <a:spcAft>
+                <a:spcPts val="0"/>
+              </a:spcAft>
+              <a:buNone/>
+            </a:pPr>
+            <a:r>
+              <a:rPr lang="en-US" dirty="0">
+                <a:latin typeface="Consolas"/>
+                <a:ea typeface="Consolas"/>
+                <a:cs typeface="Consolas"/>
+                <a:sym typeface="Consolas"/>
+              </a:rPr>
+              <a:t>Recognize present code smells</a:t>
+            </a:r>
+            <a:endParaRPr dirty="0">
+              <a:latin typeface="Consolas"/>
+              <a:ea typeface="Consolas"/>
+              <a:cs typeface="Consolas"/>
+              <a:sym typeface="Consolas"/>
+            </a:endParaRPr>
+          </a:p>
+        </p:txBody>
+      </p:sp>
+      <p:sp>
+        <p:nvSpPr>
+          <p:cNvPr id="13" name="Google Shape;87;p15">
+            <a:extLst>
+              <a:ext uri="{FF2B5EF4-FFF2-40B4-BE49-F238E27FC236}">
+                <a16:creationId xmlns:a16="http://schemas.microsoft.com/office/drawing/2014/main" id="{83452AE5-D0AA-71CD-0F82-6598F8A56BE9}"/>
+              </a:ext>
+            </a:extLst>
+          </p:cNvPr>
+          <p:cNvSpPr/>
+          <p:nvPr/>
+        </p:nvSpPr>
+        <p:spPr>
+          <a:xfrm>
+            <a:off x="9582216" y="8301434"/>
+            <a:ext cx="1875816" cy="2293324"/>
+          </a:xfrm>
+          <a:prstGeom prst="roundRect">
+            <a:avLst>
+              <a:gd name="adj" fmla="val 16667"/>
+            </a:avLst>
+          </a:prstGeom>
+          <a:solidFill>
+            <a:srgbClr val="D9EAD3"/>
+          </a:solidFill>
+          <a:ln w="28575" cap="flat" cmpd="sng">
+            <a:solidFill>
+              <a:srgbClr val="274E13"/>
+            </a:solidFill>
+            <a:prstDash val="solid"/>
+            <a:round/>
+            <a:headEnd type="none" w="sm" len="sm"/>
+            <a:tailEnd type="none" w="sm" len="sm"/>
+          </a:ln>
+        </p:spPr>
+        <p:txBody>
+          <a:bodyPr spcFirstLastPara="1" wrap="square" lIns="91425" tIns="91425" rIns="91425" bIns="91425" anchor="t" anchorCtr="0">
+            <a:noAutofit/>
+          </a:bodyPr>
+          <a:lstStyle/>
+          <a:p>
+            <a:pPr marL="0" lvl="0" indent="0" algn="l" rtl="0">
+              <a:spcBef>
+                <a:spcPts val="0"/>
+              </a:spcBef>
+              <a:spcAft>
+                <a:spcPts val="0"/>
+              </a:spcAft>
+              <a:buNone/>
+            </a:pPr>
+            <a:r>
+              <a:rPr lang="en-US" dirty="0">
+                <a:latin typeface="Consolas"/>
+                <a:ea typeface="Consolas"/>
+                <a:cs typeface="Consolas"/>
+                <a:sym typeface="Consolas"/>
+              </a:rPr>
+              <a:t>Recognize present code smells</a:t>
+            </a:r>
+            <a:endParaRPr dirty="0">
+              <a:latin typeface="Consolas"/>
+              <a:ea typeface="Consolas"/>
+              <a:cs typeface="Consolas"/>
+              <a:sym typeface="Consolas"/>
+            </a:endParaRPr>
+          </a:p>
+        </p:txBody>
+      </p:sp>
+    </p:spTree>
+    <p:extLst>
+      <p:ext uri="{BB962C8B-B14F-4D97-AF65-F5344CB8AC3E}">
+        <p14:creationId xmlns:p14="http://schemas.microsoft.com/office/powerpoint/2010/main" val="375131431"/>
+      </p:ext>
+    </p:extLst>
+  </p:cSld>
+  <p:clrMapOvr>
+    <a:masterClrMapping/>
+  </p:clrMapOvr>
+</p:sld>
+</file>
+
+<file path=ppt/slides/slide11.xml><?xml version="1.0" encoding="utf-8"?>
+<p:sld xmlns:a="http://schemas.openxmlformats.org/drawingml/2006/main" xmlns:r="http://schemas.openxmlformats.org/officeDocument/2006/relationships" xmlns:p="http://schemas.openxmlformats.org/presentationml/2006/main">
+  <p:cSld>
+    <p:spTree>
+      <p:nvGrpSpPr>
+        <p:cNvPr id="1" name="Shape 65">
+          <a:extLst>
+            <a:ext uri="{FF2B5EF4-FFF2-40B4-BE49-F238E27FC236}">
+              <a16:creationId xmlns:a16="http://schemas.microsoft.com/office/drawing/2014/main" id="{770E3981-2CEA-56C1-140C-2C6323FA9343}"/>
+            </a:ext>
+          </a:extLst>
+        </p:cNvPr>
+        <p:cNvGrpSpPr/>
+        <p:nvPr/>
+      </p:nvGrpSpPr>
+      <p:grpSpPr>
+        <a:xfrm>
+          <a:off x="0" y="0"/>
+          <a:ext cx="0" cy="0"/>
+          <a:chOff x="0" y="0"/>
+          <a:chExt cx="0" cy="0"/>
+        </a:xfrm>
+      </p:grpSpPr>
+      <p:cxnSp>
+        <p:nvCxnSpPr>
+          <p:cNvPr id="66" name="Google Shape;66;p15">
+            <a:extLst>
+              <a:ext uri="{FF2B5EF4-FFF2-40B4-BE49-F238E27FC236}">
+                <a16:creationId xmlns:a16="http://schemas.microsoft.com/office/drawing/2014/main" id="{F2B9D4AB-DB15-025C-7F48-93E4CD1EFAF0}"/>
+              </a:ext>
+            </a:extLst>
+          </p:cNvPr>
+          <p:cNvCxnSpPr/>
+          <p:nvPr/>
+        </p:nvCxnSpPr>
+        <p:spPr>
+          <a:xfrm>
+            <a:off x="5944724" y="-31500"/>
+            <a:ext cx="0" cy="10857000"/>
+          </a:xfrm>
+          <a:prstGeom prst="straightConnector1">
+            <a:avLst/>
+          </a:prstGeom>
+          <a:noFill/>
+          <a:ln w="38100" cap="flat" cmpd="sng">
+            <a:solidFill>
+              <a:srgbClr val="5B0F00"/>
+            </a:solidFill>
+            <a:prstDash val="solid"/>
+            <a:round/>
+            <a:headEnd type="none" w="med" len="med"/>
+            <a:tailEnd type="none" w="med" len="med"/>
+          </a:ln>
+        </p:spPr>
+      </p:cxnSp>
+      <p:sp>
+        <p:nvSpPr>
+          <p:cNvPr id="67" name="Google Shape;67;p15">
+            <a:extLst>
+              <a:ext uri="{FF2B5EF4-FFF2-40B4-BE49-F238E27FC236}">
+                <a16:creationId xmlns:a16="http://schemas.microsoft.com/office/drawing/2014/main" id="{24F8F7D6-3CD5-CA05-FC0C-C157F791AEE3}"/>
+              </a:ext>
+            </a:extLst>
+          </p:cNvPr>
+          <p:cNvSpPr/>
+          <p:nvPr/>
+        </p:nvSpPr>
+        <p:spPr>
+          <a:xfrm>
+            <a:off x="3197186" y="84312"/>
+            <a:ext cx="2410800" cy="480900"/>
+          </a:xfrm>
+          <a:prstGeom prst="roundRect">
+            <a:avLst>
+              <a:gd name="adj" fmla="val 16667"/>
+            </a:avLst>
+          </a:prstGeom>
+          <a:solidFill>
+            <a:srgbClr val="F9CB9C"/>
+          </a:solidFill>
+          <a:ln w="28575" cap="flat" cmpd="sng">
+            <a:solidFill>
+              <a:srgbClr val="B45F06"/>
+            </a:solidFill>
+            <a:prstDash val="solid"/>
+            <a:round/>
+            <a:headEnd type="none" w="sm" len="sm"/>
+            <a:tailEnd type="none" w="sm" len="sm"/>
+          </a:ln>
+        </p:spPr>
+        <p:txBody>
+          <a:bodyPr spcFirstLastPara="1" wrap="square" lIns="91425" tIns="91425" rIns="91425" bIns="91425" anchor="ctr" anchorCtr="0">
+            <a:noAutofit/>
+          </a:bodyPr>
+          <a:lstStyle/>
+          <a:p>
+            <a:pPr marL="0" lvl="0" indent="0" algn="ctr" rtl="0">
+              <a:spcBef>
+                <a:spcPts val="0"/>
+              </a:spcBef>
+              <a:spcAft>
+                <a:spcPts val="0"/>
+              </a:spcAft>
+              <a:buNone/>
+            </a:pPr>
+            <a:r>
+              <a:rPr lang="en-GB" sz="1800" b="1">
+                <a:latin typeface="Consolas"/>
+                <a:ea typeface="Consolas"/>
+                <a:cs typeface="Consolas"/>
+                <a:sym typeface="Consolas"/>
+              </a:rPr>
+              <a:t>Student ID</a:t>
+            </a:r>
+            <a:endParaRPr sz="1800" b="1">
+              <a:latin typeface="Consolas"/>
+              <a:ea typeface="Consolas"/>
+              <a:cs typeface="Consolas"/>
+              <a:sym typeface="Consolas"/>
+            </a:endParaRPr>
+          </a:p>
+        </p:txBody>
+      </p:sp>
+      <p:sp>
+        <p:nvSpPr>
+          <p:cNvPr id="68" name="Google Shape;68;p15">
+            <a:extLst>
+              <a:ext uri="{FF2B5EF4-FFF2-40B4-BE49-F238E27FC236}">
+                <a16:creationId xmlns:a16="http://schemas.microsoft.com/office/drawing/2014/main" id="{E2A873B3-3979-DEA0-E73B-7A4A4737EE42}"/>
+              </a:ext>
+            </a:extLst>
+          </p:cNvPr>
+          <p:cNvSpPr/>
+          <p:nvPr/>
+        </p:nvSpPr>
+        <p:spPr>
+          <a:xfrm>
+            <a:off x="6281636" y="84312"/>
+            <a:ext cx="2410800" cy="480900"/>
+          </a:xfrm>
+          <a:prstGeom prst="roundRect">
+            <a:avLst>
+              <a:gd name="adj" fmla="val 16667"/>
+            </a:avLst>
+          </a:prstGeom>
+          <a:solidFill>
+            <a:srgbClr val="F9CB9C"/>
+          </a:solidFill>
+          <a:ln w="28575" cap="flat" cmpd="sng">
+            <a:solidFill>
+              <a:srgbClr val="B45F06"/>
+            </a:solidFill>
+            <a:prstDash val="solid"/>
+            <a:round/>
+            <a:headEnd type="none" w="sm" len="sm"/>
+            <a:tailEnd type="none" w="sm" len="sm"/>
+          </a:ln>
+        </p:spPr>
+        <p:txBody>
+          <a:bodyPr spcFirstLastPara="1" wrap="square" lIns="91425" tIns="91425" rIns="91425" bIns="91425" anchor="ctr" anchorCtr="0">
+            <a:noAutofit/>
+          </a:bodyPr>
+          <a:lstStyle/>
+          <a:p>
+            <a:pPr marL="0" lvl="0" indent="0" algn="ctr" rtl="0">
+              <a:spcBef>
+                <a:spcPts val="0"/>
+              </a:spcBef>
+              <a:spcAft>
+                <a:spcPts val="0"/>
+              </a:spcAft>
+              <a:buNone/>
+            </a:pPr>
+            <a:r>
+              <a:rPr lang="en-GB" sz="1800" b="1">
+                <a:latin typeface="Consolas"/>
+                <a:ea typeface="Consolas"/>
+                <a:cs typeface="Consolas"/>
+                <a:sym typeface="Consolas"/>
+              </a:rPr>
+              <a:t>Story</a:t>
+            </a:r>
+            <a:endParaRPr sz="1800" b="1">
+              <a:latin typeface="Consolas"/>
+              <a:ea typeface="Consolas"/>
+              <a:cs typeface="Consolas"/>
+              <a:sym typeface="Consolas"/>
+            </a:endParaRPr>
+          </a:p>
+        </p:txBody>
+      </p:sp>
+      <p:sp>
+        <p:nvSpPr>
+          <p:cNvPr id="69" name="Google Shape;69;p15">
+            <a:extLst>
+              <a:ext uri="{FF2B5EF4-FFF2-40B4-BE49-F238E27FC236}">
+                <a16:creationId xmlns:a16="http://schemas.microsoft.com/office/drawing/2014/main" id="{0E114271-DDB6-1FD2-15A1-EB0B79391A6A}"/>
+              </a:ext>
+            </a:extLst>
+          </p:cNvPr>
+          <p:cNvSpPr/>
+          <p:nvPr/>
+        </p:nvSpPr>
+        <p:spPr>
+          <a:xfrm>
+            <a:off x="9366071" y="84312"/>
+            <a:ext cx="2410800" cy="480900"/>
+          </a:xfrm>
+          <a:prstGeom prst="roundRect">
+            <a:avLst>
+              <a:gd name="adj" fmla="val 16667"/>
+            </a:avLst>
+          </a:prstGeom>
+          <a:solidFill>
+            <a:srgbClr val="F9CB9C"/>
+          </a:solidFill>
+          <a:ln w="28575" cap="flat" cmpd="sng">
+            <a:solidFill>
+              <a:srgbClr val="B45F06"/>
+            </a:solidFill>
+            <a:prstDash val="solid"/>
+            <a:round/>
+            <a:headEnd type="none" w="sm" len="sm"/>
+            <a:tailEnd type="none" w="sm" len="sm"/>
+          </a:ln>
+        </p:spPr>
+        <p:txBody>
+          <a:bodyPr spcFirstLastPara="1" wrap="square" lIns="91425" tIns="91425" rIns="91425" bIns="91425" anchor="ctr" anchorCtr="0">
+            <a:noAutofit/>
+          </a:bodyPr>
+          <a:lstStyle/>
+          <a:p>
+            <a:pPr marL="0" lvl="0" indent="0" algn="ctr" rtl="0">
+              <a:spcBef>
+                <a:spcPts val="0"/>
+              </a:spcBef>
+              <a:spcAft>
+                <a:spcPts val="0"/>
+              </a:spcAft>
+              <a:buNone/>
+            </a:pPr>
+            <a:r>
+              <a:rPr lang="en-GB" sz="1800" b="1">
+                <a:latin typeface="Consolas"/>
+                <a:ea typeface="Consolas"/>
+                <a:cs typeface="Consolas"/>
+                <a:sym typeface="Consolas"/>
+              </a:rPr>
+              <a:t>To Do</a:t>
+            </a:r>
+            <a:endParaRPr sz="1800" b="1">
+              <a:latin typeface="Consolas"/>
+              <a:ea typeface="Consolas"/>
+              <a:cs typeface="Consolas"/>
+              <a:sym typeface="Consolas"/>
+            </a:endParaRPr>
+          </a:p>
+        </p:txBody>
+      </p:sp>
+      <p:sp>
+        <p:nvSpPr>
+          <p:cNvPr id="70" name="Google Shape;70;p15">
+            <a:extLst>
+              <a:ext uri="{FF2B5EF4-FFF2-40B4-BE49-F238E27FC236}">
+                <a16:creationId xmlns:a16="http://schemas.microsoft.com/office/drawing/2014/main" id="{5ABDA3C2-93E5-B615-3980-86BB97824FD1}"/>
+              </a:ext>
+            </a:extLst>
+          </p:cNvPr>
+          <p:cNvSpPr/>
+          <p:nvPr/>
+        </p:nvSpPr>
+        <p:spPr>
+          <a:xfrm>
+            <a:off x="12395940" y="84312"/>
+            <a:ext cx="2410800" cy="480900"/>
+          </a:xfrm>
+          <a:prstGeom prst="roundRect">
+            <a:avLst>
+              <a:gd name="adj" fmla="val 16667"/>
+            </a:avLst>
+          </a:prstGeom>
+          <a:solidFill>
+            <a:srgbClr val="F9CB9C"/>
+          </a:solidFill>
+          <a:ln w="28575" cap="flat" cmpd="sng">
+            <a:solidFill>
+              <a:srgbClr val="B45F06"/>
+            </a:solidFill>
+            <a:prstDash val="solid"/>
+            <a:round/>
+            <a:headEnd type="none" w="sm" len="sm"/>
+            <a:tailEnd type="none" w="sm" len="sm"/>
+          </a:ln>
+        </p:spPr>
+        <p:txBody>
+          <a:bodyPr spcFirstLastPara="1" wrap="square" lIns="91425" tIns="91425" rIns="91425" bIns="91425" anchor="ctr" anchorCtr="0">
+            <a:noAutofit/>
+          </a:bodyPr>
+          <a:lstStyle/>
+          <a:p>
+            <a:pPr marL="0" lvl="0" indent="0" algn="ctr" rtl="0">
+              <a:spcBef>
+                <a:spcPts val="0"/>
+              </a:spcBef>
+              <a:spcAft>
+                <a:spcPts val="0"/>
+              </a:spcAft>
+              <a:buNone/>
+            </a:pPr>
+            <a:r>
+              <a:rPr lang="en-GB" sz="1800" b="1">
+                <a:latin typeface="Consolas"/>
+                <a:ea typeface="Consolas"/>
+                <a:cs typeface="Consolas"/>
+                <a:sym typeface="Consolas"/>
+              </a:rPr>
+              <a:t>Doing</a:t>
+            </a:r>
+            <a:endParaRPr sz="1800" b="1">
+              <a:latin typeface="Consolas"/>
+              <a:ea typeface="Consolas"/>
+              <a:cs typeface="Consolas"/>
+              <a:sym typeface="Consolas"/>
+            </a:endParaRPr>
+          </a:p>
+        </p:txBody>
+      </p:sp>
+      <p:sp>
+        <p:nvSpPr>
+          <p:cNvPr id="71" name="Google Shape;71;p15">
+            <a:extLst>
+              <a:ext uri="{FF2B5EF4-FFF2-40B4-BE49-F238E27FC236}">
+                <a16:creationId xmlns:a16="http://schemas.microsoft.com/office/drawing/2014/main" id="{1035B9D3-5BDD-E07C-C9B0-9B7AECA561E1}"/>
+              </a:ext>
+            </a:extLst>
+          </p:cNvPr>
+          <p:cNvSpPr/>
+          <p:nvPr/>
+        </p:nvSpPr>
+        <p:spPr>
+          <a:xfrm>
+            <a:off x="15532407" y="84312"/>
+            <a:ext cx="2410800" cy="480900"/>
+          </a:xfrm>
+          <a:prstGeom prst="roundRect">
+            <a:avLst>
+              <a:gd name="adj" fmla="val 16667"/>
+            </a:avLst>
+          </a:prstGeom>
+          <a:solidFill>
+            <a:srgbClr val="F9CB9C"/>
+          </a:solidFill>
+          <a:ln w="28575" cap="flat" cmpd="sng">
+            <a:solidFill>
+              <a:srgbClr val="B45F06"/>
+            </a:solidFill>
+            <a:prstDash val="solid"/>
+            <a:round/>
+            <a:headEnd type="none" w="sm" len="sm"/>
+            <a:tailEnd type="none" w="sm" len="sm"/>
+          </a:ln>
+        </p:spPr>
+        <p:txBody>
+          <a:bodyPr spcFirstLastPara="1" wrap="square" lIns="91425" tIns="91425" rIns="91425" bIns="91425" anchor="ctr" anchorCtr="0">
+            <a:noAutofit/>
+          </a:bodyPr>
+          <a:lstStyle/>
+          <a:p>
+            <a:pPr marL="0" lvl="0" indent="0" algn="ctr" rtl="0">
+              <a:spcBef>
+                <a:spcPts val="0"/>
+              </a:spcBef>
+              <a:spcAft>
+                <a:spcPts val="0"/>
+              </a:spcAft>
+              <a:buNone/>
+            </a:pPr>
+            <a:r>
+              <a:rPr lang="en-GB" sz="1800" b="1">
+                <a:latin typeface="Consolas"/>
+                <a:ea typeface="Consolas"/>
+                <a:cs typeface="Consolas"/>
+                <a:sym typeface="Consolas"/>
+              </a:rPr>
+              <a:t>Review</a:t>
+            </a:r>
+            <a:endParaRPr sz="1800" b="1">
+              <a:latin typeface="Consolas"/>
+              <a:ea typeface="Consolas"/>
+              <a:cs typeface="Consolas"/>
+              <a:sym typeface="Consolas"/>
+            </a:endParaRPr>
+          </a:p>
+        </p:txBody>
+      </p:sp>
+      <p:sp>
+        <p:nvSpPr>
+          <p:cNvPr id="72" name="Google Shape;72;p15">
+            <a:extLst>
+              <a:ext uri="{FF2B5EF4-FFF2-40B4-BE49-F238E27FC236}">
+                <a16:creationId xmlns:a16="http://schemas.microsoft.com/office/drawing/2014/main" id="{3630A91B-03A6-DA7E-85A1-74438C6B0AFE}"/>
+              </a:ext>
+            </a:extLst>
+          </p:cNvPr>
+          <p:cNvSpPr/>
+          <p:nvPr/>
+        </p:nvSpPr>
+        <p:spPr>
+          <a:xfrm>
+            <a:off x="18668888" y="84312"/>
+            <a:ext cx="2410800" cy="480900"/>
+          </a:xfrm>
+          <a:prstGeom prst="roundRect">
+            <a:avLst>
+              <a:gd name="adj" fmla="val 16667"/>
+            </a:avLst>
+          </a:prstGeom>
+          <a:solidFill>
+            <a:srgbClr val="F9CB9C"/>
+          </a:solidFill>
+          <a:ln w="28575" cap="flat" cmpd="sng">
+            <a:solidFill>
+              <a:srgbClr val="B45F06"/>
+            </a:solidFill>
+            <a:prstDash val="solid"/>
+            <a:round/>
+            <a:headEnd type="none" w="sm" len="sm"/>
+            <a:tailEnd type="none" w="sm" len="sm"/>
+          </a:ln>
+        </p:spPr>
+        <p:txBody>
+          <a:bodyPr spcFirstLastPara="1" wrap="square" lIns="91425" tIns="91425" rIns="91425" bIns="91425" anchor="ctr" anchorCtr="0">
+            <a:noAutofit/>
+          </a:bodyPr>
+          <a:lstStyle/>
+          <a:p>
+            <a:pPr marL="0" lvl="0" indent="0" algn="ctr" rtl="0">
+              <a:spcBef>
+                <a:spcPts val="0"/>
+              </a:spcBef>
+              <a:spcAft>
+                <a:spcPts val="0"/>
+              </a:spcAft>
+              <a:buNone/>
+            </a:pPr>
+            <a:r>
+              <a:rPr lang="en-GB" sz="1800" b="1">
+                <a:latin typeface="Consolas"/>
+                <a:ea typeface="Consolas"/>
+                <a:cs typeface="Consolas"/>
+                <a:sym typeface="Consolas"/>
+              </a:rPr>
+              <a:t>Done</a:t>
+            </a:r>
+            <a:endParaRPr sz="1800" b="1">
+              <a:latin typeface="Consolas"/>
+              <a:ea typeface="Consolas"/>
+              <a:cs typeface="Consolas"/>
+              <a:sym typeface="Consolas"/>
+            </a:endParaRPr>
+          </a:p>
+        </p:txBody>
+      </p:sp>
+      <p:sp>
+        <p:nvSpPr>
+          <p:cNvPr id="73" name="Google Shape;73;p15">
+            <a:extLst>
+              <a:ext uri="{FF2B5EF4-FFF2-40B4-BE49-F238E27FC236}">
+                <a16:creationId xmlns:a16="http://schemas.microsoft.com/office/drawing/2014/main" id="{7FEEF165-4D7B-6B0E-CA13-3CA05CBDA987}"/>
+              </a:ext>
+            </a:extLst>
+          </p:cNvPr>
+          <p:cNvSpPr/>
+          <p:nvPr/>
+        </p:nvSpPr>
+        <p:spPr>
+          <a:xfrm>
+            <a:off x="167288" y="84312"/>
+            <a:ext cx="2410800" cy="480900"/>
+          </a:xfrm>
+          <a:prstGeom prst="roundRect">
+            <a:avLst>
+              <a:gd name="adj" fmla="val 16667"/>
+            </a:avLst>
+          </a:prstGeom>
+          <a:solidFill>
+            <a:srgbClr val="F9CB9C"/>
+          </a:solidFill>
+          <a:ln w="28575" cap="flat" cmpd="sng">
+            <a:solidFill>
+              <a:srgbClr val="B45F06"/>
+            </a:solidFill>
+            <a:prstDash val="solid"/>
+            <a:round/>
+            <a:headEnd type="none" w="sm" len="sm"/>
+            <a:tailEnd type="none" w="sm" len="sm"/>
+          </a:ln>
+        </p:spPr>
+        <p:txBody>
+          <a:bodyPr spcFirstLastPara="1" wrap="square" lIns="91425" tIns="91425" rIns="91425" bIns="91425" anchor="ctr" anchorCtr="0">
+            <a:noAutofit/>
+          </a:bodyPr>
+          <a:lstStyle/>
+          <a:p>
+            <a:pPr marL="0" lvl="0" indent="0" algn="ctr" rtl="0">
+              <a:spcBef>
+                <a:spcPts val="0"/>
+              </a:spcBef>
+              <a:spcAft>
+                <a:spcPts val="0"/>
+              </a:spcAft>
+              <a:buNone/>
+            </a:pPr>
+            <a:r>
+              <a:rPr lang="en-GB" sz="1800" b="1">
+                <a:latin typeface="Consolas"/>
+                <a:ea typeface="Consolas"/>
+                <a:cs typeface="Consolas"/>
+                <a:sym typeface="Consolas"/>
+              </a:rPr>
+              <a:t>Backlog</a:t>
+            </a:r>
+            <a:endParaRPr sz="1800" b="1">
+              <a:latin typeface="Consolas"/>
+              <a:ea typeface="Consolas"/>
+              <a:cs typeface="Consolas"/>
+              <a:sym typeface="Consolas"/>
+            </a:endParaRPr>
+          </a:p>
+        </p:txBody>
+      </p:sp>
+      <p:sp>
+        <p:nvSpPr>
+          <p:cNvPr id="74" name="Google Shape;74;p15">
+            <a:extLst>
+              <a:ext uri="{FF2B5EF4-FFF2-40B4-BE49-F238E27FC236}">
+                <a16:creationId xmlns:a16="http://schemas.microsoft.com/office/drawing/2014/main" id="{0633B730-8188-FA5F-0807-6E605350ED7A}"/>
+              </a:ext>
+            </a:extLst>
+          </p:cNvPr>
+          <p:cNvSpPr/>
+          <p:nvPr/>
+        </p:nvSpPr>
+        <p:spPr>
+          <a:xfrm>
+            <a:off x="3197186" y="1385588"/>
+            <a:ext cx="2410800" cy="480900"/>
+          </a:xfrm>
+          <a:prstGeom prst="roundRect">
+            <a:avLst>
+              <a:gd name="adj" fmla="val 16667"/>
+            </a:avLst>
+          </a:prstGeom>
+          <a:solidFill>
+            <a:srgbClr val="E6B8AF"/>
+          </a:solidFill>
+          <a:ln w="28575" cap="flat" cmpd="sng">
+            <a:solidFill>
+              <a:srgbClr val="5B0F00"/>
+            </a:solidFill>
+            <a:prstDash val="solid"/>
+            <a:round/>
+            <a:headEnd type="none" w="sm" len="sm"/>
+            <a:tailEnd type="none" w="sm" len="sm"/>
+          </a:ln>
+        </p:spPr>
+        <p:txBody>
+          <a:bodyPr spcFirstLastPara="1" wrap="square" lIns="91425" tIns="91425" rIns="91425" bIns="91425" anchor="ctr" anchorCtr="0">
+            <a:noAutofit/>
+          </a:bodyPr>
+          <a:lstStyle/>
+          <a:p>
+            <a:pPr marL="0" lvl="0" indent="0" algn="ctr" rtl="0">
+              <a:spcBef>
+                <a:spcPts val="0"/>
+              </a:spcBef>
+              <a:spcAft>
+                <a:spcPts val="0"/>
+              </a:spcAft>
+              <a:buNone/>
+            </a:pPr>
+            <a:r>
+              <a:rPr lang="en-GB" sz="1800" b="1" dirty="0">
+                <a:latin typeface="Consolas"/>
+                <a:ea typeface="Consolas"/>
+                <a:cs typeface="Consolas"/>
+                <a:sym typeface="Consolas"/>
+              </a:rPr>
+              <a:t>66565</a:t>
+            </a:r>
+            <a:endParaRPr sz="1800" b="1" dirty="0">
+              <a:latin typeface="Consolas"/>
+              <a:ea typeface="Consolas"/>
+              <a:cs typeface="Consolas"/>
+              <a:sym typeface="Consolas"/>
+            </a:endParaRPr>
+          </a:p>
+        </p:txBody>
+      </p:sp>
+      <p:sp>
+        <p:nvSpPr>
+          <p:cNvPr id="75" name="Google Shape;75;p15">
+            <a:extLst>
+              <a:ext uri="{FF2B5EF4-FFF2-40B4-BE49-F238E27FC236}">
+                <a16:creationId xmlns:a16="http://schemas.microsoft.com/office/drawing/2014/main" id="{85021E1F-7C01-AA61-043C-ABF9A4D7758D}"/>
+              </a:ext>
+            </a:extLst>
+          </p:cNvPr>
+          <p:cNvSpPr/>
+          <p:nvPr/>
+        </p:nvSpPr>
+        <p:spPr>
+          <a:xfrm>
+            <a:off x="3197186" y="2961501"/>
+            <a:ext cx="2410800" cy="480900"/>
+          </a:xfrm>
+          <a:prstGeom prst="roundRect">
+            <a:avLst>
+              <a:gd name="adj" fmla="val 16667"/>
+            </a:avLst>
+          </a:prstGeom>
+          <a:solidFill>
+            <a:srgbClr val="E6B8AF"/>
+          </a:solidFill>
+          <a:ln w="28575" cap="flat" cmpd="sng">
+            <a:solidFill>
+              <a:srgbClr val="5B0F00"/>
+            </a:solidFill>
+            <a:prstDash val="solid"/>
+            <a:round/>
+            <a:headEnd type="none" w="sm" len="sm"/>
+            <a:tailEnd type="none" w="sm" len="sm"/>
+          </a:ln>
+        </p:spPr>
+        <p:txBody>
+          <a:bodyPr spcFirstLastPara="1" wrap="square" lIns="91425" tIns="91425" rIns="91425" bIns="91425" anchor="ctr" anchorCtr="0">
+            <a:noAutofit/>
+          </a:bodyPr>
+          <a:lstStyle/>
+          <a:p>
+            <a:pPr marL="0" lvl="0" indent="0" algn="ctr" rtl="0">
+              <a:spcBef>
+                <a:spcPts val="0"/>
+              </a:spcBef>
+              <a:spcAft>
+                <a:spcPts val="0"/>
+              </a:spcAft>
+              <a:buNone/>
+            </a:pPr>
+            <a:r>
+              <a:rPr lang="en-GB" sz="1800" b="1" dirty="0">
+                <a:latin typeface="Consolas"/>
+                <a:ea typeface="Consolas"/>
+                <a:cs typeface="Consolas"/>
+                <a:sym typeface="Consolas"/>
+              </a:rPr>
+              <a:t>67196</a:t>
+            </a:r>
+            <a:endParaRPr sz="1800" b="1" dirty="0">
+              <a:latin typeface="Consolas"/>
+              <a:ea typeface="Consolas"/>
+              <a:cs typeface="Consolas"/>
+              <a:sym typeface="Consolas"/>
+            </a:endParaRPr>
+          </a:p>
+        </p:txBody>
+      </p:sp>
+      <p:sp>
+        <p:nvSpPr>
+          <p:cNvPr id="76" name="Google Shape;76;p15">
+            <a:extLst>
+              <a:ext uri="{FF2B5EF4-FFF2-40B4-BE49-F238E27FC236}">
+                <a16:creationId xmlns:a16="http://schemas.microsoft.com/office/drawing/2014/main" id="{9D9A0165-AE15-BAB7-D8D5-6354B195735C}"/>
+              </a:ext>
+            </a:extLst>
+          </p:cNvPr>
+          <p:cNvSpPr/>
+          <p:nvPr/>
+        </p:nvSpPr>
+        <p:spPr>
+          <a:xfrm>
+            <a:off x="3197186" y="4537410"/>
+            <a:ext cx="2410800" cy="480900"/>
+          </a:xfrm>
+          <a:prstGeom prst="roundRect">
+            <a:avLst>
+              <a:gd name="adj" fmla="val 16667"/>
+            </a:avLst>
+          </a:prstGeom>
+          <a:solidFill>
+            <a:srgbClr val="E6B8AF"/>
+          </a:solidFill>
+          <a:ln w="28575" cap="flat" cmpd="sng">
+            <a:solidFill>
+              <a:srgbClr val="5B0F00"/>
+            </a:solidFill>
+            <a:prstDash val="solid"/>
+            <a:round/>
+            <a:headEnd type="none" w="sm" len="sm"/>
+            <a:tailEnd type="none" w="sm" len="sm"/>
+          </a:ln>
+        </p:spPr>
+        <p:txBody>
+          <a:bodyPr spcFirstLastPara="1" wrap="square" lIns="91425" tIns="91425" rIns="91425" bIns="91425" anchor="ctr" anchorCtr="0">
+            <a:noAutofit/>
+          </a:bodyPr>
+          <a:lstStyle/>
+          <a:p>
+            <a:pPr marL="0" lvl="0" indent="0" algn="ctr" rtl="0">
+              <a:spcBef>
+                <a:spcPts val="0"/>
+              </a:spcBef>
+              <a:spcAft>
+                <a:spcPts val="0"/>
+              </a:spcAft>
+              <a:buNone/>
+            </a:pPr>
+            <a:r>
+              <a:rPr lang="en-GB" sz="1800" b="1" dirty="0">
+                <a:latin typeface="Consolas"/>
+                <a:ea typeface="Consolas"/>
+                <a:cs typeface="Consolas"/>
+                <a:sym typeface="Consolas"/>
+              </a:rPr>
+              <a:t>67215</a:t>
+            </a:r>
+            <a:endParaRPr sz="1800" b="1" dirty="0">
+              <a:latin typeface="Consolas"/>
+              <a:ea typeface="Consolas"/>
+              <a:cs typeface="Consolas"/>
+              <a:sym typeface="Consolas"/>
+            </a:endParaRPr>
+          </a:p>
+        </p:txBody>
+      </p:sp>
+      <p:sp>
+        <p:nvSpPr>
+          <p:cNvPr id="77" name="Google Shape;77;p15">
+            <a:extLst>
+              <a:ext uri="{FF2B5EF4-FFF2-40B4-BE49-F238E27FC236}">
+                <a16:creationId xmlns:a16="http://schemas.microsoft.com/office/drawing/2014/main" id="{9991A095-1D56-B963-E85A-375F46D3E6E3}"/>
+              </a:ext>
+            </a:extLst>
+          </p:cNvPr>
+          <p:cNvSpPr/>
+          <p:nvPr/>
+        </p:nvSpPr>
+        <p:spPr>
+          <a:xfrm>
+            <a:off x="3197186" y="6113307"/>
+            <a:ext cx="2410800" cy="480900"/>
+          </a:xfrm>
+          <a:prstGeom prst="roundRect">
+            <a:avLst>
+              <a:gd name="adj" fmla="val 16667"/>
+            </a:avLst>
+          </a:prstGeom>
+          <a:solidFill>
+            <a:srgbClr val="E6B8AF"/>
+          </a:solidFill>
+          <a:ln w="28575" cap="flat" cmpd="sng">
+            <a:solidFill>
+              <a:srgbClr val="5B0F00"/>
+            </a:solidFill>
+            <a:prstDash val="solid"/>
+            <a:round/>
+            <a:headEnd type="none" w="sm" len="sm"/>
+            <a:tailEnd type="none" w="sm" len="sm"/>
+          </a:ln>
+        </p:spPr>
+        <p:txBody>
+          <a:bodyPr spcFirstLastPara="1" wrap="square" lIns="91425" tIns="91425" rIns="91425" bIns="91425" anchor="ctr" anchorCtr="0">
+            <a:noAutofit/>
+          </a:bodyPr>
+          <a:lstStyle/>
+          <a:p>
+            <a:pPr marL="0" lvl="0" indent="0" algn="ctr" rtl="0">
+              <a:spcBef>
+                <a:spcPts val="0"/>
+              </a:spcBef>
+              <a:spcAft>
+                <a:spcPts val="0"/>
+              </a:spcAft>
+              <a:buNone/>
+            </a:pPr>
+            <a:r>
+              <a:rPr lang="pt-PT" sz="1800" b="1" dirty="0">
+                <a:latin typeface="Consolas"/>
+                <a:ea typeface="Consolas"/>
+                <a:cs typeface="Consolas"/>
+                <a:sym typeface="Consolas"/>
+              </a:rPr>
+              <a:t>68509</a:t>
+            </a:r>
+            <a:endParaRPr sz="1800" b="1" dirty="0">
+              <a:latin typeface="Consolas"/>
+              <a:ea typeface="Consolas"/>
+              <a:cs typeface="Consolas"/>
+              <a:sym typeface="Consolas"/>
+            </a:endParaRPr>
+          </a:p>
+        </p:txBody>
+      </p:sp>
+      <p:sp>
+        <p:nvSpPr>
+          <p:cNvPr id="78" name="Google Shape;78;p15">
+            <a:extLst>
+              <a:ext uri="{FF2B5EF4-FFF2-40B4-BE49-F238E27FC236}">
+                <a16:creationId xmlns:a16="http://schemas.microsoft.com/office/drawing/2014/main" id="{278F9F32-70D8-FEC0-A66B-9C1DDFE8DB0D}"/>
+              </a:ext>
+            </a:extLst>
+          </p:cNvPr>
+          <p:cNvSpPr/>
+          <p:nvPr/>
+        </p:nvSpPr>
+        <p:spPr>
+          <a:xfrm>
+            <a:off x="3197186" y="7689198"/>
+            <a:ext cx="2410800" cy="480900"/>
+          </a:xfrm>
+          <a:prstGeom prst="roundRect">
+            <a:avLst>
+              <a:gd name="adj" fmla="val 16667"/>
+            </a:avLst>
+          </a:prstGeom>
+          <a:solidFill>
+            <a:srgbClr val="E6B8AF"/>
+          </a:solidFill>
+          <a:ln w="28575" cap="flat" cmpd="sng">
+            <a:solidFill>
+              <a:srgbClr val="5B0F00"/>
+            </a:solidFill>
+            <a:prstDash val="solid"/>
+            <a:round/>
+            <a:headEnd type="none" w="sm" len="sm"/>
+            <a:tailEnd type="none" w="sm" len="sm"/>
+          </a:ln>
+        </p:spPr>
+        <p:txBody>
+          <a:bodyPr spcFirstLastPara="1" wrap="square" lIns="91425" tIns="91425" rIns="91425" bIns="91425" anchor="ctr" anchorCtr="0">
+            <a:noAutofit/>
+          </a:bodyPr>
+          <a:lstStyle/>
+          <a:p>
+            <a:pPr marL="0" lvl="0" indent="0" algn="ctr" rtl="0">
+              <a:spcBef>
+                <a:spcPts val="0"/>
+              </a:spcBef>
+              <a:spcAft>
+                <a:spcPts val="0"/>
+              </a:spcAft>
+              <a:buNone/>
+            </a:pPr>
+            <a:r>
+              <a:rPr lang="en-GB" sz="1800" b="1" dirty="0">
+                <a:latin typeface="Consolas"/>
+                <a:ea typeface="Consolas"/>
+                <a:cs typeface="Consolas"/>
+                <a:sym typeface="Consolas"/>
+              </a:rPr>
+              <a:t>68663</a:t>
+            </a:r>
+            <a:endParaRPr sz="1800" b="1" dirty="0">
+              <a:latin typeface="Consolas"/>
+              <a:ea typeface="Consolas"/>
+              <a:cs typeface="Consolas"/>
+              <a:sym typeface="Consolas"/>
+            </a:endParaRPr>
+          </a:p>
+        </p:txBody>
+      </p:sp>
+      <p:sp>
+        <p:nvSpPr>
+          <p:cNvPr id="79" name="Google Shape;79;p15">
+            <a:extLst>
+              <a:ext uri="{FF2B5EF4-FFF2-40B4-BE49-F238E27FC236}">
+                <a16:creationId xmlns:a16="http://schemas.microsoft.com/office/drawing/2014/main" id="{9FC6A9B9-273A-9ECD-A10E-396F22024C98}"/>
+              </a:ext>
+            </a:extLst>
+          </p:cNvPr>
+          <p:cNvSpPr/>
+          <p:nvPr/>
+        </p:nvSpPr>
+        <p:spPr>
+          <a:xfrm>
+            <a:off x="3197186" y="9265103"/>
+            <a:ext cx="2410800" cy="480900"/>
+          </a:xfrm>
+          <a:prstGeom prst="roundRect">
+            <a:avLst>
+              <a:gd name="adj" fmla="val 16667"/>
+            </a:avLst>
+          </a:prstGeom>
+          <a:solidFill>
+            <a:srgbClr val="E6B8AF"/>
+          </a:solidFill>
+          <a:ln w="28575" cap="flat" cmpd="sng">
+            <a:solidFill>
+              <a:srgbClr val="5B0F00"/>
+            </a:solidFill>
+            <a:prstDash val="solid"/>
+            <a:round/>
+            <a:headEnd type="none" w="sm" len="sm"/>
+            <a:tailEnd type="none" w="sm" len="sm"/>
+          </a:ln>
+        </p:spPr>
+        <p:txBody>
+          <a:bodyPr spcFirstLastPara="1" wrap="square" lIns="91425" tIns="91425" rIns="91425" bIns="91425" anchor="ctr" anchorCtr="0">
+            <a:noAutofit/>
+          </a:bodyPr>
+          <a:lstStyle/>
+          <a:p>
+            <a:pPr marL="0" lvl="0" indent="0" algn="ctr" rtl="0">
+              <a:spcBef>
+                <a:spcPts val="0"/>
+              </a:spcBef>
+              <a:spcAft>
+                <a:spcPts val="0"/>
+              </a:spcAft>
+              <a:buNone/>
+            </a:pPr>
+            <a:r>
+              <a:rPr lang="en-GB" sz="1800" b="1" dirty="0">
+                <a:latin typeface="Consolas"/>
+                <a:ea typeface="Consolas"/>
+                <a:cs typeface="Consolas"/>
+                <a:sym typeface="Consolas"/>
+              </a:rPr>
+              <a:t>70116</a:t>
+            </a:r>
+            <a:endParaRPr sz="1800" b="1" dirty="0">
+              <a:latin typeface="Consolas"/>
+              <a:ea typeface="Consolas"/>
+              <a:cs typeface="Consolas"/>
+              <a:sym typeface="Consolas"/>
+            </a:endParaRPr>
+          </a:p>
+        </p:txBody>
+      </p:sp>
+      <p:cxnSp>
+        <p:nvCxnSpPr>
+          <p:cNvPr id="80" name="Google Shape;80;p15">
+            <a:extLst>
+              <a:ext uri="{FF2B5EF4-FFF2-40B4-BE49-F238E27FC236}">
+                <a16:creationId xmlns:a16="http://schemas.microsoft.com/office/drawing/2014/main" id="{9BDDF670-0D39-4BBD-EF50-EC1A0B5CF993}"/>
+              </a:ext>
+            </a:extLst>
+          </p:cNvPr>
+          <p:cNvCxnSpPr/>
+          <p:nvPr/>
+        </p:nvCxnSpPr>
+        <p:spPr>
+          <a:xfrm>
+            <a:off x="5607986" y="1626038"/>
+            <a:ext cx="16042200" cy="0"/>
+          </a:xfrm>
+          <a:prstGeom prst="straightConnector1">
+            <a:avLst/>
+          </a:prstGeom>
+          <a:noFill/>
+          <a:ln w="28575" cap="flat" cmpd="sng">
+            <a:solidFill>
+              <a:srgbClr val="999999"/>
+            </a:solidFill>
+            <a:prstDash val="dash"/>
+            <a:round/>
+            <a:headEnd type="none" w="med" len="med"/>
+            <a:tailEnd type="none" w="med" len="med"/>
+          </a:ln>
+        </p:spPr>
+      </p:cxnSp>
+      <p:cxnSp>
+        <p:nvCxnSpPr>
+          <p:cNvPr id="81" name="Google Shape;81;p15">
+            <a:extLst>
+              <a:ext uri="{FF2B5EF4-FFF2-40B4-BE49-F238E27FC236}">
+                <a16:creationId xmlns:a16="http://schemas.microsoft.com/office/drawing/2014/main" id="{463FF52A-8E3A-D18A-74F8-02CC01B9A958}"/>
+              </a:ext>
+            </a:extLst>
+          </p:cNvPr>
+          <p:cNvCxnSpPr/>
+          <p:nvPr/>
+        </p:nvCxnSpPr>
+        <p:spPr>
+          <a:xfrm>
+            <a:off x="5607986" y="3201938"/>
+            <a:ext cx="16042200" cy="0"/>
+          </a:xfrm>
+          <a:prstGeom prst="straightConnector1">
+            <a:avLst/>
+          </a:prstGeom>
+          <a:noFill/>
+          <a:ln w="28575" cap="flat" cmpd="sng">
+            <a:solidFill>
+              <a:srgbClr val="999999"/>
+            </a:solidFill>
+            <a:prstDash val="dash"/>
+            <a:round/>
+            <a:headEnd type="none" w="med" len="med"/>
+            <a:tailEnd type="none" w="med" len="med"/>
+          </a:ln>
+        </p:spPr>
+      </p:cxnSp>
+      <p:cxnSp>
+        <p:nvCxnSpPr>
+          <p:cNvPr id="82" name="Google Shape;82;p15">
+            <a:extLst>
+              <a:ext uri="{FF2B5EF4-FFF2-40B4-BE49-F238E27FC236}">
+                <a16:creationId xmlns:a16="http://schemas.microsoft.com/office/drawing/2014/main" id="{EE6EC826-5223-E95F-AAF5-339F586EE87B}"/>
+              </a:ext>
+            </a:extLst>
+          </p:cNvPr>
+          <p:cNvCxnSpPr/>
+          <p:nvPr/>
+        </p:nvCxnSpPr>
+        <p:spPr>
+          <a:xfrm>
+            <a:off x="5607986" y="4777838"/>
+            <a:ext cx="16042200" cy="0"/>
+          </a:xfrm>
+          <a:prstGeom prst="straightConnector1">
+            <a:avLst/>
+          </a:prstGeom>
+          <a:noFill/>
+          <a:ln w="28575" cap="flat" cmpd="sng">
+            <a:solidFill>
+              <a:srgbClr val="999999"/>
+            </a:solidFill>
+            <a:prstDash val="dash"/>
+            <a:round/>
+            <a:headEnd type="none" w="med" len="med"/>
+            <a:tailEnd type="none" w="med" len="med"/>
+          </a:ln>
+        </p:spPr>
+      </p:cxnSp>
+      <p:cxnSp>
+        <p:nvCxnSpPr>
+          <p:cNvPr id="83" name="Google Shape;83;p15">
+            <a:extLst>
+              <a:ext uri="{FF2B5EF4-FFF2-40B4-BE49-F238E27FC236}">
+                <a16:creationId xmlns:a16="http://schemas.microsoft.com/office/drawing/2014/main" id="{395AE394-FAE1-C4B7-1133-69E6DD14FEB7}"/>
+              </a:ext>
+            </a:extLst>
+          </p:cNvPr>
+          <p:cNvCxnSpPr/>
+          <p:nvPr/>
+        </p:nvCxnSpPr>
+        <p:spPr>
+          <a:xfrm>
+            <a:off x="5607986" y="6353738"/>
+            <a:ext cx="16042200" cy="0"/>
+          </a:xfrm>
+          <a:prstGeom prst="straightConnector1">
+            <a:avLst/>
+          </a:prstGeom>
+          <a:noFill/>
+          <a:ln w="28575" cap="flat" cmpd="sng">
+            <a:solidFill>
+              <a:srgbClr val="999999"/>
+            </a:solidFill>
+            <a:prstDash val="dash"/>
+            <a:round/>
+            <a:headEnd type="none" w="med" len="med"/>
+            <a:tailEnd type="none" w="med" len="med"/>
+          </a:ln>
+        </p:spPr>
+      </p:cxnSp>
+      <p:cxnSp>
+        <p:nvCxnSpPr>
+          <p:cNvPr id="84" name="Google Shape;84;p15">
+            <a:extLst>
+              <a:ext uri="{FF2B5EF4-FFF2-40B4-BE49-F238E27FC236}">
+                <a16:creationId xmlns:a16="http://schemas.microsoft.com/office/drawing/2014/main" id="{25FAFE01-A475-7249-3CC1-B46E7B74FA3F}"/>
+              </a:ext>
+            </a:extLst>
+          </p:cNvPr>
+          <p:cNvCxnSpPr/>
+          <p:nvPr/>
+        </p:nvCxnSpPr>
+        <p:spPr>
+          <a:xfrm>
+            <a:off x="5607986" y="7929638"/>
+            <a:ext cx="16042200" cy="0"/>
+          </a:xfrm>
+          <a:prstGeom prst="straightConnector1">
+            <a:avLst/>
+          </a:prstGeom>
+          <a:noFill/>
+          <a:ln w="28575" cap="flat" cmpd="sng">
+            <a:solidFill>
+              <a:srgbClr val="999999"/>
+            </a:solidFill>
+            <a:prstDash val="dash"/>
+            <a:round/>
+            <a:headEnd type="none" w="med" len="med"/>
+            <a:tailEnd type="none" w="med" len="med"/>
+          </a:ln>
+        </p:spPr>
+      </p:cxnSp>
+      <p:cxnSp>
+        <p:nvCxnSpPr>
+          <p:cNvPr id="85" name="Google Shape;85;p15">
+            <a:extLst>
+              <a:ext uri="{FF2B5EF4-FFF2-40B4-BE49-F238E27FC236}">
+                <a16:creationId xmlns:a16="http://schemas.microsoft.com/office/drawing/2014/main" id="{93C19E72-4662-741A-EF52-24F4649F8FE1}"/>
+              </a:ext>
+            </a:extLst>
+          </p:cNvPr>
+          <p:cNvCxnSpPr/>
+          <p:nvPr/>
+        </p:nvCxnSpPr>
+        <p:spPr>
+          <a:xfrm>
+            <a:off x="5607986" y="9505538"/>
+            <a:ext cx="16042200" cy="0"/>
+          </a:xfrm>
+          <a:prstGeom prst="straightConnector1">
+            <a:avLst/>
+          </a:prstGeom>
+          <a:noFill/>
+          <a:ln w="28575" cap="flat" cmpd="sng">
+            <a:solidFill>
+              <a:srgbClr val="999999"/>
+            </a:solidFill>
+            <a:prstDash val="dash"/>
+            <a:round/>
+            <a:headEnd type="none" w="med" len="med"/>
+            <a:tailEnd type="none" w="med" len="med"/>
+          </a:ln>
+        </p:spPr>
+      </p:cxnSp>
+      <p:sp>
+        <p:nvSpPr>
+          <p:cNvPr id="86" name="Google Shape;86;p15">
+            <a:extLst>
+              <a:ext uri="{FF2B5EF4-FFF2-40B4-BE49-F238E27FC236}">
+                <a16:creationId xmlns:a16="http://schemas.microsoft.com/office/drawing/2014/main" id="{C5FB8D67-21E8-6464-8610-3D29E75F2B87}"/>
+              </a:ext>
+            </a:extLst>
+          </p:cNvPr>
+          <p:cNvSpPr/>
+          <p:nvPr/>
+        </p:nvSpPr>
+        <p:spPr>
+          <a:xfrm>
+            <a:off x="6235224" y="1330787"/>
+            <a:ext cx="2410761" cy="4077066"/>
+          </a:xfrm>
+          <a:prstGeom prst="roundRect">
+            <a:avLst>
+              <a:gd name="adj" fmla="val 16667"/>
+            </a:avLst>
+          </a:prstGeom>
+          <a:ln>
+            <a:headEnd type="none" w="sm" len="sm"/>
+            <a:tailEnd type="none" w="sm" len="sm"/>
+          </a:ln>
+        </p:spPr>
+        <p:style>
+          <a:lnRef idx="2">
+            <a:schemeClr val="accent4">
+              <a:shade val="15000"/>
+            </a:schemeClr>
+          </a:lnRef>
+          <a:fillRef idx="1">
+            <a:schemeClr val="accent4"/>
+          </a:fillRef>
+          <a:effectRef idx="0">
+            <a:schemeClr val="accent4"/>
+          </a:effectRef>
+          <a:fontRef idx="minor">
+            <a:schemeClr val="lt1"/>
+          </a:fontRef>
+        </p:style>
+        <p:txBody>
+          <a:bodyPr spcFirstLastPara="1" wrap="square" lIns="91425" tIns="91425" rIns="91425" bIns="91425" anchor="t" anchorCtr="0">
+            <a:noAutofit/>
+          </a:bodyPr>
+          <a:lstStyle/>
+          <a:p>
+            <a:pPr marL="0" lvl="0" indent="0" algn="l" rtl="0">
+              <a:spcBef>
+                <a:spcPts val="0"/>
+              </a:spcBef>
+              <a:spcAft>
+                <a:spcPts val="0"/>
+              </a:spcAft>
+              <a:buNone/>
+            </a:pPr>
+            <a:r>
+              <a:rPr lang="en-US" dirty="0">
+                <a:latin typeface="Consolas"/>
+                <a:ea typeface="Consolas"/>
+                <a:cs typeface="Consolas"/>
+                <a:sym typeface="Consolas"/>
+              </a:rPr>
+              <a:t>Code Smells report</a:t>
+            </a:r>
+            <a:endParaRPr dirty="0">
+              <a:latin typeface="Consolas"/>
+              <a:ea typeface="Consolas"/>
+              <a:cs typeface="Consolas"/>
+              <a:sym typeface="Consolas"/>
+            </a:endParaRPr>
+          </a:p>
+        </p:txBody>
+      </p:sp>
+      <p:cxnSp>
+        <p:nvCxnSpPr>
+          <p:cNvPr id="91" name="Google Shape;91;p15">
+            <a:extLst>
+              <a:ext uri="{FF2B5EF4-FFF2-40B4-BE49-F238E27FC236}">
+                <a16:creationId xmlns:a16="http://schemas.microsoft.com/office/drawing/2014/main" id="{3306CBD9-16BE-0A15-EDCE-B34782870A64}"/>
+              </a:ext>
+            </a:extLst>
+          </p:cNvPr>
+          <p:cNvCxnSpPr/>
+          <p:nvPr/>
+        </p:nvCxnSpPr>
+        <p:spPr>
+          <a:xfrm>
+            <a:off x="2874374" y="-28500"/>
+            <a:ext cx="0" cy="10857000"/>
+          </a:xfrm>
+          <a:prstGeom prst="straightConnector1">
+            <a:avLst/>
+          </a:prstGeom>
+          <a:noFill/>
+          <a:ln w="38100" cap="flat" cmpd="sng">
+            <a:solidFill>
+              <a:srgbClr val="5B0F00"/>
+            </a:solidFill>
+            <a:prstDash val="solid"/>
+            <a:round/>
+            <a:headEnd type="none" w="med" len="med"/>
+            <a:tailEnd type="none" w="med" len="med"/>
+          </a:ln>
+        </p:spPr>
+      </p:cxnSp>
+      <p:sp>
+        <p:nvSpPr>
+          <p:cNvPr id="92" name="Google Shape;92;p15">
+            <a:extLst>
+              <a:ext uri="{FF2B5EF4-FFF2-40B4-BE49-F238E27FC236}">
+                <a16:creationId xmlns:a16="http://schemas.microsoft.com/office/drawing/2014/main" id="{32229B51-F38A-6463-B43A-B5BA422B32CC}"/>
+              </a:ext>
+            </a:extLst>
+          </p:cNvPr>
+          <p:cNvSpPr/>
+          <p:nvPr/>
+        </p:nvSpPr>
+        <p:spPr>
+          <a:xfrm>
+            <a:off x="6241074" y="6021924"/>
+            <a:ext cx="2437261" cy="4176931"/>
+          </a:xfrm>
+          <a:prstGeom prst="roundRect">
+            <a:avLst>
+              <a:gd name="adj" fmla="val 16667"/>
+            </a:avLst>
+          </a:prstGeom>
+          <a:ln>
+            <a:headEnd type="none" w="sm" len="sm"/>
+            <a:tailEnd type="none" w="sm" len="sm"/>
+          </a:ln>
+        </p:spPr>
+        <p:style>
+          <a:lnRef idx="2">
+            <a:schemeClr val="accent4">
+              <a:shade val="15000"/>
+            </a:schemeClr>
+          </a:lnRef>
+          <a:fillRef idx="1">
+            <a:schemeClr val="accent4"/>
+          </a:fillRef>
+          <a:effectRef idx="0">
+            <a:schemeClr val="accent4"/>
+          </a:effectRef>
+          <a:fontRef idx="minor">
+            <a:schemeClr val="lt1"/>
+          </a:fontRef>
+        </p:style>
+        <p:txBody>
+          <a:bodyPr spcFirstLastPara="1" wrap="square" lIns="91425" tIns="91425" rIns="91425" bIns="91425" anchor="t" anchorCtr="0">
+            <a:noAutofit/>
+          </a:bodyPr>
+          <a:lstStyle/>
+          <a:p>
+            <a:r>
+              <a:rPr lang="en-US" dirty="0">
+                <a:latin typeface="Consolas"/>
+                <a:ea typeface="Consolas"/>
+                <a:cs typeface="Consolas"/>
+                <a:sym typeface="Consolas"/>
+              </a:rPr>
+              <a:t>Use case diagram</a:t>
+            </a:r>
+            <a:endParaRPr lang="pt-PT" dirty="0"/>
+          </a:p>
+          <a:p>
+            <a:pPr marL="0" lvl="0" indent="0" algn="l" rtl="0">
+              <a:spcBef>
+                <a:spcPts val="0"/>
+              </a:spcBef>
+              <a:spcAft>
+                <a:spcPts val="0"/>
+              </a:spcAft>
+              <a:buNone/>
+            </a:pPr>
+            <a:endParaRPr dirty="0">
+              <a:latin typeface="Consolas"/>
+              <a:ea typeface="Consolas"/>
+              <a:cs typeface="Consolas"/>
+              <a:sym typeface="Consolas"/>
+            </a:endParaRPr>
+          </a:p>
+        </p:txBody>
+      </p:sp>
+      <p:sp>
+        <p:nvSpPr>
+          <p:cNvPr id="3" name="Google Shape;87;p15">
+            <a:extLst>
+              <a:ext uri="{FF2B5EF4-FFF2-40B4-BE49-F238E27FC236}">
+                <a16:creationId xmlns:a16="http://schemas.microsoft.com/office/drawing/2014/main" id="{FFFC580C-E81F-0867-F825-E4CB1297FE85}"/>
+              </a:ext>
+            </a:extLst>
+          </p:cNvPr>
+          <p:cNvSpPr/>
+          <p:nvPr/>
+        </p:nvSpPr>
+        <p:spPr>
+          <a:xfrm>
+            <a:off x="19018791" y="680153"/>
+            <a:ext cx="1875816" cy="2293324"/>
+          </a:xfrm>
+          <a:prstGeom prst="roundRect">
+            <a:avLst>
+              <a:gd name="adj" fmla="val 16667"/>
+            </a:avLst>
+          </a:prstGeom>
+          <a:solidFill>
+            <a:srgbClr val="D9EAD3"/>
+          </a:solidFill>
+          <a:ln w="28575" cap="flat" cmpd="sng">
+            <a:solidFill>
+              <a:srgbClr val="274E13"/>
+            </a:solidFill>
+            <a:prstDash val="solid"/>
+            <a:round/>
+            <a:headEnd type="none" w="sm" len="sm"/>
+            <a:tailEnd type="none" w="sm" len="sm"/>
+          </a:ln>
+        </p:spPr>
+        <p:txBody>
+          <a:bodyPr spcFirstLastPara="1" wrap="square" lIns="91425" tIns="91425" rIns="91425" bIns="91425" anchor="t" anchorCtr="0">
+            <a:noAutofit/>
+          </a:bodyPr>
+          <a:lstStyle/>
+          <a:p>
+            <a:pPr marL="0" lvl="0" indent="0" algn="l" rtl="0">
+              <a:spcBef>
+                <a:spcPts val="0"/>
+              </a:spcBef>
+              <a:spcAft>
+                <a:spcPts val="0"/>
+              </a:spcAft>
+              <a:buNone/>
+            </a:pPr>
+            <a:r>
+              <a:rPr lang="en-US" dirty="0">
+                <a:latin typeface="Consolas"/>
+                <a:ea typeface="Consolas"/>
+                <a:cs typeface="Consolas"/>
+                <a:sym typeface="Consolas"/>
+              </a:rPr>
+              <a:t>Explore codebase </a:t>
+            </a:r>
+            <a:endParaRPr dirty="0">
+              <a:latin typeface="Consolas"/>
+              <a:ea typeface="Consolas"/>
+              <a:cs typeface="Consolas"/>
+              <a:sym typeface="Consolas"/>
+            </a:endParaRPr>
+          </a:p>
+        </p:txBody>
+      </p:sp>
+      <p:sp>
+        <p:nvSpPr>
+          <p:cNvPr id="4" name="Google Shape;87;p15">
+            <a:extLst>
+              <a:ext uri="{FF2B5EF4-FFF2-40B4-BE49-F238E27FC236}">
+                <a16:creationId xmlns:a16="http://schemas.microsoft.com/office/drawing/2014/main" id="{1B463869-8E77-A4E1-9476-2227E2C9296C}"/>
+              </a:ext>
+            </a:extLst>
+          </p:cNvPr>
+          <p:cNvSpPr/>
+          <p:nvPr/>
+        </p:nvSpPr>
+        <p:spPr>
+          <a:xfrm>
+            <a:off x="12657449" y="737595"/>
+            <a:ext cx="1875816" cy="2293324"/>
+          </a:xfrm>
+          <a:prstGeom prst="roundRect">
+            <a:avLst>
+              <a:gd name="adj" fmla="val 16667"/>
+            </a:avLst>
+          </a:prstGeom>
+          <a:solidFill>
+            <a:srgbClr val="D9EAD3"/>
+          </a:solidFill>
+          <a:ln w="28575" cap="flat" cmpd="sng">
+            <a:solidFill>
+              <a:srgbClr val="274E13"/>
+            </a:solidFill>
+            <a:prstDash val="solid"/>
+            <a:round/>
+            <a:headEnd type="none" w="sm" len="sm"/>
+            <a:tailEnd type="none" w="sm" len="sm"/>
+          </a:ln>
+        </p:spPr>
+        <p:txBody>
+          <a:bodyPr spcFirstLastPara="1" wrap="square" lIns="91425" tIns="91425" rIns="91425" bIns="91425" anchor="t" anchorCtr="0">
+            <a:noAutofit/>
+          </a:bodyPr>
+          <a:lstStyle/>
+          <a:p>
+            <a:pPr marL="0" lvl="0" indent="0" algn="l" rtl="0">
+              <a:spcBef>
+                <a:spcPts val="0"/>
+              </a:spcBef>
+              <a:spcAft>
+                <a:spcPts val="0"/>
+              </a:spcAft>
+              <a:buNone/>
+            </a:pPr>
+            <a:r>
+              <a:rPr lang="en-US" dirty="0">
+                <a:latin typeface="Consolas"/>
+                <a:ea typeface="Consolas"/>
+                <a:cs typeface="Consolas"/>
+                <a:sym typeface="Consolas"/>
+              </a:rPr>
+              <a:t>Recognize present code smells</a:t>
+            </a:r>
+            <a:endParaRPr dirty="0">
+              <a:latin typeface="Consolas"/>
+              <a:ea typeface="Consolas"/>
+              <a:cs typeface="Consolas"/>
+              <a:sym typeface="Consolas"/>
+            </a:endParaRPr>
+          </a:p>
+        </p:txBody>
+      </p:sp>
+      <p:sp>
+        <p:nvSpPr>
+          <p:cNvPr id="2" name="Google Shape;87;p15">
+            <a:extLst>
+              <a:ext uri="{FF2B5EF4-FFF2-40B4-BE49-F238E27FC236}">
+                <a16:creationId xmlns:a16="http://schemas.microsoft.com/office/drawing/2014/main" id="{F4EF6AE8-718D-8BEA-D363-AE133F04B20B}"/>
+              </a:ext>
+            </a:extLst>
+          </p:cNvPr>
+          <p:cNvSpPr/>
+          <p:nvPr/>
+        </p:nvSpPr>
+        <p:spPr>
+          <a:xfrm>
+            <a:off x="19018791" y="2082447"/>
+            <a:ext cx="1875816" cy="2293324"/>
+          </a:xfrm>
+          <a:prstGeom prst="roundRect">
+            <a:avLst>
+              <a:gd name="adj" fmla="val 16667"/>
+            </a:avLst>
+          </a:prstGeom>
+          <a:solidFill>
+            <a:srgbClr val="D9EAD3"/>
+          </a:solidFill>
+          <a:ln w="28575" cap="flat" cmpd="sng">
+            <a:solidFill>
+              <a:srgbClr val="274E13"/>
+            </a:solidFill>
+            <a:prstDash val="solid"/>
+            <a:round/>
+            <a:headEnd type="none" w="sm" len="sm"/>
+            <a:tailEnd type="none" w="sm" len="sm"/>
+          </a:ln>
+        </p:spPr>
+        <p:txBody>
+          <a:bodyPr spcFirstLastPara="1" wrap="square" lIns="91425" tIns="91425" rIns="91425" bIns="91425" anchor="t" anchorCtr="0">
+            <a:noAutofit/>
+          </a:bodyPr>
+          <a:lstStyle/>
+          <a:p>
+            <a:pPr marL="0" lvl="0" indent="0" algn="l" rtl="0">
+              <a:spcBef>
+                <a:spcPts val="0"/>
+              </a:spcBef>
+              <a:spcAft>
+                <a:spcPts val="0"/>
+              </a:spcAft>
+              <a:buNone/>
+            </a:pPr>
+            <a:r>
+              <a:rPr lang="en-US" dirty="0">
+                <a:latin typeface="Consolas"/>
+                <a:ea typeface="Consolas"/>
+                <a:cs typeface="Consolas"/>
+                <a:sym typeface="Consolas"/>
+              </a:rPr>
+              <a:t>Explore codebase </a:t>
+            </a:r>
+            <a:endParaRPr dirty="0">
+              <a:latin typeface="Consolas"/>
+              <a:ea typeface="Consolas"/>
+              <a:cs typeface="Consolas"/>
+              <a:sym typeface="Consolas"/>
+            </a:endParaRPr>
+          </a:p>
+        </p:txBody>
+      </p:sp>
+      <p:sp>
+        <p:nvSpPr>
+          <p:cNvPr id="5" name="Google Shape;87;p15">
+            <a:extLst>
+              <a:ext uri="{FF2B5EF4-FFF2-40B4-BE49-F238E27FC236}">
+                <a16:creationId xmlns:a16="http://schemas.microsoft.com/office/drawing/2014/main" id="{68D519FA-579A-6DFF-5448-69DE3FEEB553}"/>
+              </a:ext>
+            </a:extLst>
+          </p:cNvPr>
+          <p:cNvSpPr/>
+          <p:nvPr/>
+        </p:nvSpPr>
+        <p:spPr>
+          <a:xfrm>
+            <a:off x="19018791" y="3332314"/>
+            <a:ext cx="1875816" cy="2293324"/>
+          </a:xfrm>
+          <a:prstGeom prst="roundRect">
+            <a:avLst>
+              <a:gd name="adj" fmla="val 16667"/>
+            </a:avLst>
+          </a:prstGeom>
+          <a:solidFill>
+            <a:srgbClr val="D9EAD3"/>
+          </a:solidFill>
+          <a:ln w="28575" cap="flat" cmpd="sng">
+            <a:solidFill>
+              <a:srgbClr val="274E13"/>
+            </a:solidFill>
+            <a:prstDash val="solid"/>
+            <a:round/>
+            <a:headEnd type="none" w="sm" len="sm"/>
+            <a:tailEnd type="none" w="sm" len="sm"/>
+          </a:ln>
+        </p:spPr>
+        <p:txBody>
+          <a:bodyPr spcFirstLastPara="1" wrap="square" lIns="91425" tIns="91425" rIns="91425" bIns="91425" anchor="t" anchorCtr="0">
+            <a:noAutofit/>
+          </a:bodyPr>
+          <a:lstStyle/>
+          <a:p>
+            <a:pPr marL="0" lvl="0" indent="0" algn="l" rtl="0">
+              <a:spcBef>
+                <a:spcPts val="0"/>
+              </a:spcBef>
+              <a:spcAft>
+                <a:spcPts val="0"/>
+              </a:spcAft>
+              <a:buNone/>
+            </a:pPr>
+            <a:r>
+              <a:rPr lang="en-US" dirty="0">
+                <a:latin typeface="Consolas"/>
+                <a:ea typeface="Consolas"/>
+                <a:cs typeface="Consolas"/>
+                <a:sym typeface="Consolas"/>
+              </a:rPr>
+              <a:t>Explore codebase </a:t>
+            </a:r>
+            <a:endParaRPr dirty="0">
+              <a:latin typeface="Consolas"/>
+              <a:ea typeface="Consolas"/>
+              <a:cs typeface="Consolas"/>
+              <a:sym typeface="Consolas"/>
+            </a:endParaRPr>
+          </a:p>
+        </p:txBody>
+      </p:sp>
+      <p:sp>
+        <p:nvSpPr>
+          <p:cNvPr id="6" name="Google Shape;87;p15">
+            <a:extLst>
+              <a:ext uri="{FF2B5EF4-FFF2-40B4-BE49-F238E27FC236}">
+                <a16:creationId xmlns:a16="http://schemas.microsoft.com/office/drawing/2014/main" id="{1831B7FC-E26B-9E35-0439-DF001BFCBDEC}"/>
+              </a:ext>
+            </a:extLst>
+          </p:cNvPr>
+          <p:cNvSpPr/>
+          <p:nvPr/>
+        </p:nvSpPr>
+        <p:spPr>
+          <a:xfrm>
+            <a:off x="19018791" y="4966648"/>
+            <a:ext cx="1875816" cy="2293324"/>
+          </a:xfrm>
+          <a:prstGeom prst="roundRect">
+            <a:avLst>
+              <a:gd name="adj" fmla="val 16667"/>
+            </a:avLst>
+          </a:prstGeom>
+          <a:solidFill>
+            <a:srgbClr val="D9EAD3"/>
+          </a:solidFill>
+          <a:ln w="28575" cap="flat" cmpd="sng">
+            <a:solidFill>
+              <a:srgbClr val="274E13"/>
+            </a:solidFill>
+            <a:prstDash val="solid"/>
+            <a:round/>
+            <a:headEnd type="none" w="sm" len="sm"/>
+            <a:tailEnd type="none" w="sm" len="sm"/>
+          </a:ln>
+        </p:spPr>
+        <p:txBody>
+          <a:bodyPr spcFirstLastPara="1" wrap="square" lIns="91425" tIns="91425" rIns="91425" bIns="91425" anchor="t" anchorCtr="0">
+            <a:noAutofit/>
+          </a:bodyPr>
+          <a:lstStyle/>
+          <a:p>
+            <a:pPr marL="0" lvl="0" indent="0" algn="l" rtl="0">
+              <a:spcBef>
+                <a:spcPts val="0"/>
+              </a:spcBef>
+              <a:spcAft>
+                <a:spcPts val="0"/>
+              </a:spcAft>
+              <a:buNone/>
+            </a:pPr>
+            <a:r>
+              <a:rPr lang="en-US" dirty="0">
+                <a:latin typeface="Consolas"/>
+                <a:ea typeface="Consolas"/>
+                <a:cs typeface="Consolas"/>
+                <a:sym typeface="Consolas"/>
+              </a:rPr>
+              <a:t>Explore codebase </a:t>
+            </a:r>
+            <a:endParaRPr dirty="0">
+              <a:latin typeface="Consolas"/>
+              <a:ea typeface="Consolas"/>
+              <a:cs typeface="Consolas"/>
+              <a:sym typeface="Consolas"/>
+            </a:endParaRPr>
+          </a:p>
+        </p:txBody>
+      </p:sp>
+      <p:sp>
+        <p:nvSpPr>
+          <p:cNvPr id="7" name="Google Shape;87;p15">
+            <a:extLst>
+              <a:ext uri="{FF2B5EF4-FFF2-40B4-BE49-F238E27FC236}">
+                <a16:creationId xmlns:a16="http://schemas.microsoft.com/office/drawing/2014/main" id="{2334A084-CDB7-C8CD-3DBF-11D2F46323A0}"/>
+              </a:ext>
+            </a:extLst>
+          </p:cNvPr>
+          <p:cNvSpPr/>
+          <p:nvPr/>
+        </p:nvSpPr>
+        <p:spPr>
+          <a:xfrm>
+            <a:off x="18991045" y="6592185"/>
+            <a:ext cx="1875816" cy="2293324"/>
+          </a:xfrm>
+          <a:prstGeom prst="roundRect">
+            <a:avLst>
+              <a:gd name="adj" fmla="val 16667"/>
+            </a:avLst>
+          </a:prstGeom>
+          <a:solidFill>
+            <a:srgbClr val="D9EAD3"/>
+          </a:solidFill>
+          <a:ln w="28575" cap="flat" cmpd="sng">
+            <a:solidFill>
+              <a:srgbClr val="274E13"/>
+            </a:solidFill>
+            <a:prstDash val="solid"/>
+            <a:round/>
+            <a:headEnd type="none" w="sm" len="sm"/>
+            <a:tailEnd type="none" w="sm" len="sm"/>
+          </a:ln>
+        </p:spPr>
+        <p:txBody>
+          <a:bodyPr spcFirstLastPara="1" wrap="square" lIns="91425" tIns="91425" rIns="91425" bIns="91425" anchor="t" anchorCtr="0">
+            <a:noAutofit/>
+          </a:bodyPr>
+          <a:lstStyle/>
+          <a:p>
+            <a:pPr marL="0" lvl="0" indent="0" algn="l" rtl="0">
+              <a:spcBef>
+                <a:spcPts val="0"/>
+              </a:spcBef>
+              <a:spcAft>
+                <a:spcPts val="0"/>
+              </a:spcAft>
+              <a:buNone/>
+            </a:pPr>
+            <a:r>
+              <a:rPr lang="en-US" dirty="0">
+                <a:latin typeface="Consolas"/>
+                <a:ea typeface="Consolas"/>
+                <a:cs typeface="Consolas"/>
+                <a:sym typeface="Consolas"/>
+              </a:rPr>
+              <a:t>Explore codebase </a:t>
+            </a:r>
+            <a:endParaRPr dirty="0">
+              <a:latin typeface="Consolas"/>
+              <a:ea typeface="Consolas"/>
+              <a:cs typeface="Consolas"/>
+              <a:sym typeface="Consolas"/>
+            </a:endParaRPr>
+          </a:p>
+        </p:txBody>
+      </p:sp>
+      <p:sp>
+        <p:nvSpPr>
+          <p:cNvPr id="8" name="Google Shape;87;p15">
+            <a:extLst>
+              <a:ext uri="{FF2B5EF4-FFF2-40B4-BE49-F238E27FC236}">
+                <a16:creationId xmlns:a16="http://schemas.microsoft.com/office/drawing/2014/main" id="{4BD70CC2-65F4-FEE5-0F91-C11A60D39DDA}"/>
+              </a:ext>
+            </a:extLst>
+          </p:cNvPr>
+          <p:cNvSpPr/>
+          <p:nvPr/>
+        </p:nvSpPr>
+        <p:spPr>
+          <a:xfrm>
+            <a:off x="18991045" y="8236608"/>
+            <a:ext cx="1875816" cy="2293324"/>
+          </a:xfrm>
+          <a:prstGeom prst="roundRect">
+            <a:avLst>
+              <a:gd name="adj" fmla="val 16667"/>
+            </a:avLst>
+          </a:prstGeom>
+          <a:solidFill>
+            <a:srgbClr val="D9EAD3"/>
+          </a:solidFill>
+          <a:ln w="28575" cap="flat" cmpd="sng">
+            <a:solidFill>
+              <a:srgbClr val="274E13"/>
+            </a:solidFill>
+            <a:prstDash val="solid"/>
+            <a:round/>
+            <a:headEnd type="none" w="sm" len="sm"/>
+            <a:tailEnd type="none" w="sm" len="sm"/>
+          </a:ln>
+        </p:spPr>
+        <p:txBody>
+          <a:bodyPr spcFirstLastPara="1" wrap="square" lIns="91425" tIns="91425" rIns="91425" bIns="91425" anchor="t" anchorCtr="0">
+            <a:noAutofit/>
+          </a:bodyPr>
+          <a:lstStyle/>
+          <a:p>
+            <a:pPr marL="0" lvl="0" indent="0" algn="l" rtl="0">
+              <a:spcBef>
+                <a:spcPts val="0"/>
+              </a:spcBef>
+              <a:spcAft>
+                <a:spcPts val="0"/>
+              </a:spcAft>
+              <a:buNone/>
+            </a:pPr>
+            <a:r>
+              <a:rPr lang="en-US" dirty="0">
+                <a:latin typeface="Consolas"/>
+                <a:ea typeface="Consolas"/>
+                <a:cs typeface="Consolas"/>
+                <a:sym typeface="Consolas"/>
+              </a:rPr>
+              <a:t>Explore codebase </a:t>
+            </a:r>
+            <a:endParaRPr dirty="0">
+              <a:latin typeface="Consolas"/>
+              <a:ea typeface="Consolas"/>
+              <a:cs typeface="Consolas"/>
+              <a:sym typeface="Consolas"/>
+            </a:endParaRPr>
+          </a:p>
+        </p:txBody>
+      </p:sp>
+      <p:sp>
+        <p:nvSpPr>
+          <p:cNvPr id="9" name="Google Shape;87;p15">
+            <a:extLst>
+              <a:ext uri="{FF2B5EF4-FFF2-40B4-BE49-F238E27FC236}">
+                <a16:creationId xmlns:a16="http://schemas.microsoft.com/office/drawing/2014/main" id="{D5764263-7B3B-CA4E-FDBC-795EDACF58CD}"/>
+              </a:ext>
+            </a:extLst>
+          </p:cNvPr>
+          <p:cNvSpPr/>
+          <p:nvPr/>
+        </p:nvSpPr>
+        <p:spPr>
+          <a:xfrm>
+            <a:off x="12657449" y="2340617"/>
+            <a:ext cx="1875816" cy="2293324"/>
+          </a:xfrm>
+          <a:prstGeom prst="roundRect">
+            <a:avLst>
+              <a:gd name="adj" fmla="val 16667"/>
+            </a:avLst>
+          </a:prstGeom>
+          <a:solidFill>
+            <a:srgbClr val="D9EAD3"/>
+          </a:solidFill>
+          <a:ln w="28575" cap="flat" cmpd="sng">
+            <a:solidFill>
+              <a:srgbClr val="274E13"/>
+            </a:solidFill>
+            <a:prstDash val="solid"/>
+            <a:round/>
+            <a:headEnd type="none" w="sm" len="sm"/>
+            <a:tailEnd type="none" w="sm" len="sm"/>
+          </a:ln>
+        </p:spPr>
+        <p:txBody>
+          <a:bodyPr spcFirstLastPara="1" wrap="square" lIns="91425" tIns="91425" rIns="91425" bIns="91425" anchor="t" anchorCtr="0">
+            <a:noAutofit/>
+          </a:bodyPr>
+          <a:lstStyle/>
+          <a:p>
+            <a:pPr marL="0" lvl="0" indent="0" algn="l" rtl="0">
+              <a:spcBef>
+                <a:spcPts val="0"/>
+              </a:spcBef>
+              <a:spcAft>
+                <a:spcPts val="0"/>
+              </a:spcAft>
+              <a:buNone/>
+            </a:pPr>
+            <a:r>
+              <a:rPr lang="en-US" dirty="0">
+                <a:latin typeface="Consolas"/>
+                <a:ea typeface="Consolas"/>
+                <a:cs typeface="Consolas"/>
+                <a:sym typeface="Consolas"/>
+              </a:rPr>
+              <a:t>Recognize present code smells</a:t>
+            </a:r>
+            <a:endParaRPr dirty="0">
+              <a:latin typeface="Consolas"/>
+              <a:ea typeface="Consolas"/>
+              <a:cs typeface="Consolas"/>
+              <a:sym typeface="Consolas"/>
+            </a:endParaRPr>
+          </a:p>
+        </p:txBody>
+      </p:sp>
+      <p:sp>
+        <p:nvSpPr>
+          <p:cNvPr id="10" name="Google Shape;87;p15">
+            <a:extLst>
+              <a:ext uri="{FF2B5EF4-FFF2-40B4-BE49-F238E27FC236}">
+                <a16:creationId xmlns:a16="http://schemas.microsoft.com/office/drawing/2014/main" id="{2A4944CC-3D43-9D6F-28EC-5EC92727AB1D}"/>
+              </a:ext>
+            </a:extLst>
+          </p:cNvPr>
+          <p:cNvSpPr/>
+          <p:nvPr/>
+        </p:nvSpPr>
+        <p:spPr>
+          <a:xfrm>
+            <a:off x="12657449" y="3839758"/>
+            <a:ext cx="1875816" cy="2293324"/>
+          </a:xfrm>
+          <a:prstGeom prst="roundRect">
+            <a:avLst>
+              <a:gd name="adj" fmla="val 16667"/>
+            </a:avLst>
+          </a:prstGeom>
+          <a:solidFill>
+            <a:srgbClr val="D9EAD3"/>
+          </a:solidFill>
+          <a:ln w="28575" cap="flat" cmpd="sng">
+            <a:solidFill>
+              <a:srgbClr val="274E13"/>
+            </a:solidFill>
+            <a:prstDash val="solid"/>
+            <a:round/>
+            <a:headEnd type="none" w="sm" len="sm"/>
+            <a:tailEnd type="none" w="sm" len="sm"/>
+          </a:ln>
+        </p:spPr>
+        <p:txBody>
+          <a:bodyPr spcFirstLastPara="1" wrap="square" lIns="91425" tIns="91425" rIns="91425" bIns="91425" anchor="t" anchorCtr="0">
+            <a:noAutofit/>
+          </a:bodyPr>
+          <a:lstStyle/>
+          <a:p>
+            <a:pPr marL="0" lvl="0" indent="0" algn="l" rtl="0">
+              <a:spcBef>
+                <a:spcPts val="0"/>
+              </a:spcBef>
+              <a:spcAft>
+                <a:spcPts val="0"/>
+              </a:spcAft>
+              <a:buNone/>
+            </a:pPr>
+            <a:r>
+              <a:rPr lang="en-US" dirty="0">
+                <a:latin typeface="Consolas"/>
+                <a:ea typeface="Consolas"/>
+                <a:cs typeface="Consolas"/>
+                <a:sym typeface="Consolas"/>
+              </a:rPr>
+              <a:t>Recognize present code smells</a:t>
+            </a:r>
+            <a:endParaRPr dirty="0">
+              <a:latin typeface="Consolas"/>
+              <a:ea typeface="Consolas"/>
+              <a:cs typeface="Consolas"/>
+              <a:sym typeface="Consolas"/>
+            </a:endParaRPr>
+          </a:p>
+        </p:txBody>
+      </p:sp>
+      <p:sp>
+        <p:nvSpPr>
+          <p:cNvPr id="11" name="Google Shape;87;p15">
+            <a:extLst>
+              <a:ext uri="{FF2B5EF4-FFF2-40B4-BE49-F238E27FC236}">
+                <a16:creationId xmlns:a16="http://schemas.microsoft.com/office/drawing/2014/main" id="{45AE202E-A0D2-E5BB-0068-1BCCDD346542}"/>
+              </a:ext>
+            </a:extLst>
+          </p:cNvPr>
+          <p:cNvSpPr/>
+          <p:nvPr/>
+        </p:nvSpPr>
+        <p:spPr>
+          <a:xfrm>
+            <a:off x="12668316" y="5264518"/>
+            <a:ext cx="1875816" cy="2293324"/>
+          </a:xfrm>
+          <a:prstGeom prst="roundRect">
+            <a:avLst>
+              <a:gd name="adj" fmla="val 16667"/>
+            </a:avLst>
+          </a:prstGeom>
+          <a:solidFill>
+            <a:srgbClr val="D9EAD3"/>
+          </a:solidFill>
+          <a:ln w="28575" cap="flat" cmpd="sng">
+            <a:solidFill>
+              <a:srgbClr val="274E13"/>
+            </a:solidFill>
+            <a:prstDash val="solid"/>
+            <a:round/>
+            <a:headEnd type="none" w="sm" len="sm"/>
+            <a:tailEnd type="none" w="sm" len="sm"/>
+          </a:ln>
+        </p:spPr>
+        <p:txBody>
+          <a:bodyPr spcFirstLastPara="1" wrap="square" lIns="91425" tIns="91425" rIns="91425" bIns="91425" anchor="t" anchorCtr="0">
+            <a:noAutofit/>
+          </a:bodyPr>
+          <a:lstStyle/>
+          <a:p>
+            <a:pPr marL="0" lvl="0" indent="0" algn="l" rtl="0">
+              <a:spcBef>
+                <a:spcPts val="0"/>
+              </a:spcBef>
+              <a:spcAft>
+                <a:spcPts val="0"/>
+              </a:spcAft>
+              <a:buNone/>
+            </a:pPr>
+            <a:r>
+              <a:rPr lang="en-US" dirty="0">
+                <a:latin typeface="Consolas"/>
+                <a:ea typeface="Consolas"/>
+                <a:cs typeface="Consolas"/>
+                <a:sym typeface="Consolas"/>
+              </a:rPr>
+              <a:t>Recognize present code smells</a:t>
+            </a:r>
+            <a:endParaRPr dirty="0">
+              <a:latin typeface="Consolas"/>
+              <a:ea typeface="Consolas"/>
+              <a:cs typeface="Consolas"/>
+              <a:sym typeface="Consolas"/>
+            </a:endParaRPr>
+          </a:p>
+        </p:txBody>
+      </p:sp>
+      <p:sp>
+        <p:nvSpPr>
+          <p:cNvPr id="12" name="Google Shape;87;p15">
+            <a:extLst>
+              <a:ext uri="{FF2B5EF4-FFF2-40B4-BE49-F238E27FC236}">
+                <a16:creationId xmlns:a16="http://schemas.microsoft.com/office/drawing/2014/main" id="{FD747ABA-E589-84E3-929E-37B02239BC1B}"/>
+              </a:ext>
+            </a:extLst>
+          </p:cNvPr>
+          <p:cNvSpPr/>
+          <p:nvPr/>
+        </p:nvSpPr>
+        <p:spPr>
+          <a:xfrm>
+            <a:off x="12657449" y="6782976"/>
+            <a:ext cx="1875816" cy="2293324"/>
+          </a:xfrm>
+          <a:prstGeom prst="roundRect">
+            <a:avLst>
+              <a:gd name="adj" fmla="val 16667"/>
+            </a:avLst>
+          </a:prstGeom>
+          <a:solidFill>
+            <a:srgbClr val="D9EAD3"/>
+          </a:solidFill>
+          <a:ln w="28575" cap="flat" cmpd="sng">
+            <a:solidFill>
+              <a:srgbClr val="274E13"/>
+            </a:solidFill>
+            <a:prstDash val="solid"/>
+            <a:round/>
+            <a:headEnd type="none" w="sm" len="sm"/>
+            <a:tailEnd type="none" w="sm" len="sm"/>
+          </a:ln>
+        </p:spPr>
+        <p:txBody>
+          <a:bodyPr spcFirstLastPara="1" wrap="square" lIns="91425" tIns="91425" rIns="91425" bIns="91425" anchor="t" anchorCtr="0">
+            <a:noAutofit/>
+          </a:bodyPr>
+          <a:lstStyle/>
+          <a:p>
+            <a:pPr marL="0" lvl="0" indent="0" algn="l" rtl="0">
+              <a:spcBef>
+                <a:spcPts val="0"/>
+              </a:spcBef>
+              <a:spcAft>
+                <a:spcPts val="0"/>
+              </a:spcAft>
+              <a:buNone/>
+            </a:pPr>
+            <a:r>
+              <a:rPr lang="en-US" dirty="0">
+                <a:latin typeface="Consolas"/>
+                <a:ea typeface="Consolas"/>
+                <a:cs typeface="Consolas"/>
+                <a:sym typeface="Consolas"/>
+              </a:rPr>
+              <a:t>Recognize present code smells</a:t>
+            </a:r>
+            <a:endParaRPr dirty="0">
+              <a:latin typeface="Consolas"/>
+              <a:ea typeface="Consolas"/>
+              <a:cs typeface="Consolas"/>
+              <a:sym typeface="Consolas"/>
+            </a:endParaRPr>
+          </a:p>
+        </p:txBody>
+      </p:sp>
+      <p:sp>
+        <p:nvSpPr>
+          <p:cNvPr id="13" name="Google Shape;87;p15">
+            <a:extLst>
+              <a:ext uri="{FF2B5EF4-FFF2-40B4-BE49-F238E27FC236}">
+                <a16:creationId xmlns:a16="http://schemas.microsoft.com/office/drawing/2014/main" id="{188DD9C4-1F29-7AFC-DF31-770ADC4DF4A0}"/>
+              </a:ext>
+            </a:extLst>
+          </p:cNvPr>
+          <p:cNvSpPr/>
+          <p:nvPr/>
+        </p:nvSpPr>
+        <p:spPr>
+          <a:xfrm>
+            <a:off x="12629703" y="8358876"/>
+            <a:ext cx="1875816" cy="2293324"/>
+          </a:xfrm>
+          <a:prstGeom prst="roundRect">
+            <a:avLst>
+              <a:gd name="adj" fmla="val 16667"/>
+            </a:avLst>
+          </a:prstGeom>
+          <a:solidFill>
+            <a:srgbClr val="D9EAD3"/>
+          </a:solidFill>
+          <a:ln w="28575" cap="flat" cmpd="sng">
+            <a:solidFill>
+              <a:srgbClr val="274E13"/>
+            </a:solidFill>
+            <a:prstDash val="solid"/>
+            <a:round/>
+            <a:headEnd type="none" w="sm" len="sm"/>
+            <a:tailEnd type="none" w="sm" len="sm"/>
+          </a:ln>
+        </p:spPr>
+        <p:txBody>
+          <a:bodyPr spcFirstLastPara="1" wrap="square" lIns="91425" tIns="91425" rIns="91425" bIns="91425" anchor="t" anchorCtr="0">
+            <a:noAutofit/>
+          </a:bodyPr>
+          <a:lstStyle/>
+          <a:p>
+            <a:pPr marL="0" lvl="0" indent="0" algn="l" rtl="0">
+              <a:spcBef>
+                <a:spcPts val="0"/>
+              </a:spcBef>
+              <a:spcAft>
+                <a:spcPts val="0"/>
+              </a:spcAft>
+              <a:buNone/>
+            </a:pPr>
+            <a:r>
+              <a:rPr lang="en-US" dirty="0">
+                <a:latin typeface="Consolas"/>
+                <a:ea typeface="Consolas"/>
+                <a:cs typeface="Consolas"/>
+                <a:sym typeface="Consolas"/>
+              </a:rPr>
+              <a:t>Recognize present code smells</a:t>
+            </a:r>
+            <a:endParaRPr dirty="0">
+              <a:latin typeface="Consolas"/>
+              <a:ea typeface="Consolas"/>
+              <a:cs typeface="Consolas"/>
+              <a:sym typeface="Consolas"/>
+            </a:endParaRPr>
+          </a:p>
+        </p:txBody>
+      </p:sp>
+    </p:spTree>
+    <p:extLst>
+      <p:ext uri="{BB962C8B-B14F-4D97-AF65-F5344CB8AC3E}">
+        <p14:creationId xmlns:p14="http://schemas.microsoft.com/office/powerpoint/2010/main" val="3041047776"/>
+      </p:ext>
+    </p:extLst>
+  </p:cSld>
+  <p:clrMapOvr>
+    <a:masterClrMapping/>
+  </p:clrMapOvr>
+</p:sld>
+</file>
+
 <file path=ppt/slides/slide2.xml><?xml version="1.0" encoding="utf-8"?>
 <p:sld xmlns:a="http://schemas.openxmlformats.org/drawingml/2006/main" xmlns:r="http://schemas.openxmlformats.org/officeDocument/2006/relationships" xmlns:p="http://schemas.openxmlformats.org/presentationml/2006/main">
   <p:cSld>
@@ -13462,6 +18140,1473 @@
         </p:txBody>
       </p:sp>
     </p:spTree>
+  </p:cSld>
+  <p:clrMapOvr>
+    <a:masterClrMapping/>
+  </p:clrMapOvr>
+</p:sld>
+</file>
+
+<file path=ppt/slides/slide9.xml><?xml version="1.0" encoding="utf-8"?>
+<p:sld xmlns:a="http://schemas.openxmlformats.org/drawingml/2006/main" xmlns:r="http://schemas.openxmlformats.org/officeDocument/2006/relationships" xmlns:p="http://schemas.openxmlformats.org/presentationml/2006/main">
+  <p:cSld>
+    <p:spTree>
+      <p:nvGrpSpPr>
+        <p:cNvPr id="1" name="Shape 65">
+          <a:extLst>
+            <a:ext uri="{FF2B5EF4-FFF2-40B4-BE49-F238E27FC236}">
+              <a16:creationId xmlns:a16="http://schemas.microsoft.com/office/drawing/2014/main" id="{2F4C5E97-24B0-0DCB-6E5D-04CEDF7A88F3}"/>
+            </a:ext>
+          </a:extLst>
+        </p:cNvPr>
+        <p:cNvGrpSpPr/>
+        <p:nvPr/>
+      </p:nvGrpSpPr>
+      <p:grpSpPr>
+        <a:xfrm>
+          <a:off x="0" y="0"/>
+          <a:ext cx="0" cy="0"/>
+          <a:chOff x="0" y="0"/>
+          <a:chExt cx="0" cy="0"/>
+        </a:xfrm>
+      </p:grpSpPr>
+      <p:cxnSp>
+        <p:nvCxnSpPr>
+          <p:cNvPr id="66" name="Google Shape;66;p15">
+            <a:extLst>
+              <a:ext uri="{FF2B5EF4-FFF2-40B4-BE49-F238E27FC236}">
+                <a16:creationId xmlns:a16="http://schemas.microsoft.com/office/drawing/2014/main" id="{08A8ACA4-1179-12E3-E9C9-3BEFFC1B1764}"/>
+              </a:ext>
+            </a:extLst>
+          </p:cNvPr>
+          <p:cNvCxnSpPr/>
+          <p:nvPr/>
+        </p:nvCxnSpPr>
+        <p:spPr>
+          <a:xfrm>
+            <a:off x="5944724" y="-31500"/>
+            <a:ext cx="0" cy="10857000"/>
+          </a:xfrm>
+          <a:prstGeom prst="straightConnector1">
+            <a:avLst/>
+          </a:prstGeom>
+          <a:noFill/>
+          <a:ln w="38100" cap="flat" cmpd="sng">
+            <a:solidFill>
+              <a:srgbClr val="5B0F00"/>
+            </a:solidFill>
+            <a:prstDash val="solid"/>
+            <a:round/>
+            <a:headEnd type="none" w="med" len="med"/>
+            <a:tailEnd type="none" w="med" len="med"/>
+          </a:ln>
+        </p:spPr>
+      </p:cxnSp>
+      <p:sp>
+        <p:nvSpPr>
+          <p:cNvPr id="67" name="Google Shape;67;p15">
+            <a:extLst>
+              <a:ext uri="{FF2B5EF4-FFF2-40B4-BE49-F238E27FC236}">
+                <a16:creationId xmlns:a16="http://schemas.microsoft.com/office/drawing/2014/main" id="{BD067047-17A6-A73B-40A9-EFC846A20D3A}"/>
+              </a:ext>
+            </a:extLst>
+          </p:cNvPr>
+          <p:cNvSpPr/>
+          <p:nvPr/>
+        </p:nvSpPr>
+        <p:spPr>
+          <a:xfrm>
+            <a:off x="3197186" y="84312"/>
+            <a:ext cx="2410800" cy="480900"/>
+          </a:xfrm>
+          <a:prstGeom prst="roundRect">
+            <a:avLst>
+              <a:gd name="adj" fmla="val 16667"/>
+            </a:avLst>
+          </a:prstGeom>
+          <a:solidFill>
+            <a:srgbClr val="F9CB9C"/>
+          </a:solidFill>
+          <a:ln w="28575" cap="flat" cmpd="sng">
+            <a:solidFill>
+              <a:srgbClr val="B45F06"/>
+            </a:solidFill>
+            <a:prstDash val="solid"/>
+            <a:round/>
+            <a:headEnd type="none" w="sm" len="sm"/>
+            <a:tailEnd type="none" w="sm" len="sm"/>
+          </a:ln>
+        </p:spPr>
+        <p:txBody>
+          <a:bodyPr spcFirstLastPara="1" wrap="square" lIns="91425" tIns="91425" rIns="91425" bIns="91425" anchor="ctr" anchorCtr="0">
+            <a:noAutofit/>
+          </a:bodyPr>
+          <a:lstStyle/>
+          <a:p>
+            <a:pPr marL="0" lvl="0" indent="0" algn="ctr" rtl="0">
+              <a:spcBef>
+                <a:spcPts val="0"/>
+              </a:spcBef>
+              <a:spcAft>
+                <a:spcPts val="0"/>
+              </a:spcAft>
+              <a:buNone/>
+            </a:pPr>
+            <a:r>
+              <a:rPr lang="en-GB" sz="1800" b="1">
+                <a:latin typeface="Consolas"/>
+                <a:ea typeface="Consolas"/>
+                <a:cs typeface="Consolas"/>
+                <a:sym typeface="Consolas"/>
+              </a:rPr>
+              <a:t>Student ID</a:t>
+            </a:r>
+            <a:endParaRPr sz="1800" b="1">
+              <a:latin typeface="Consolas"/>
+              <a:ea typeface="Consolas"/>
+              <a:cs typeface="Consolas"/>
+              <a:sym typeface="Consolas"/>
+            </a:endParaRPr>
+          </a:p>
+        </p:txBody>
+      </p:sp>
+      <p:sp>
+        <p:nvSpPr>
+          <p:cNvPr id="68" name="Google Shape;68;p15">
+            <a:extLst>
+              <a:ext uri="{FF2B5EF4-FFF2-40B4-BE49-F238E27FC236}">
+                <a16:creationId xmlns:a16="http://schemas.microsoft.com/office/drawing/2014/main" id="{30D07728-647F-3943-32C1-A317603FE326}"/>
+              </a:ext>
+            </a:extLst>
+          </p:cNvPr>
+          <p:cNvSpPr/>
+          <p:nvPr/>
+        </p:nvSpPr>
+        <p:spPr>
+          <a:xfrm>
+            <a:off x="6281636" y="84312"/>
+            <a:ext cx="2410800" cy="480900"/>
+          </a:xfrm>
+          <a:prstGeom prst="roundRect">
+            <a:avLst>
+              <a:gd name="adj" fmla="val 16667"/>
+            </a:avLst>
+          </a:prstGeom>
+          <a:solidFill>
+            <a:srgbClr val="F9CB9C"/>
+          </a:solidFill>
+          <a:ln w="28575" cap="flat" cmpd="sng">
+            <a:solidFill>
+              <a:srgbClr val="B45F06"/>
+            </a:solidFill>
+            <a:prstDash val="solid"/>
+            <a:round/>
+            <a:headEnd type="none" w="sm" len="sm"/>
+            <a:tailEnd type="none" w="sm" len="sm"/>
+          </a:ln>
+        </p:spPr>
+        <p:txBody>
+          <a:bodyPr spcFirstLastPara="1" wrap="square" lIns="91425" tIns="91425" rIns="91425" bIns="91425" anchor="ctr" anchorCtr="0">
+            <a:noAutofit/>
+          </a:bodyPr>
+          <a:lstStyle/>
+          <a:p>
+            <a:pPr marL="0" lvl="0" indent="0" algn="ctr" rtl="0">
+              <a:spcBef>
+                <a:spcPts val="0"/>
+              </a:spcBef>
+              <a:spcAft>
+                <a:spcPts val="0"/>
+              </a:spcAft>
+              <a:buNone/>
+            </a:pPr>
+            <a:r>
+              <a:rPr lang="en-GB" sz="1800" b="1">
+                <a:latin typeface="Consolas"/>
+                <a:ea typeface="Consolas"/>
+                <a:cs typeface="Consolas"/>
+                <a:sym typeface="Consolas"/>
+              </a:rPr>
+              <a:t>Story</a:t>
+            </a:r>
+            <a:endParaRPr sz="1800" b="1">
+              <a:latin typeface="Consolas"/>
+              <a:ea typeface="Consolas"/>
+              <a:cs typeface="Consolas"/>
+              <a:sym typeface="Consolas"/>
+            </a:endParaRPr>
+          </a:p>
+        </p:txBody>
+      </p:sp>
+      <p:sp>
+        <p:nvSpPr>
+          <p:cNvPr id="69" name="Google Shape;69;p15">
+            <a:extLst>
+              <a:ext uri="{FF2B5EF4-FFF2-40B4-BE49-F238E27FC236}">
+                <a16:creationId xmlns:a16="http://schemas.microsoft.com/office/drawing/2014/main" id="{15FAFE55-F469-8755-BD9C-F4A0563CFDDD}"/>
+              </a:ext>
+            </a:extLst>
+          </p:cNvPr>
+          <p:cNvSpPr/>
+          <p:nvPr/>
+        </p:nvSpPr>
+        <p:spPr>
+          <a:xfrm>
+            <a:off x="9366071" y="84312"/>
+            <a:ext cx="2410800" cy="480900"/>
+          </a:xfrm>
+          <a:prstGeom prst="roundRect">
+            <a:avLst>
+              <a:gd name="adj" fmla="val 16667"/>
+            </a:avLst>
+          </a:prstGeom>
+          <a:solidFill>
+            <a:srgbClr val="F9CB9C"/>
+          </a:solidFill>
+          <a:ln w="28575" cap="flat" cmpd="sng">
+            <a:solidFill>
+              <a:srgbClr val="B45F06"/>
+            </a:solidFill>
+            <a:prstDash val="solid"/>
+            <a:round/>
+            <a:headEnd type="none" w="sm" len="sm"/>
+            <a:tailEnd type="none" w="sm" len="sm"/>
+          </a:ln>
+        </p:spPr>
+        <p:txBody>
+          <a:bodyPr spcFirstLastPara="1" wrap="square" lIns="91425" tIns="91425" rIns="91425" bIns="91425" anchor="ctr" anchorCtr="0">
+            <a:noAutofit/>
+          </a:bodyPr>
+          <a:lstStyle/>
+          <a:p>
+            <a:pPr marL="0" lvl="0" indent="0" algn="ctr" rtl="0">
+              <a:spcBef>
+                <a:spcPts val="0"/>
+              </a:spcBef>
+              <a:spcAft>
+                <a:spcPts val="0"/>
+              </a:spcAft>
+              <a:buNone/>
+            </a:pPr>
+            <a:r>
+              <a:rPr lang="en-GB" sz="1800" b="1">
+                <a:latin typeface="Consolas"/>
+                <a:ea typeface="Consolas"/>
+                <a:cs typeface="Consolas"/>
+                <a:sym typeface="Consolas"/>
+              </a:rPr>
+              <a:t>To Do</a:t>
+            </a:r>
+            <a:endParaRPr sz="1800" b="1">
+              <a:latin typeface="Consolas"/>
+              <a:ea typeface="Consolas"/>
+              <a:cs typeface="Consolas"/>
+              <a:sym typeface="Consolas"/>
+            </a:endParaRPr>
+          </a:p>
+        </p:txBody>
+      </p:sp>
+      <p:sp>
+        <p:nvSpPr>
+          <p:cNvPr id="70" name="Google Shape;70;p15">
+            <a:extLst>
+              <a:ext uri="{FF2B5EF4-FFF2-40B4-BE49-F238E27FC236}">
+                <a16:creationId xmlns:a16="http://schemas.microsoft.com/office/drawing/2014/main" id="{494F32B6-5882-A880-0F45-DEF6B0910340}"/>
+              </a:ext>
+            </a:extLst>
+          </p:cNvPr>
+          <p:cNvSpPr/>
+          <p:nvPr/>
+        </p:nvSpPr>
+        <p:spPr>
+          <a:xfrm>
+            <a:off x="12395940" y="84312"/>
+            <a:ext cx="2410800" cy="480900"/>
+          </a:xfrm>
+          <a:prstGeom prst="roundRect">
+            <a:avLst>
+              <a:gd name="adj" fmla="val 16667"/>
+            </a:avLst>
+          </a:prstGeom>
+          <a:solidFill>
+            <a:srgbClr val="F9CB9C"/>
+          </a:solidFill>
+          <a:ln w="28575" cap="flat" cmpd="sng">
+            <a:solidFill>
+              <a:srgbClr val="B45F06"/>
+            </a:solidFill>
+            <a:prstDash val="solid"/>
+            <a:round/>
+            <a:headEnd type="none" w="sm" len="sm"/>
+            <a:tailEnd type="none" w="sm" len="sm"/>
+          </a:ln>
+        </p:spPr>
+        <p:txBody>
+          <a:bodyPr spcFirstLastPara="1" wrap="square" lIns="91425" tIns="91425" rIns="91425" bIns="91425" anchor="ctr" anchorCtr="0">
+            <a:noAutofit/>
+          </a:bodyPr>
+          <a:lstStyle/>
+          <a:p>
+            <a:pPr marL="0" lvl="0" indent="0" algn="ctr" rtl="0">
+              <a:spcBef>
+                <a:spcPts val="0"/>
+              </a:spcBef>
+              <a:spcAft>
+                <a:spcPts val="0"/>
+              </a:spcAft>
+              <a:buNone/>
+            </a:pPr>
+            <a:r>
+              <a:rPr lang="en-GB" sz="1800" b="1">
+                <a:latin typeface="Consolas"/>
+                <a:ea typeface="Consolas"/>
+                <a:cs typeface="Consolas"/>
+                <a:sym typeface="Consolas"/>
+              </a:rPr>
+              <a:t>Doing</a:t>
+            </a:r>
+            <a:endParaRPr sz="1800" b="1">
+              <a:latin typeface="Consolas"/>
+              <a:ea typeface="Consolas"/>
+              <a:cs typeface="Consolas"/>
+              <a:sym typeface="Consolas"/>
+            </a:endParaRPr>
+          </a:p>
+        </p:txBody>
+      </p:sp>
+      <p:sp>
+        <p:nvSpPr>
+          <p:cNvPr id="71" name="Google Shape;71;p15">
+            <a:extLst>
+              <a:ext uri="{FF2B5EF4-FFF2-40B4-BE49-F238E27FC236}">
+                <a16:creationId xmlns:a16="http://schemas.microsoft.com/office/drawing/2014/main" id="{104A0D63-D20D-267B-A3F1-8D6FF537E571}"/>
+              </a:ext>
+            </a:extLst>
+          </p:cNvPr>
+          <p:cNvSpPr/>
+          <p:nvPr/>
+        </p:nvSpPr>
+        <p:spPr>
+          <a:xfrm>
+            <a:off x="15532407" y="84312"/>
+            <a:ext cx="2410800" cy="480900"/>
+          </a:xfrm>
+          <a:prstGeom prst="roundRect">
+            <a:avLst>
+              <a:gd name="adj" fmla="val 16667"/>
+            </a:avLst>
+          </a:prstGeom>
+          <a:solidFill>
+            <a:srgbClr val="F9CB9C"/>
+          </a:solidFill>
+          <a:ln w="28575" cap="flat" cmpd="sng">
+            <a:solidFill>
+              <a:srgbClr val="B45F06"/>
+            </a:solidFill>
+            <a:prstDash val="solid"/>
+            <a:round/>
+            <a:headEnd type="none" w="sm" len="sm"/>
+            <a:tailEnd type="none" w="sm" len="sm"/>
+          </a:ln>
+        </p:spPr>
+        <p:txBody>
+          <a:bodyPr spcFirstLastPara="1" wrap="square" lIns="91425" tIns="91425" rIns="91425" bIns="91425" anchor="ctr" anchorCtr="0">
+            <a:noAutofit/>
+          </a:bodyPr>
+          <a:lstStyle/>
+          <a:p>
+            <a:pPr marL="0" lvl="0" indent="0" algn="ctr" rtl="0">
+              <a:spcBef>
+                <a:spcPts val="0"/>
+              </a:spcBef>
+              <a:spcAft>
+                <a:spcPts val="0"/>
+              </a:spcAft>
+              <a:buNone/>
+            </a:pPr>
+            <a:r>
+              <a:rPr lang="en-GB" sz="1800" b="1">
+                <a:latin typeface="Consolas"/>
+                <a:ea typeface="Consolas"/>
+                <a:cs typeface="Consolas"/>
+                <a:sym typeface="Consolas"/>
+              </a:rPr>
+              <a:t>Review</a:t>
+            </a:r>
+            <a:endParaRPr sz="1800" b="1">
+              <a:latin typeface="Consolas"/>
+              <a:ea typeface="Consolas"/>
+              <a:cs typeface="Consolas"/>
+              <a:sym typeface="Consolas"/>
+            </a:endParaRPr>
+          </a:p>
+        </p:txBody>
+      </p:sp>
+      <p:sp>
+        <p:nvSpPr>
+          <p:cNvPr id="72" name="Google Shape;72;p15">
+            <a:extLst>
+              <a:ext uri="{FF2B5EF4-FFF2-40B4-BE49-F238E27FC236}">
+                <a16:creationId xmlns:a16="http://schemas.microsoft.com/office/drawing/2014/main" id="{24D4800E-1D45-E265-783F-3419A1BF78F8}"/>
+              </a:ext>
+            </a:extLst>
+          </p:cNvPr>
+          <p:cNvSpPr/>
+          <p:nvPr/>
+        </p:nvSpPr>
+        <p:spPr>
+          <a:xfrm>
+            <a:off x="18668888" y="84312"/>
+            <a:ext cx="2410800" cy="480900"/>
+          </a:xfrm>
+          <a:prstGeom prst="roundRect">
+            <a:avLst>
+              <a:gd name="adj" fmla="val 16667"/>
+            </a:avLst>
+          </a:prstGeom>
+          <a:solidFill>
+            <a:srgbClr val="F9CB9C"/>
+          </a:solidFill>
+          <a:ln w="28575" cap="flat" cmpd="sng">
+            <a:solidFill>
+              <a:srgbClr val="B45F06"/>
+            </a:solidFill>
+            <a:prstDash val="solid"/>
+            <a:round/>
+            <a:headEnd type="none" w="sm" len="sm"/>
+            <a:tailEnd type="none" w="sm" len="sm"/>
+          </a:ln>
+        </p:spPr>
+        <p:txBody>
+          <a:bodyPr spcFirstLastPara="1" wrap="square" lIns="91425" tIns="91425" rIns="91425" bIns="91425" anchor="ctr" anchorCtr="0">
+            <a:noAutofit/>
+          </a:bodyPr>
+          <a:lstStyle/>
+          <a:p>
+            <a:pPr marL="0" lvl="0" indent="0" algn="ctr" rtl="0">
+              <a:spcBef>
+                <a:spcPts val="0"/>
+              </a:spcBef>
+              <a:spcAft>
+                <a:spcPts val="0"/>
+              </a:spcAft>
+              <a:buNone/>
+            </a:pPr>
+            <a:r>
+              <a:rPr lang="en-GB" sz="1800" b="1">
+                <a:latin typeface="Consolas"/>
+                <a:ea typeface="Consolas"/>
+                <a:cs typeface="Consolas"/>
+                <a:sym typeface="Consolas"/>
+              </a:rPr>
+              <a:t>Done</a:t>
+            </a:r>
+            <a:endParaRPr sz="1800" b="1">
+              <a:latin typeface="Consolas"/>
+              <a:ea typeface="Consolas"/>
+              <a:cs typeface="Consolas"/>
+              <a:sym typeface="Consolas"/>
+            </a:endParaRPr>
+          </a:p>
+        </p:txBody>
+      </p:sp>
+      <p:sp>
+        <p:nvSpPr>
+          <p:cNvPr id="73" name="Google Shape;73;p15">
+            <a:extLst>
+              <a:ext uri="{FF2B5EF4-FFF2-40B4-BE49-F238E27FC236}">
+                <a16:creationId xmlns:a16="http://schemas.microsoft.com/office/drawing/2014/main" id="{841BB2B7-42DC-E4E3-91D1-ECC2F6DBBA6F}"/>
+              </a:ext>
+            </a:extLst>
+          </p:cNvPr>
+          <p:cNvSpPr/>
+          <p:nvPr/>
+        </p:nvSpPr>
+        <p:spPr>
+          <a:xfrm>
+            <a:off x="167288" y="84312"/>
+            <a:ext cx="2410800" cy="480900"/>
+          </a:xfrm>
+          <a:prstGeom prst="roundRect">
+            <a:avLst>
+              <a:gd name="adj" fmla="val 16667"/>
+            </a:avLst>
+          </a:prstGeom>
+          <a:solidFill>
+            <a:srgbClr val="F9CB9C"/>
+          </a:solidFill>
+          <a:ln w="28575" cap="flat" cmpd="sng">
+            <a:solidFill>
+              <a:srgbClr val="B45F06"/>
+            </a:solidFill>
+            <a:prstDash val="solid"/>
+            <a:round/>
+            <a:headEnd type="none" w="sm" len="sm"/>
+            <a:tailEnd type="none" w="sm" len="sm"/>
+          </a:ln>
+        </p:spPr>
+        <p:txBody>
+          <a:bodyPr spcFirstLastPara="1" wrap="square" lIns="91425" tIns="91425" rIns="91425" bIns="91425" anchor="ctr" anchorCtr="0">
+            <a:noAutofit/>
+          </a:bodyPr>
+          <a:lstStyle/>
+          <a:p>
+            <a:pPr marL="0" lvl="0" indent="0" algn="ctr" rtl="0">
+              <a:spcBef>
+                <a:spcPts val="0"/>
+              </a:spcBef>
+              <a:spcAft>
+                <a:spcPts val="0"/>
+              </a:spcAft>
+              <a:buNone/>
+            </a:pPr>
+            <a:r>
+              <a:rPr lang="en-GB" sz="1800" b="1">
+                <a:latin typeface="Consolas"/>
+                <a:ea typeface="Consolas"/>
+                <a:cs typeface="Consolas"/>
+                <a:sym typeface="Consolas"/>
+              </a:rPr>
+              <a:t>Backlog</a:t>
+            </a:r>
+            <a:endParaRPr sz="1800" b="1">
+              <a:latin typeface="Consolas"/>
+              <a:ea typeface="Consolas"/>
+              <a:cs typeface="Consolas"/>
+              <a:sym typeface="Consolas"/>
+            </a:endParaRPr>
+          </a:p>
+        </p:txBody>
+      </p:sp>
+      <p:sp>
+        <p:nvSpPr>
+          <p:cNvPr id="74" name="Google Shape;74;p15">
+            <a:extLst>
+              <a:ext uri="{FF2B5EF4-FFF2-40B4-BE49-F238E27FC236}">
+                <a16:creationId xmlns:a16="http://schemas.microsoft.com/office/drawing/2014/main" id="{08C356ED-2B6C-23A2-6FFF-3D6A856BF9E0}"/>
+              </a:ext>
+            </a:extLst>
+          </p:cNvPr>
+          <p:cNvSpPr/>
+          <p:nvPr/>
+        </p:nvSpPr>
+        <p:spPr>
+          <a:xfrm>
+            <a:off x="3197186" y="1385588"/>
+            <a:ext cx="2410800" cy="480900"/>
+          </a:xfrm>
+          <a:prstGeom prst="roundRect">
+            <a:avLst>
+              <a:gd name="adj" fmla="val 16667"/>
+            </a:avLst>
+          </a:prstGeom>
+          <a:solidFill>
+            <a:srgbClr val="E6B8AF"/>
+          </a:solidFill>
+          <a:ln w="28575" cap="flat" cmpd="sng">
+            <a:solidFill>
+              <a:srgbClr val="5B0F00"/>
+            </a:solidFill>
+            <a:prstDash val="solid"/>
+            <a:round/>
+            <a:headEnd type="none" w="sm" len="sm"/>
+            <a:tailEnd type="none" w="sm" len="sm"/>
+          </a:ln>
+        </p:spPr>
+        <p:txBody>
+          <a:bodyPr spcFirstLastPara="1" wrap="square" lIns="91425" tIns="91425" rIns="91425" bIns="91425" anchor="ctr" anchorCtr="0">
+            <a:noAutofit/>
+          </a:bodyPr>
+          <a:lstStyle/>
+          <a:p>
+            <a:pPr marL="0" lvl="0" indent="0" algn="ctr" rtl="0">
+              <a:spcBef>
+                <a:spcPts val="0"/>
+              </a:spcBef>
+              <a:spcAft>
+                <a:spcPts val="0"/>
+              </a:spcAft>
+              <a:buNone/>
+            </a:pPr>
+            <a:r>
+              <a:rPr lang="en-GB" sz="1800" b="1" dirty="0">
+                <a:latin typeface="Consolas"/>
+                <a:ea typeface="Consolas"/>
+                <a:cs typeface="Consolas"/>
+                <a:sym typeface="Consolas"/>
+              </a:rPr>
+              <a:t>66565</a:t>
+            </a:r>
+            <a:endParaRPr sz="1800" b="1" dirty="0">
+              <a:latin typeface="Consolas"/>
+              <a:ea typeface="Consolas"/>
+              <a:cs typeface="Consolas"/>
+              <a:sym typeface="Consolas"/>
+            </a:endParaRPr>
+          </a:p>
+        </p:txBody>
+      </p:sp>
+      <p:sp>
+        <p:nvSpPr>
+          <p:cNvPr id="75" name="Google Shape;75;p15">
+            <a:extLst>
+              <a:ext uri="{FF2B5EF4-FFF2-40B4-BE49-F238E27FC236}">
+                <a16:creationId xmlns:a16="http://schemas.microsoft.com/office/drawing/2014/main" id="{04C8872D-72E2-A80B-0AEE-3604AB6BC257}"/>
+              </a:ext>
+            </a:extLst>
+          </p:cNvPr>
+          <p:cNvSpPr/>
+          <p:nvPr/>
+        </p:nvSpPr>
+        <p:spPr>
+          <a:xfrm>
+            <a:off x="3197186" y="2961501"/>
+            <a:ext cx="2410800" cy="480900"/>
+          </a:xfrm>
+          <a:prstGeom prst="roundRect">
+            <a:avLst>
+              <a:gd name="adj" fmla="val 16667"/>
+            </a:avLst>
+          </a:prstGeom>
+          <a:solidFill>
+            <a:srgbClr val="E6B8AF"/>
+          </a:solidFill>
+          <a:ln w="28575" cap="flat" cmpd="sng">
+            <a:solidFill>
+              <a:srgbClr val="5B0F00"/>
+            </a:solidFill>
+            <a:prstDash val="solid"/>
+            <a:round/>
+            <a:headEnd type="none" w="sm" len="sm"/>
+            <a:tailEnd type="none" w="sm" len="sm"/>
+          </a:ln>
+        </p:spPr>
+        <p:txBody>
+          <a:bodyPr spcFirstLastPara="1" wrap="square" lIns="91425" tIns="91425" rIns="91425" bIns="91425" anchor="ctr" anchorCtr="0">
+            <a:noAutofit/>
+          </a:bodyPr>
+          <a:lstStyle/>
+          <a:p>
+            <a:pPr marL="0" lvl="0" indent="0" algn="ctr" rtl="0">
+              <a:spcBef>
+                <a:spcPts val="0"/>
+              </a:spcBef>
+              <a:spcAft>
+                <a:spcPts val="0"/>
+              </a:spcAft>
+              <a:buNone/>
+            </a:pPr>
+            <a:r>
+              <a:rPr lang="en-GB" sz="1800" b="1" dirty="0">
+                <a:latin typeface="Consolas"/>
+                <a:ea typeface="Consolas"/>
+                <a:cs typeface="Consolas"/>
+                <a:sym typeface="Consolas"/>
+              </a:rPr>
+              <a:t>67196</a:t>
+            </a:r>
+            <a:endParaRPr sz="1800" b="1" dirty="0">
+              <a:latin typeface="Consolas"/>
+              <a:ea typeface="Consolas"/>
+              <a:cs typeface="Consolas"/>
+              <a:sym typeface="Consolas"/>
+            </a:endParaRPr>
+          </a:p>
+        </p:txBody>
+      </p:sp>
+      <p:sp>
+        <p:nvSpPr>
+          <p:cNvPr id="76" name="Google Shape;76;p15">
+            <a:extLst>
+              <a:ext uri="{FF2B5EF4-FFF2-40B4-BE49-F238E27FC236}">
+                <a16:creationId xmlns:a16="http://schemas.microsoft.com/office/drawing/2014/main" id="{398BBA65-86F1-09AF-45C0-3BA435092732}"/>
+              </a:ext>
+            </a:extLst>
+          </p:cNvPr>
+          <p:cNvSpPr/>
+          <p:nvPr/>
+        </p:nvSpPr>
+        <p:spPr>
+          <a:xfrm>
+            <a:off x="3197186" y="4537410"/>
+            <a:ext cx="2410800" cy="480900"/>
+          </a:xfrm>
+          <a:prstGeom prst="roundRect">
+            <a:avLst>
+              <a:gd name="adj" fmla="val 16667"/>
+            </a:avLst>
+          </a:prstGeom>
+          <a:solidFill>
+            <a:srgbClr val="E6B8AF"/>
+          </a:solidFill>
+          <a:ln w="28575" cap="flat" cmpd="sng">
+            <a:solidFill>
+              <a:srgbClr val="5B0F00"/>
+            </a:solidFill>
+            <a:prstDash val="solid"/>
+            <a:round/>
+            <a:headEnd type="none" w="sm" len="sm"/>
+            <a:tailEnd type="none" w="sm" len="sm"/>
+          </a:ln>
+        </p:spPr>
+        <p:txBody>
+          <a:bodyPr spcFirstLastPara="1" wrap="square" lIns="91425" tIns="91425" rIns="91425" bIns="91425" anchor="ctr" anchorCtr="0">
+            <a:noAutofit/>
+          </a:bodyPr>
+          <a:lstStyle/>
+          <a:p>
+            <a:pPr marL="0" lvl="0" indent="0" algn="ctr" rtl="0">
+              <a:spcBef>
+                <a:spcPts val="0"/>
+              </a:spcBef>
+              <a:spcAft>
+                <a:spcPts val="0"/>
+              </a:spcAft>
+              <a:buNone/>
+            </a:pPr>
+            <a:r>
+              <a:rPr lang="en-GB" sz="1800" b="1" dirty="0">
+                <a:latin typeface="Consolas"/>
+                <a:ea typeface="Consolas"/>
+                <a:cs typeface="Consolas"/>
+                <a:sym typeface="Consolas"/>
+              </a:rPr>
+              <a:t>67215</a:t>
+            </a:r>
+            <a:endParaRPr sz="1800" b="1" dirty="0">
+              <a:latin typeface="Consolas"/>
+              <a:ea typeface="Consolas"/>
+              <a:cs typeface="Consolas"/>
+              <a:sym typeface="Consolas"/>
+            </a:endParaRPr>
+          </a:p>
+        </p:txBody>
+      </p:sp>
+      <p:sp>
+        <p:nvSpPr>
+          <p:cNvPr id="77" name="Google Shape;77;p15">
+            <a:extLst>
+              <a:ext uri="{FF2B5EF4-FFF2-40B4-BE49-F238E27FC236}">
+                <a16:creationId xmlns:a16="http://schemas.microsoft.com/office/drawing/2014/main" id="{B8AD895B-13BB-D5C5-54EC-A1BC6C8B3799}"/>
+              </a:ext>
+            </a:extLst>
+          </p:cNvPr>
+          <p:cNvSpPr/>
+          <p:nvPr/>
+        </p:nvSpPr>
+        <p:spPr>
+          <a:xfrm>
+            <a:off x="3197186" y="6113307"/>
+            <a:ext cx="2410800" cy="480900"/>
+          </a:xfrm>
+          <a:prstGeom prst="roundRect">
+            <a:avLst>
+              <a:gd name="adj" fmla="val 16667"/>
+            </a:avLst>
+          </a:prstGeom>
+          <a:solidFill>
+            <a:srgbClr val="E6B8AF"/>
+          </a:solidFill>
+          <a:ln w="28575" cap="flat" cmpd="sng">
+            <a:solidFill>
+              <a:srgbClr val="5B0F00"/>
+            </a:solidFill>
+            <a:prstDash val="solid"/>
+            <a:round/>
+            <a:headEnd type="none" w="sm" len="sm"/>
+            <a:tailEnd type="none" w="sm" len="sm"/>
+          </a:ln>
+        </p:spPr>
+        <p:txBody>
+          <a:bodyPr spcFirstLastPara="1" wrap="square" lIns="91425" tIns="91425" rIns="91425" bIns="91425" anchor="ctr" anchorCtr="0">
+            <a:noAutofit/>
+          </a:bodyPr>
+          <a:lstStyle/>
+          <a:p>
+            <a:pPr marL="0" lvl="0" indent="0" algn="ctr" rtl="0">
+              <a:spcBef>
+                <a:spcPts val="0"/>
+              </a:spcBef>
+              <a:spcAft>
+                <a:spcPts val="0"/>
+              </a:spcAft>
+              <a:buNone/>
+            </a:pPr>
+            <a:r>
+              <a:rPr lang="pt-PT" sz="1800" b="1" dirty="0">
+                <a:latin typeface="Consolas"/>
+                <a:ea typeface="Consolas"/>
+                <a:cs typeface="Consolas"/>
+                <a:sym typeface="Consolas"/>
+              </a:rPr>
+              <a:t>68509</a:t>
+            </a:r>
+            <a:endParaRPr sz="1800" b="1" dirty="0">
+              <a:latin typeface="Consolas"/>
+              <a:ea typeface="Consolas"/>
+              <a:cs typeface="Consolas"/>
+              <a:sym typeface="Consolas"/>
+            </a:endParaRPr>
+          </a:p>
+        </p:txBody>
+      </p:sp>
+      <p:sp>
+        <p:nvSpPr>
+          <p:cNvPr id="78" name="Google Shape;78;p15">
+            <a:extLst>
+              <a:ext uri="{FF2B5EF4-FFF2-40B4-BE49-F238E27FC236}">
+                <a16:creationId xmlns:a16="http://schemas.microsoft.com/office/drawing/2014/main" id="{B1EF5587-1A77-615D-B533-CB0A9C56CEE9}"/>
+              </a:ext>
+            </a:extLst>
+          </p:cNvPr>
+          <p:cNvSpPr/>
+          <p:nvPr/>
+        </p:nvSpPr>
+        <p:spPr>
+          <a:xfrm>
+            <a:off x="3197186" y="7689198"/>
+            <a:ext cx="2410800" cy="480900"/>
+          </a:xfrm>
+          <a:prstGeom prst="roundRect">
+            <a:avLst>
+              <a:gd name="adj" fmla="val 16667"/>
+            </a:avLst>
+          </a:prstGeom>
+          <a:solidFill>
+            <a:srgbClr val="E6B8AF"/>
+          </a:solidFill>
+          <a:ln w="28575" cap="flat" cmpd="sng">
+            <a:solidFill>
+              <a:srgbClr val="5B0F00"/>
+            </a:solidFill>
+            <a:prstDash val="solid"/>
+            <a:round/>
+            <a:headEnd type="none" w="sm" len="sm"/>
+            <a:tailEnd type="none" w="sm" len="sm"/>
+          </a:ln>
+        </p:spPr>
+        <p:txBody>
+          <a:bodyPr spcFirstLastPara="1" wrap="square" lIns="91425" tIns="91425" rIns="91425" bIns="91425" anchor="ctr" anchorCtr="0">
+            <a:noAutofit/>
+          </a:bodyPr>
+          <a:lstStyle/>
+          <a:p>
+            <a:pPr marL="0" lvl="0" indent="0" algn="ctr" rtl="0">
+              <a:spcBef>
+                <a:spcPts val="0"/>
+              </a:spcBef>
+              <a:spcAft>
+                <a:spcPts val="0"/>
+              </a:spcAft>
+              <a:buNone/>
+            </a:pPr>
+            <a:r>
+              <a:rPr lang="en-GB" sz="1800" b="1" dirty="0">
+                <a:latin typeface="Consolas"/>
+                <a:ea typeface="Consolas"/>
+                <a:cs typeface="Consolas"/>
+                <a:sym typeface="Consolas"/>
+              </a:rPr>
+              <a:t>68663</a:t>
+            </a:r>
+            <a:endParaRPr sz="1800" b="1" dirty="0">
+              <a:latin typeface="Consolas"/>
+              <a:ea typeface="Consolas"/>
+              <a:cs typeface="Consolas"/>
+              <a:sym typeface="Consolas"/>
+            </a:endParaRPr>
+          </a:p>
+        </p:txBody>
+      </p:sp>
+      <p:sp>
+        <p:nvSpPr>
+          <p:cNvPr id="79" name="Google Shape;79;p15">
+            <a:extLst>
+              <a:ext uri="{FF2B5EF4-FFF2-40B4-BE49-F238E27FC236}">
+                <a16:creationId xmlns:a16="http://schemas.microsoft.com/office/drawing/2014/main" id="{F89C5B08-FB1D-33F9-98E7-2AD165E3FB38}"/>
+              </a:ext>
+            </a:extLst>
+          </p:cNvPr>
+          <p:cNvSpPr/>
+          <p:nvPr/>
+        </p:nvSpPr>
+        <p:spPr>
+          <a:xfrm>
+            <a:off x="3197186" y="9265103"/>
+            <a:ext cx="2410800" cy="480900"/>
+          </a:xfrm>
+          <a:prstGeom prst="roundRect">
+            <a:avLst>
+              <a:gd name="adj" fmla="val 16667"/>
+            </a:avLst>
+          </a:prstGeom>
+          <a:solidFill>
+            <a:srgbClr val="E6B8AF"/>
+          </a:solidFill>
+          <a:ln w="28575" cap="flat" cmpd="sng">
+            <a:solidFill>
+              <a:srgbClr val="5B0F00"/>
+            </a:solidFill>
+            <a:prstDash val="solid"/>
+            <a:round/>
+            <a:headEnd type="none" w="sm" len="sm"/>
+            <a:tailEnd type="none" w="sm" len="sm"/>
+          </a:ln>
+        </p:spPr>
+        <p:txBody>
+          <a:bodyPr spcFirstLastPara="1" wrap="square" lIns="91425" tIns="91425" rIns="91425" bIns="91425" anchor="ctr" anchorCtr="0">
+            <a:noAutofit/>
+          </a:bodyPr>
+          <a:lstStyle/>
+          <a:p>
+            <a:pPr marL="0" lvl="0" indent="0" algn="ctr" rtl="0">
+              <a:spcBef>
+                <a:spcPts val="0"/>
+              </a:spcBef>
+              <a:spcAft>
+                <a:spcPts val="0"/>
+              </a:spcAft>
+              <a:buNone/>
+            </a:pPr>
+            <a:r>
+              <a:rPr lang="en-GB" sz="1800" b="1" dirty="0">
+                <a:latin typeface="Consolas"/>
+                <a:ea typeface="Consolas"/>
+                <a:cs typeface="Consolas"/>
+                <a:sym typeface="Consolas"/>
+              </a:rPr>
+              <a:t>70116</a:t>
+            </a:r>
+            <a:endParaRPr sz="1800" b="1" dirty="0">
+              <a:latin typeface="Consolas"/>
+              <a:ea typeface="Consolas"/>
+              <a:cs typeface="Consolas"/>
+              <a:sym typeface="Consolas"/>
+            </a:endParaRPr>
+          </a:p>
+        </p:txBody>
+      </p:sp>
+      <p:cxnSp>
+        <p:nvCxnSpPr>
+          <p:cNvPr id="80" name="Google Shape;80;p15">
+            <a:extLst>
+              <a:ext uri="{FF2B5EF4-FFF2-40B4-BE49-F238E27FC236}">
+                <a16:creationId xmlns:a16="http://schemas.microsoft.com/office/drawing/2014/main" id="{1CA22BD7-F5BF-D4C7-C6FF-5D05C9C1A913}"/>
+              </a:ext>
+            </a:extLst>
+          </p:cNvPr>
+          <p:cNvCxnSpPr/>
+          <p:nvPr/>
+        </p:nvCxnSpPr>
+        <p:spPr>
+          <a:xfrm>
+            <a:off x="5607986" y="1626038"/>
+            <a:ext cx="16042200" cy="0"/>
+          </a:xfrm>
+          <a:prstGeom prst="straightConnector1">
+            <a:avLst/>
+          </a:prstGeom>
+          <a:noFill/>
+          <a:ln w="28575" cap="flat" cmpd="sng">
+            <a:solidFill>
+              <a:srgbClr val="999999"/>
+            </a:solidFill>
+            <a:prstDash val="dash"/>
+            <a:round/>
+            <a:headEnd type="none" w="med" len="med"/>
+            <a:tailEnd type="none" w="med" len="med"/>
+          </a:ln>
+        </p:spPr>
+      </p:cxnSp>
+      <p:cxnSp>
+        <p:nvCxnSpPr>
+          <p:cNvPr id="81" name="Google Shape;81;p15">
+            <a:extLst>
+              <a:ext uri="{FF2B5EF4-FFF2-40B4-BE49-F238E27FC236}">
+                <a16:creationId xmlns:a16="http://schemas.microsoft.com/office/drawing/2014/main" id="{A7235D85-53AF-63FF-105B-88564B9D1765}"/>
+              </a:ext>
+            </a:extLst>
+          </p:cNvPr>
+          <p:cNvCxnSpPr/>
+          <p:nvPr/>
+        </p:nvCxnSpPr>
+        <p:spPr>
+          <a:xfrm>
+            <a:off x="5607986" y="3201938"/>
+            <a:ext cx="16042200" cy="0"/>
+          </a:xfrm>
+          <a:prstGeom prst="straightConnector1">
+            <a:avLst/>
+          </a:prstGeom>
+          <a:noFill/>
+          <a:ln w="28575" cap="flat" cmpd="sng">
+            <a:solidFill>
+              <a:srgbClr val="999999"/>
+            </a:solidFill>
+            <a:prstDash val="dash"/>
+            <a:round/>
+            <a:headEnd type="none" w="med" len="med"/>
+            <a:tailEnd type="none" w="med" len="med"/>
+          </a:ln>
+        </p:spPr>
+      </p:cxnSp>
+      <p:cxnSp>
+        <p:nvCxnSpPr>
+          <p:cNvPr id="82" name="Google Shape;82;p15">
+            <a:extLst>
+              <a:ext uri="{FF2B5EF4-FFF2-40B4-BE49-F238E27FC236}">
+                <a16:creationId xmlns:a16="http://schemas.microsoft.com/office/drawing/2014/main" id="{A1247EB2-93ED-B8F2-F2AB-1AE31A8874B4}"/>
+              </a:ext>
+            </a:extLst>
+          </p:cNvPr>
+          <p:cNvCxnSpPr/>
+          <p:nvPr/>
+        </p:nvCxnSpPr>
+        <p:spPr>
+          <a:xfrm>
+            <a:off x="5607986" y="4777838"/>
+            <a:ext cx="16042200" cy="0"/>
+          </a:xfrm>
+          <a:prstGeom prst="straightConnector1">
+            <a:avLst/>
+          </a:prstGeom>
+          <a:noFill/>
+          <a:ln w="28575" cap="flat" cmpd="sng">
+            <a:solidFill>
+              <a:srgbClr val="999999"/>
+            </a:solidFill>
+            <a:prstDash val="dash"/>
+            <a:round/>
+            <a:headEnd type="none" w="med" len="med"/>
+            <a:tailEnd type="none" w="med" len="med"/>
+          </a:ln>
+        </p:spPr>
+      </p:cxnSp>
+      <p:cxnSp>
+        <p:nvCxnSpPr>
+          <p:cNvPr id="83" name="Google Shape;83;p15">
+            <a:extLst>
+              <a:ext uri="{FF2B5EF4-FFF2-40B4-BE49-F238E27FC236}">
+                <a16:creationId xmlns:a16="http://schemas.microsoft.com/office/drawing/2014/main" id="{DFB52580-1312-066F-6DC9-4ED502290EC2}"/>
+              </a:ext>
+            </a:extLst>
+          </p:cNvPr>
+          <p:cNvCxnSpPr/>
+          <p:nvPr/>
+        </p:nvCxnSpPr>
+        <p:spPr>
+          <a:xfrm>
+            <a:off x="5607986" y="6353738"/>
+            <a:ext cx="16042200" cy="0"/>
+          </a:xfrm>
+          <a:prstGeom prst="straightConnector1">
+            <a:avLst/>
+          </a:prstGeom>
+          <a:noFill/>
+          <a:ln w="28575" cap="flat" cmpd="sng">
+            <a:solidFill>
+              <a:srgbClr val="999999"/>
+            </a:solidFill>
+            <a:prstDash val="dash"/>
+            <a:round/>
+            <a:headEnd type="none" w="med" len="med"/>
+            <a:tailEnd type="none" w="med" len="med"/>
+          </a:ln>
+        </p:spPr>
+      </p:cxnSp>
+      <p:cxnSp>
+        <p:nvCxnSpPr>
+          <p:cNvPr id="84" name="Google Shape;84;p15">
+            <a:extLst>
+              <a:ext uri="{FF2B5EF4-FFF2-40B4-BE49-F238E27FC236}">
+                <a16:creationId xmlns:a16="http://schemas.microsoft.com/office/drawing/2014/main" id="{0089E5B7-3DA6-6CA2-4370-9785754A646D}"/>
+              </a:ext>
+            </a:extLst>
+          </p:cNvPr>
+          <p:cNvCxnSpPr/>
+          <p:nvPr/>
+        </p:nvCxnSpPr>
+        <p:spPr>
+          <a:xfrm>
+            <a:off x="5607986" y="7929638"/>
+            <a:ext cx="16042200" cy="0"/>
+          </a:xfrm>
+          <a:prstGeom prst="straightConnector1">
+            <a:avLst/>
+          </a:prstGeom>
+          <a:noFill/>
+          <a:ln w="28575" cap="flat" cmpd="sng">
+            <a:solidFill>
+              <a:srgbClr val="999999"/>
+            </a:solidFill>
+            <a:prstDash val="dash"/>
+            <a:round/>
+            <a:headEnd type="none" w="med" len="med"/>
+            <a:tailEnd type="none" w="med" len="med"/>
+          </a:ln>
+        </p:spPr>
+      </p:cxnSp>
+      <p:cxnSp>
+        <p:nvCxnSpPr>
+          <p:cNvPr id="85" name="Google Shape;85;p15">
+            <a:extLst>
+              <a:ext uri="{FF2B5EF4-FFF2-40B4-BE49-F238E27FC236}">
+                <a16:creationId xmlns:a16="http://schemas.microsoft.com/office/drawing/2014/main" id="{260452C7-C579-3018-F16B-41768FC9598E}"/>
+              </a:ext>
+            </a:extLst>
+          </p:cNvPr>
+          <p:cNvCxnSpPr/>
+          <p:nvPr/>
+        </p:nvCxnSpPr>
+        <p:spPr>
+          <a:xfrm>
+            <a:off x="5607986" y="9505538"/>
+            <a:ext cx="16042200" cy="0"/>
+          </a:xfrm>
+          <a:prstGeom prst="straightConnector1">
+            <a:avLst/>
+          </a:prstGeom>
+          <a:noFill/>
+          <a:ln w="28575" cap="flat" cmpd="sng">
+            <a:solidFill>
+              <a:srgbClr val="999999"/>
+            </a:solidFill>
+            <a:prstDash val="dash"/>
+            <a:round/>
+            <a:headEnd type="none" w="med" len="med"/>
+            <a:tailEnd type="none" w="med" len="med"/>
+          </a:ln>
+        </p:spPr>
+      </p:cxnSp>
+      <p:sp>
+        <p:nvSpPr>
+          <p:cNvPr id="86" name="Google Shape;86;p15">
+            <a:extLst>
+              <a:ext uri="{FF2B5EF4-FFF2-40B4-BE49-F238E27FC236}">
+                <a16:creationId xmlns:a16="http://schemas.microsoft.com/office/drawing/2014/main" id="{3D17F8BC-9FAF-02F4-D1C1-C0B0D909137A}"/>
+              </a:ext>
+            </a:extLst>
+          </p:cNvPr>
+          <p:cNvSpPr/>
+          <p:nvPr/>
+        </p:nvSpPr>
+        <p:spPr>
+          <a:xfrm>
+            <a:off x="167300" y="801799"/>
+            <a:ext cx="2410761" cy="2640601"/>
+          </a:xfrm>
+          <a:prstGeom prst="roundRect">
+            <a:avLst>
+              <a:gd name="adj" fmla="val 16667"/>
+            </a:avLst>
+          </a:prstGeom>
+          <a:ln>
+            <a:headEnd type="none" w="sm" len="sm"/>
+            <a:tailEnd type="none" w="sm" len="sm"/>
+          </a:ln>
+        </p:spPr>
+        <p:style>
+          <a:lnRef idx="2">
+            <a:schemeClr val="accent4">
+              <a:shade val="15000"/>
+            </a:schemeClr>
+          </a:lnRef>
+          <a:fillRef idx="1">
+            <a:schemeClr val="accent4"/>
+          </a:fillRef>
+          <a:effectRef idx="0">
+            <a:schemeClr val="accent4"/>
+          </a:effectRef>
+          <a:fontRef idx="minor">
+            <a:schemeClr val="lt1"/>
+          </a:fontRef>
+        </p:style>
+        <p:txBody>
+          <a:bodyPr spcFirstLastPara="1" wrap="square" lIns="91425" tIns="91425" rIns="91425" bIns="91425" anchor="t" anchorCtr="0">
+            <a:noAutofit/>
+          </a:bodyPr>
+          <a:lstStyle/>
+          <a:p>
+            <a:pPr marL="0" lvl="0" indent="0" algn="l" rtl="0">
+              <a:spcBef>
+                <a:spcPts val="0"/>
+              </a:spcBef>
+              <a:spcAft>
+                <a:spcPts val="0"/>
+              </a:spcAft>
+              <a:buNone/>
+            </a:pPr>
+            <a:r>
+              <a:rPr lang="en-US" dirty="0">
+                <a:latin typeface="Consolas"/>
+                <a:ea typeface="Consolas"/>
+                <a:cs typeface="Consolas"/>
+                <a:sym typeface="Consolas"/>
+              </a:rPr>
+              <a:t>Code Smells report</a:t>
+            </a:r>
+            <a:endParaRPr dirty="0">
+              <a:latin typeface="Consolas"/>
+              <a:ea typeface="Consolas"/>
+              <a:cs typeface="Consolas"/>
+              <a:sym typeface="Consolas"/>
+            </a:endParaRPr>
+          </a:p>
+        </p:txBody>
+      </p:sp>
+      <p:cxnSp>
+        <p:nvCxnSpPr>
+          <p:cNvPr id="91" name="Google Shape;91;p15">
+            <a:extLst>
+              <a:ext uri="{FF2B5EF4-FFF2-40B4-BE49-F238E27FC236}">
+                <a16:creationId xmlns:a16="http://schemas.microsoft.com/office/drawing/2014/main" id="{F963A007-8304-372C-666B-39AB67A327FB}"/>
+              </a:ext>
+            </a:extLst>
+          </p:cNvPr>
+          <p:cNvCxnSpPr/>
+          <p:nvPr/>
+        </p:nvCxnSpPr>
+        <p:spPr>
+          <a:xfrm>
+            <a:off x="2874374" y="-28500"/>
+            <a:ext cx="0" cy="10857000"/>
+          </a:xfrm>
+          <a:prstGeom prst="straightConnector1">
+            <a:avLst/>
+          </a:prstGeom>
+          <a:noFill/>
+          <a:ln w="38100" cap="flat" cmpd="sng">
+            <a:solidFill>
+              <a:srgbClr val="5B0F00"/>
+            </a:solidFill>
+            <a:prstDash val="solid"/>
+            <a:round/>
+            <a:headEnd type="none" w="med" len="med"/>
+            <a:tailEnd type="none" w="med" len="med"/>
+          </a:ln>
+        </p:spPr>
+      </p:cxnSp>
+      <p:sp>
+        <p:nvSpPr>
+          <p:cNvPr id="92" name="Google Shape;92;p15">
+            <a:extLst>
+              <a:ext uri="{FF2B5EF4-FFF2-40B4-BE49-F238E27FC236}">
+                <a16:creationId xmlns:a16="http://schemas.microsoft.com/office/drawing/2014/main" id="{30713AE8-550A-14C1-6DE0-AD3697CA1AB3}"/>
+              </a:ext>
+            </a:extLst>
+          </p:cNvPr>
+          <p:cNvSpPr/>
+          <p:nvPr/>
+        </p:nvSpPr>
+        <p:spPr>
+          <a:xfrm>
+            <a:off x="167288" y="3894713"/>
+            <a:ext cx="2437261" cy="2640601"/>
+          </a:xfrm>
+          <a:prstGeom prst="roundRect">
+            <a:avLst>
+              <a:gd name="adj" fmla="val 16667"/>
+            </a:avLst>
+          </a:prstGeom>
+          <a:ln>
+            <a:headEnd type="none" w="sm" len="sm"/>
+            <a:tailEnd type="none" w="sm" len="sm"/>
+          </a:ln>
+        </p:spPr>
+        <p:style>
+          <a:lnRef idx="2">
+            <a:schemeClr val="accent4">
+              <a:shade val="15000"/>
+            </a:schemeClr>
+          </a:lnRef>
+          <a:fillRef idx="1">
+            <a:schemeClr val="accent4"/>
+          </a:fillRef>
+          <a:effectRef idx="0">
+            <a:schemeClr val="accent4"/>
+          </a:effectRef>
+          <a:fontRef idx="minor">
+            <a:schemeClr val="lt1"/>
+          </a:fontRef>
+        </p:style>
+        <p:txBody>
+          <a:bodyPr spcFirstLastPara="1" wrap="square" lIns="91425" tIns="91425" rIns="91425" bIns="91425" anchor="t" anchorCtr="0">
+            <a:noAutofit/>
+          </a:bodyPr>
+          <a:lstStyle/>
+          <a:p>
+            <a:r>
+              <a:rPr lang="en-US" dirty="0">
+                <a:latin typeface="Consolas"/>
+                <a:ea typeface="Consolas"/>
+                <a:cs typeface="Consolas"/>
+                <a:sym typeface="Consolas"/>
+              </a:rPr>
+              <a:t>Use case diagram</a:t>
+            </a:r>
+            <a:endParaRPr lang="pt-PT" dirty="0"/>
+          </a:p>
+          <a:p>
+            <a:pPr marL="0" lvl="0" indent="0" algn="l" rtl="0">
+              <a:spcBef>
+                <a:spcPts val="0"/>
+              </a:spcBef>
+              <a:spcAft>
+                <a:spcPts val="0"/>
+              </a:spcAft>
+              <a:buNone/>
+            </a:pPr>
+            <a:endParaRPr dirty="0">
+              <a:latin typeface="Consolas"/>
+              <a:ea typeface="Consolas"/>
+              <a:cs typeface="Consolas"/>
+              <a:sym typeface="Consolas"/>
+            </a:endParaRPr>
+          </a:p>
+        </p:txBody>
+      </p:sp>
+      <p:sp>
+        <p:nvSpPr>
+          <p:cNvPr id="3" name="Google Shape;87;p15">
+            <a:extLst>
+              <a:ext uri="{FF2B5EF4-FFF2-40B4-BE49-F238E27FC236}">
+                <a16:creationId xmlns:a16="http://schemas.microsoft.com/office/drawing/2014/main" id="{F9B8C8B5-A5B6-DB62-5924-FF28FCAC488D}"/>
+              </a:ext>
+            </a:extLst>
+          </p:cNvPr>
+          <p:cNvSpPr/>
+          <p:nvPr/>
+        </p:nvSpPr>
+        <p:spPr>
+          <a:xfrm>
+            <a:off x="29509" y="1385588"/>
+            <a:ext cx="1875816" cy="2293324"/>
+          </a:xfrm>
+          <a:prstGeom prst="roundRect">
+            <a:avLst>
+              <a:gd name="adj" fmla="val 16667"/>
+            </a:avLst>
+          </a:prstGeom>
+          <a:solidFill>
+            <a:srgbClr val="D9EAD3"/>
+          </a:solidFill>
+          <a:ln w="28575" cap="flat" cmpd="sng">
+            <a:solidFill>
+              <a:srgbClr val="274E13"/>
+            </a:solidFill>
+            <a:prstDash val="solid"/>
+            <a:round/>
+            <a:headEnd type="none" w="sm" len="sm"/>
+            <a:tailEnd type="none" w="sm" len="sm"/>
+          </a:ln>
+        </p:spPr>
+        <p:txBody>
+          <a:bodyPr spcFirstLastPara="1" wrap="square" lIns="91425" tIns="91425" rIns="91425" bIns="91425" anchor="t" anchorCtr="0">
+            <a:noAutofit/>
+          </a:bodyPr>
+          <a:lstStyle/>
+          <a:p>
+            <a:pPr marL="0" lvl="0" indent="0" algn="l" rtl="0">
+              <a:spcBef>
+                <a:spcPts val="0"/>
+              </a:spcBef>
+              <a:spcAft>
+                <a:spcPts val="0"/>
+              </a:spcAft>
+              <a:buNone/>
+            </a:pPr>
+            <a:r>
+              <a:rPr lang="en-US" dirty="0">
+                <a:latin typeface="Consolas"/>
+                <a:ea typeface="Consolas"/>
+                <a:cs typeface="Consolas"/>
+                <a:sym typeface="Consolas"/>
+              </a:rPr>
+              <a:t>Explore codebase </a:t>
+            </a:r>
+            <a:endParaRPr dirty="0">
+              <a:latin typeface="Consolas"/>
+              <a:ea typeface="Consolas"/>
+              <a:cs typeface="Consolas"/>
+              <a:sym typeface="Consolas"/>
+            </a:endParaRPr>
+          </a:p>
+        </p:txBody>
+      </p:sp>
+      <p:sp>
+        <p:nvSpPr>
+          <p:cNvPr id="4" name="Google Shape;87;p15">
+            <a:extLst>
+              <a:ext uri="{FF2B5EF4-FFF2-40B4-BE49-F238E27FC236}">
+                <a16:creationId xmlns:a16="http://schemas.microsoft.com/office/drawing/2014/main" id="{71DD232C-4BB3-E34C-472A-01C8AB1178FA}"/>
+              </a:ext>
+            </a:extLst>
+          </p:cNvPr>
+          <p:cNvSpPr/>
+          <p:nvPr/>
+        </p:nvSpPr>
+        <p:spPr>
+          <a:xfrm>
+            <a:off x="984459" y="1480732"/>
+            <a:ext cx="1875816" cy="2293324"/>
+          </a:xfrm>
+          <a:prstGeom prst="roundRect">
+            <a:avLst>
+              <a:gd name="adj" fmla="val 16667"/>
+            </a:avLst>
+          </a:prstGeom>
+          <a:solidFill>
+            <a:srgbClr val="D9EAD3"/>
+          </a:solidFill>
+          <a:ln w="28575" cap="flat" cmpd="sng">
+            <a:solidFill>
+              <a:srgbClr val="274E13"/>
+            </a:solidFill>
+            <a:prstDash val="solid"/>
+            <a:round/>
+            <a:headEnd type="none" w="sm" len="sm"/>
+            <a:tailEnd type="none" w="sm" len="sm"/>
+          </a:ln>
+        </p:spPr>
+        <p:txBody>
+          <a:bodyPr spcFirstLastPara="1" wrap="square" lIns="91425" tIns="91425" rIns="91425" bIns="91425" anchor="t" anchorCtr="0">
+            <a:noAutofit/>
+          </a:bodyPr>
+          <a:lstStyle/>
+          <a:p>
+            <a:pPr marL="0" lvl="0" indent="0" algn="l" rtl="0">
+              <a:spcBef>
+                <a:spcPts val="0"/>
+              </a:spcBef>
+              <a:spcAft>
+                <a:spcPts val="0"/>
+              </a:spcAft>
+              <a:buNone/>
+            </a:pPr>
+            <a:r>
+              <a:rPr lang="en-US" dirty="0">
+                <a:latin typeface="Consolas"/>
+                <a:ea typeface="Consolas"/>
+                <a:cs typeface="Consolas"/>
+                <a:sym typeface="Consolas"/>
+              </a:rPr>
+              <a:t>Recognize present code smells</a:t>
+            </a:r>
+            <a:endParaRPr dirty="0">
+              <a:latin typeface="Consolas"/>
+              <a:ea typeface="Consolas"/>
+              <a:cs typeface="Consolas"/>
+              <a:sym typeface="Consolas"/>
+            </a:endParaRPr>
+          </a:p>
+        </p:txBody>
+      </p:sp>
+    </p:spTree>
+    <p:extLst>
+      <p:ext uri="{BB962C8B-B14F-4D97-AF65-F5344CB8AC3E}">
+        <p14:creationId xmlns:p14="http://schemas.microsoft.com/office/powerpoint/2010/main" val="3521254"/>
+      </p:ext>
+    </p:extLst>
   </p:cSld>
   <p:clrMapOvr>
     <a:masterClrMapping/>
